--- a/Documents/정보구조설계(흐름도).pptx
+++ b/Documents/정보구조설계(흐름도).pptx
@@ -5,9 +5,15 @@
     <p:sldMasterId id="2147483648" r:id="rId1"/>
   </p:sldMasterIdLst>
   <p:sldIdLst>
-    <p:sldId id="257" r:id="rId2"/>
-    <p:sldId id="258" r:id="rId3"/>
-    <p:sldId id="260" r:id="rId4"/>
+    <p:sldId id="261" r:id="rId2"/>
+    <p:sldId id="262" r:id="rId3"/>
+    <p:sldId id="263" r:id="rId4"/>
+    <p:sldId id="265" r:id="rId5"/>
+    <p:sldId id="266" r:id="rId6"/>
+    <p:sldId id="267" r:id="rId7"/>
+    <p:sldId id="268" r:id="rId8"/>
+    <p:sldId id="269" r:id="rId9"/>
+    <p:sldId id="270" r:id="rId10"/>
   </p:sldIdLst>
   <p:sldSz cx="12192000" cy="6858000"/>
   <p:notesSz cx="6858000" cy="9144000"/>
@@ -245,7 +251,7 @@
           <a:p>
             <a:fld id="{7738FE3C-1C26-43E1-BFCC-467E05BDA6F5}" type="datetimeFigureOut">
               <a:rPr lang="ko-KR" altLang="en-US" smtClean="0"/>
-              <a:t>2020-05-04</a:t>
+              <a:t>2020-05-29</a:t>
             </a:fld>
             <a:endParaRPr lang="ko-KR" altLang="en-US"/>
           </a:p>
@@ -415,7 +421,7 @@
           <a:p>
             <a:fld id="{7738FE3C-1C26-43E1-BFCC-467E05BDA6F5}" type="datetimeFigureOut">
               <a:rPr lang="ko-KR" altLang="en-US" smtClean="0"/>
-              <a:t>2020-05-04</a:t>
+              <a:t>2020-05-29</a:t>
             </a:fld>
             <a:endParaRPr lang="ko-KR" altLang="en-US"/>
           </a:p>
@@ -595,7 +601,7 @@
           <a:p>
             <a:fld id="{7738FE3C-1C26-43E1-BFCC-467E05BDA6F5}" type="datetimeFigureOut">
               <a:rPr lang="ko-KR" altLang="en-US" smtClean="0"/>
-              <a:t>2020-05-04</a:t>
+              <a:t>2020-05-29</a:t>
             </a:fld>
             <a:endParaRPr lang="ko-KR" altLang="en-US"/>
           </a:p>
@@ -765,7 +771,7 @@
           <a:p>
             <a:fld id="{7738FE3C-1C26-43E1-BFCC-467E05BDA6F5}" type="datetimeFigureOut">
               <a:rPr lang="ko-KR" altLang="en-US" smtClean="0"/>
-              <a:t>2020-05-04</a:t>
+              <a:t>2020-05-29</a:t>
             </a:fld>
             <a:endParaRPr lang="ko-KR" altLang="en-US"/>
           </a:p>
@@ -1011,7 +1017,7 @@
           <a:p>
             <a:fld id="{7738FE3C-1C26-43E1-BFCC-467E05BDA6F5}" type="datetimeFigureOut">
               <a:rPr lang="ko-KR" altLang="en-US" smtClean="0"/>
-              <a:t>2020-05-04</a:t>
+              <a:t>2020-05-29</a:t>
             </a:fld>
             <a:endParaRPr lang="ko-KR" altLang="en-US"/>
           </a:p>
@@ -1243,7 +1249,7 @@
           <a:p>
             <a:fld id="{7738FE3C-1C26-43E1-BFCC-467E05BDA6F5}" type="datetimeFigureOut">
               <a:rPr lang="ko-KR" altLang="en-US" smtClean="0"/>
-              <a:t>2020-05-04</a:t>
+              <a:t>2020-05-29</a:t>
             </a:fld>
             <a:endParaRPr lang="ko-KR" altLang="en-US"/>
           </a:p>
@@ -1610,7 +1616,7 @@
           <a:p>
             <a:fld id="{7738FE3C-1C26-43E1-BFCC-467E05BDA6F5}" type="datetimeFigureOut">
               <a:rPr lang="ko-KR" altLang="en-US" smtClean="0"/>
-              <a:t>2020-05-04</a:t>
+              <a:t>2020-05-29</a:t>
             </a:fld>
             <a:endParaRPr lang="ko-KR" altLang="en-US"/>
           </a:p>
@@ -1728,7 +1734,7 @@
           <a:p>
             <a:fld id="{7738FE3C-1C26-43E1-BFCC-467E05BDA6F5}" type="datetimeFigureOut">
               <a:rPr lang="ko-KR" altLang="en-US" smtClean="0"/>
-              <a:t>2020-05-04</a:t>
+              <a:t>2020-05-29</a:t>
             </a:fld>
             <a:endParaRPr lang="ko-KR" altLang="en-US"/>
           </a:p>
@@ -1823,7 +1829,7 @@
           <a:p>
             <a:fld id="{7738FE3C-1C26-43E1-BFCC-467E05BDA6F5}" type="datetimeFigureOut">
               <a:rPr lang="ko-KR" altLang="en-US" smtClean="0"/>
-              <a:t>2020-05-04</a:t>
+              <a:t>2020-05-29</a:t>
             </a:fld>
             <a:endParaRPr lang="ko-KR" altLang="en-US"/>
           </a:p>
@@ -2100,7 +2106,7 @@
           <a:p>
             <a:fld id="{7738FE3C-1C26-43E1-BFCC-467E05BDA6F5}" type="datetimeFigureOut">
               <a:rPr lang="ko-KR" altLang="en-US" smtClean="0"/>
-              <a:t>2020-05-04</a:t>
+              <a:t>2020-05-29</a:t>
             </a:fld>
             <a:endParaRPr lang="ko-KR" altLang="en-US"/>
           </a:p>
@@ -2353,7 +2359,7 @@
           <a:p>
             <a:fld id="{7738FE3C-1C26-43E1-BFCC-467E05BDA6F5}" type="datetimeFigureOut">
               <a:rPr lang="ko-KR" altLang="en-US" smtClean="0"/>
-              <a:t>2020-05-04</a:t>
+              <a:t>2020-05-29</a:t>
             </a:fld>
             <a:endParaRPr lang="ko-KR" altLang="en-US"/>
           </a:p>
@@ -2566,7 +2572,7 @@
           <a:p>
             <a:fld id="{7738FE3C-1C26-43E1-BFCC-467E05BDA6F5}" type="datetimeFigureOut">
               <a:rPr lang="ko-KR" altLang="en-US" smtClean="0"/>
-              <a:t>2020-05-04</a:t>
+              <a:t>2020-05-29</a:t>
             </a:fld>
             <a:endParaRPr lang="ko-KR" altLang="en-US"/>
           </a:p>
@@ -2979,16 +2985,14 @@
         </p:nvSpPr>
         <p:spPr>
           <a:xfrm>
-            <a:off x="0" y="0"/>
-            <a:ext cx="12192000" cy="685800"/>
+            <a:off x="1227993" y="1081453"/>
+            <a:ext cx="10964007" cy="79131"/>
           </a:xfrm>
           <a:prstGeom prst="rect">
             <a:avLst/>
           </a:prstGeom>
           <a:solidFill>
-            <a:schemeClr val="bg1">
-              <a:lumMod val="85000"/>
-            </a:schemeClr>
+            <a:srgbClr val="FF0000"/>
           </a:solidFill>
           <a:ln>
             <a:noFill/>
@@ -3027,8 +3031,8 @@
         </p:nvSpPr>
         <p:spPr>
           <a:xfrm>
-            <a:off x="5394080" y="50512"/>
-            <a:ext cx="1403839" cy="584775"/>
+            <a:off x="1227993" y="1318846"/>
+            <a:ext cx="4749121" cy="707886"/>
           </a:xfrm>
           <a:prstGeom prst="rect">
             <a:avLst/>
@@ -3042,976 +3046,582 @@
           <a:lstStyle/>
           <a:p>
             <a:r>
-              <a:rPr lang="ko-KR" altLang="en-US" sz="3200" dirty="0" smtClean="0"/>
-              <a:t>로그인</a:t>
-            </a:r>
-            <a:endParaRPr lang="ko-KR" altLang="en-US" sz="3200" dirty="0"/>
-          </a:p>
-        </p:txBody>
-      </p:sp>
-      <p:sp>
-        <p:nvSpPr>
-          <p:cNvPr id="2" name="모서리가 둥근 직사각형 1"/>
-          <p:cNvSpPr/>
+              <a:rPr lang="en-US" altLang="ko-KR" sz="4000" b="1" dirty="0" err="1"/>
+              <a:t>Taemin’s</a:t>
+            </a:r>
+            <a:r>
+              <a:rPr lang="en-US" altLang="ko-KR" sz="4000" b="1" dirty="0"/>
+              <a:t> Portfolio</a:t>
+            </a:r>
+            <a:endParaRPr lang="ko-KR" altLang="en-US" b="1" dirty="0"/>
+          </a:p>
+        </p:txBody>
+      </p:sp>
+      <p:graphicFrame>
+        <p:nvGraphicFramePr>
+          <p:cNvPr id="6" name="표 5"/>
+          <p:cNvGraphicFramePr>
+            <a:graphicFrameLocks noGrp="1"/>
+          </p:cNvGraphicFramePr>
+          <p:nvPr>
+            <p:extLst>
+              <p:ext uri="{D42A27DB-BD31-4B8C-83A1-F6EECF244321}">
+                <p14:modId xmlns:p14="http://schemas.microsoft.com/office/powerpoint/2010/main" val="1984630161"/>
+              </p:ext>
+            </p:extLst>
+          </p:nvPr>
+        </p:nvGraphicFramePr>
+        <p:xfrm>
+          <a:off x="325319" y="5527236"/>
+          <a:ext cx="11550164" cy="741680"/>
+        </p:xfrm>
+        <a:graphic>
+          <a:graphicData uri="http://schemas.openxmlformats.org/drawingml/2006/table">
+            <a:tbl>
+              <a:tblPr firstRow="1" bandRow="1">
+                <a:tableStyleId>{5C22544A-7EE6-4342-B048-85BDC9FD1C3A}</a:tableStyleId>
+              </a:tblPr>
+              <a:tblGrid>
+                <a:gridCol w="2887541">
+                  <a:extLst>
+                    <a:ext uri="{9D8B030D-6E8A-4147-A177-3AD203B41FA5}">
+                      <a16:colId xmlns:a16="http://schemas.microsoft.com/office/drawing/2014/main" val="2952067407"/>
+                    </a:ext>
+                  </a:extLst>
+                </a:gridCol>
+                <a:gridCol w="2887541">
+                  <a:extLst>
+                    <a:ext uri="{9D8B030D-6E8A-4147-A177-3AD203B41FA5}">
+                      <a16:colId xmlns:a16="http://schemas.microsoft.com/office/drawing/2014/main" val="4019793381"/>
+                    </a:ext>
+                  </a:extLst>
+                </a:gridCol>
+                <a:gridCol w="2887541">
+                  <a:extLst>
+                    <a:ext uri="{9D8B030D-6E8A-4147-A177-3AD203B41FA5}">
+                      <a16:colId xmlns:a16="http://schemas.microsoft.com/office/drawing/2014/main" val="144326858"/>
+                    </a:ext>
+                  </a:extLst>
+                </a:gridCol>
+                <a:gridCol w="2887541">
+                  <a:extLst>
+                    <a:ext uri="{9D8B030D-6E8A-4147-A177-3AD203B41FA5}">
+                      <a16:colId xmlns:a16="http://schemas.microsoft.com/office/drawing/2014/main" val="3945122818"/>
+                    </a:ext>
+                  </a:extLst>
+                </a:gridCol>
+              </a:tblGrid>
+              <a:tr h="370840">
+                <a:tc>
+                  <a:txBody>
+                    <a:bodyPr/>
+                    <a:lstStyle/>
+                    <a:p>
+                      <a:pPr algn="ctr" latinLnBrk="1"/>
+                      <a:r>
+                        <a:rPr lang="en-US" altLang="ko-KR" dirty="0">
+                          <a:solidFill>
+                            <a:schemeClr val="tx1"/>
+                          </a:solidFill>
+                        </a:rPr>
+                        <a:t>Document Name</a:t>
+                      </a:r>
+                      <a:endParaRPr lang="ko-KR" altLang="en-US" dirty="0">
+                        <a:solidFill>
+                          <a:schemeClr val="tx1"/>
+                        </a:solidFill>
+                      </a:endParaRPr>
+                    </a:p>
+                  </a:txBody>
+                  <a:tcPr>
+                    <a:lnL w="12700" cap="flat" cmpd="sng" algn="ctr">
+                      <a:noFill/>
+                      <a:prstDash val="solid"/>
+                      <a:round/>
+                      <a:headEnd type="none" w="med" len="med"/>
+                      <a:tailEnd type="none" w="med" len="med"/>
+                    </a:lnL>
+                    <a:lnR w="12700" cap="flat" cmpd="sng" algn="ctr">
+                      <a:solidFill>
+                        <a:schemeClr val="tx1"/>
+                      </a:solidFill>
+                      <a:prstDash val="solid"/>
+                      <a:round/>
+                      <a:headEnd type="none" w="med" len="med"/>
+                      <a:tailEnd type="none" w="med" len="med"/>
+                    </a:lnR>
+                    <a:lnT w="12700" cap="flat" cmpd="sng" algn="ctr">
+                      <a:solidFill>
+                        <a:schemeClr val="tx1"/>
+                      </a:solidFill>
+                      <a:prstDash val="solid"/>
+                      <a:round/>
+                      <a:headEnd type="none" w="med" len="med"/>
+                      <a:tailEnd type="none" w="med" len="med"/>
+                    </a:lnT>
+                    <a:lnB w="12700" cap="flat" cmpd="sng" algn="ctr">
+                      <a:solidFill>
+                        <a:schemeClr val="tx1"/>
+                      </a:solidFill>
+                      <a:prstDash val="solid"/>
+                      <a:round/>
+                      <a:headEnd type="none" w="med" len="med"/>
+                      <a:tailEnd type="none" w="med" len="med"/>
+                    </a:lnB>
+                    <a:solidFill>
+                      <a:schemeClr val="bg1">
+                        <a:lumMod val="85000"/>
+                      </a:schemeClr>
+                    </a:solidFill>
+                  </a:tcPr>
+                </a:tc>
+                <a:tc>
+                  <a:txBody>
+                    <a:bodyPr/>
+                    <a:lstStyle/>
+                    <a:p>
+                      <a:pPr algn="ctr" latinLnBrk="1"/>
+                      <a:r>
+                        <a:rPr lang="en-US" altLang="ko-KR" dirty="0">
+                          <a:solidFill>
+                            <a:schemeClr val="tx1"/>
+                          </a:solidFill>
+                        </a:rPr>
+                        <a:t>Document</a:t>
+                      </a:r>
+                      <a:r>
+                        <a:rPr lang="en-US" altLang="ko-KR" baseline="0" dirty="0">
+                          <a:solidFill>
+                            <a:schemeClr val="tx1"/>
+                          </a:solidFill>
+                        </a:rPr>
+                        <a:t> Version</a:t>
+                      </a:r>
+                      <a:endParaRPr lang="ko-KR" altLang="en-US" dirty="0">
+                        <a:solidFill>
+                          <a:schemeClr val="tx1"/>
+                        </a:solidFill>
+                      </a:endParaRPr>
+                    </a:p>
+                  </a:txBody>
+                  <a:tcPr>
+                    <a:lnL w="12700" cap="flat" cmpd="sng" algn="ctr">
+                      <a:solidFill>
+                        <a:schemeClr val="tx1"/>
+                      </a:solidFill>
+                      <a:prstDash val="solid"/>
+                      <a:round/>
+                      <a:headEnd type="none" w="med" len="med"/>
+                      <a:tailEnd type="none" w="med" len="med"/>
+                    </a:lnL>
+                    <a:lnR w="12700" cap="flat" cmpd="sng" algn="ctr">
+                      <a:solidFill>
+                        <a:schemeClr val="tx1"/>
+                      </a:solidFill>
+                      <a:prstDash val="solid"/>
+                      <a:round/>
+                      <a:headEnd type="none" w="med" len="med"/>
+                      <a:tailEnd type="none" w="med" len="med"/>
+                    </a:lnR>
+                    <a:lnT w="12700" cap="flat" cmpd="sng" algn="ctr">
+                      <a:solidFill>
+                        <a:schemeClr val="tx1"/>
+                      </a:solidFill>
+                      <a:prstDash val="solid"/>
+                      <a:round/>
+                      <a:headEnd type="none" w="med" len="med"/>
+                      <a:tailEnd type="none" w="med" len="med"/>
+                    </a:lnT>
+                    <a:lnB w="12700" cap="flat" cmpd="sng" algn="ctr">
+                      <a:solidFill>
+                        <a:schemeClr val="tx1"/>
+                      </a:solidFill>
+                      <a:prstDash val="solid"/>
+                      <a:round/>
+                      <a:headEnd type="none" w="med" len="med"/>
+                      <a:tailEnd type="none" w="med" len="med"/>
+                    </a:lnB>
+                    <a:solidFill>
+                      <a:schemeClr val="bg1">
+                        <a:lumMod val="85000"/>
+                      </a:schemeClr>
+                    </a:solidFill>
+                  </a:tcPr>
+                </a:tc>
+                <a:tc>
+                  <a:txBody>
+                    <a:bodyPr/>
+                    <a:lstStyle/>
+                    <a:p>
+                      <a:pPr algn="ctr" latinLnBrk="1"/>
+                      <a:r>
+                        <a:rPr lang="en-US" altLang="ko-KR" dirty="0">
+                          <a:solidFill>
+                            <a:schemeClr val="tx1"/>
+                          </a:solidFill>
+                        </a:rPr>
+                        <a:t>Last Updated</a:t>
+                      </a:r>
+                      <a:endParaRPr lang="ko-KR" altLang="en-US" dirty="0">
+                        <a:solidFill>
+                          <a:schemeClr val="tx1"/>
+                        </a:solidFill>
+                      </a:endParaRPr>
+                    </a:p>
+                  </a:txBody>
+                  <a:tcPr>
+                    <a:lnL w="12700" cap="flat" cmpd="sng" algn="ctr">
+                      <a:solidFill>
+                        <a:schemeClr val="tx1"/>
+                      </a:solidFill>
+                      <a:prstDash val="solid"/>
+                      <a:round/>
+                      <a:headEnd type="none" w="med" len="med"/>
+                      <a:tailEnd type="none" w="med" len="med"/>
+                    </a:lnL>
+                    <a:lnR w="12700" cap="flat" cmpd="sng" algn="ctr">
+                      <a:solidFill>
+                        <a:schemeClr val="tx1"/>
+                      </a:solidFill>
+                      <a:prstDash val="solid"/>
+                      <a:round/>
+                      <a:headEnd type="none" w="med" len="med"/>
+                      <a:tailEnd type="none" w="med" len="med"/>
+                    </a:lnR>
+                    <a:lnT w="12700" cap="flat" cmpd="sng" algn="ctr">
+                      <a:solidFill>
+                        <a:schemeClr val="tx1"/>
+                      </a:solidFill>
+                      <a:prstDash val="solid"/>
+                      <a:round/>
+                      <a:headEnd type="none" w="med" len="med"/>
+                      <a:tailEnd type="none" w="med" len="med"/>
+                    </a:lnT>
+                    <a:lnB w="12700" cap="flat" cmpd="sng" algn="ctr">
+                      <a:solidFill>
+                        <a:schemeClr val="tx1"/>
+                      </a:solidFill>
+                      <a:prstDash val="solid"/>
+                      <a:round/>
+                      <a:headEnd type="none" w="med" len="med"/>
+                      <a:tailEnd type="none" w="med" len="med"/>
+                    </a:lnB>
+                    <a:solidFill>
+                      <a:schemeClr val="bg1">
+                        <a:lumMod val="85000"/>
+                      </a:schemeClr>
+                    </a:solidFill>
+                  </a:tcPr>
+                </a:tc>
+                <a:tc>
+                  <a:txBody>
+                    <a:bodyPr/>
+                    <a:lstStyle/>
+                    <a:p>
+                      <a:pPr algn="ctr" latinLnBrk="1"/>
+                      <a:r>
+                        <a:rPr lang="en-US" altLang="ko-KR" dirty="0">
+                          <a:solidFill>
+                            <a:schemeClr val="tx1"/>
+                          </a:solidFill>
+                        </a:rPr>
+                        <a:t>Author</a:t>
+                      </a:r>
+                      <a:endParaRPr lang="ko-KR" altLang="en-US" dirty="0">
+                        <a:solidFill>
+                          <a:schemeClr val="tx1"/>
+                        </a:solidFill>
+                      </a:endParaRPr>
+                    </a:p>
+                  </a:txBody>
+                  <a:tcPr>
+                    <a:lnL w="12700" cap="flat" cmpd="sng" algn="ctr">
+                      <a:solidFill>
+                        <a:schemeClr val="tx1"/>
+                      </a:solidFill>
+                      <a:prstDash val="solid"/>
+                      <a:round/>
+                      <a:headEnd type="none" w="med" len="med"/>
+                      <a:tailEnd type="none" w="med" len="med"/>
+                    </a:lnL>
+                    <a:lnR w="12700" cap="flat" cmpd="sng" algn="ctr">
+                      <a:noFill/>
+                      <a:prstDash val="solid"/>
+                      <a:round/>
+                      <a:headEnd type="none" w="med" len="med"/>
+                      <a:tailEnd type="none" w="med" len="med"/>
+                    </a:lnR>
+                    <a:lnT w="12700" cap="flat" cmpd="sng" algn="ctr">
+                      <a:solidFill>
+                        <a:schemeClr val="tx1"/>
+                      </a:solidFill>
+                      <a:prstDash val="solid"/>
+                      <a:round/>
+                      <a:headEnd type="none" w="med" len="med"/>
+                      <a:tailEnd type="none" w="med" len="med"/>
+                    </a:lnT>
+                    <a:lnB w="12700" cap="flat" cmpd="sng" algn="ctr">
+                      <a:solidFill>
+                        <a:schemeClr val="tx1"/>
+                      </a:solidFill>
+                      <a:prstDash val="solid"/>
+                      <a:round/>
+                      <a:headEnd type="none" w="med" len="med"/>
+                      <a:tailEnd type="none" w="med" len="med"/>
+                    </a:lnB>
+                    <a:solidFill>
+                      <a:schemeClr val="bg1">
+                        <a:lumMod val="85000"/>
+                      </a:schemeClr>
+                    </a:solidFill>
+                  </a:tcPr>
+                </a:tc>
+                <a:extLst>
+                  <a:ext uri="{0D108BD9-81ED-4DB2-BD59-A6C34878D82A}">
+                    <a16:rowId xmlns:a16="http://schemas.microsoft.com/office/drawing/2014/main" val="3302749033"/>
+                  </a:ext>
+                </a:extLst>
+              </a:tr>
+              <a:tr h="370840">
+                <a:tc>
+                  <a:txBody>
+                    <a:bodyPr/>
+                    <a:lstStyle/>
+                    <a:p>
+                      <a:pPr algn="ctr" latinLnBrk="1"/>
+                      <a:r>
+                        <a:rPr lang="ko-KR" altLang="en-US" dirty="0" smtClean="0"/>
+                        <a:t>정보구조설계</a:t>
+                      </a:r>
+                      <a:r>
+                        <a:rPr lang="en-US" altLang="ko-KR" dirty="0" smtClean="0"/>
+                        <a:t>(</a:t>
+                      </a:r>
+                      <a:r>
+                        <a:rPr lang="ko-KR" altLang="en-US" dirty="0" smtClean="0"/>
+                        <a:t>흐름도</a:t>
+                      </a:r>
+                      <a:r>
+                        <a:rPr lang="en-US" altLang="ko-KR" dirty="0" smtClean="0"/>
+                        <a:t>)</a:t>
+                      </a:r>
+                      <a:endParaRPr lang="ko-KR" altLang="en-US" dirty="0"/>
+                    </a:p>
+                  </a:txBody>
+                  <a:tcPr>
+                    <a:lnL w="12700" cap="flat" cmpd="sng" algn="ctr">
+                      <a:noFill/>
+                      <a:prstDash val="solid"/>
+                      <a:round/>
+                      <a:headEnd type="none" w="med" len="med"/>
+                      <a:tailEnd type="none" w="med" len="med"/>
+                    </a:lnL>
+                    <a:lnR w="12700" cap="flat" cmpd="sng" algn="ctr">
+                      <a:solidFill>
+                        <a:schemeClr val="tx1"/>
+                      </a:solidFill>
+                      <a:prstDash val="solid"/>
+                      <a:round/>
+                      <a:headEnd type="none" w="med" len="med"/>
+                      <a:tailEnd type="none" w="med" len="med"/>
+                    </a:lnR>
+                    <a:lnT w="12700" cap="flat" cmpd="sng" algn="ctr">
+                      <a:solidFill>
+                        <a:schemeClr val="tx1"/>
+                      </a:solidFill>
+                      <a:prstDash val="solid"/>
+                      <a:round/>
+                      <a:headEnd type="none" w="med" len="med"/>
+                      <a:tailEnd type="none" w="med" len="med"/>
+                    </a:lnT>
+                    <a:lnB w="12700" cap="flat" cmpd="sng" algn="ctr">
+                      <a:solidFill>
+                        <a:schemeClr val="tx1"/>
+                      </a:solidFill>
+                      <a:prstDash val="solid"/>
+                      <a:round/>
+                      <a:headEnd type="none" w="med" len="med"/>
+                      <a:tailEnd type="none" w="med" len="med"/>
+                    </a:lnB>
+                    <a:noFill/>
+                  </a:tcPr>
+                </a:tc>
+                <a:tc>
+                  <a:txBody>
+                    <a:bodyPr/>
+                    <a:lstStyle/>
+                    <a:p>
+                      <a:pPr algn="ctr" latinLnBrk="1"/>
+                      <a:r>
+                        <a:rPr lang="en-US" altLang="ko-KR" dirty="0"/>
+                        <a:t>0.2</a:t>
+                      </a:r>
+                      <a:endParaRPr lang="ko-KR" altLang="en-US" dirty="0"/>
+                    </a:p>
+                  </a:txBody>
+                  <a:tcPr>
+                    <a:lnL w="12700" cap="flat" cmpd="sng" algn="ctr">
+                      <a:solidFill>
+                        <a:schemeClr val="tx1"/>
+                      </a:solidFill>
+                      <a:prstDash val="solid"/>
+                      <a:round/>
+                      <a:headEnd type="none" w="med" len="med"/>
+                      <a:tailEnd type="none" w="med" len="med"/>
+                    </a:lnL>
+                    <a:lnR w="12700" cap="flat" cmpd="sng" algn="ctr">
+                      <a:solidFill>
+                        <a:schemeClr val="tx1"/>
+                      </a:solidFill>
+                      <a:prstDash val="solid"/>
+                      <a:round/>
+                      <a:headEnd type="none" w="med" len="med"/>
+                      <a:tailEnd type="none" w="med" len="med"/>
+                    </a:lnR>
+                    <a:lnT w="12700" cap="flat" cmpd="sng" algn="ctr">
+                      <a:solidFill>
+                        <a:schemeClr val="tx1"/>
+                      </a:solidFill>
+                      <a:prstDash val="solid"/>
+                      <a:round/>
+                      <a:headEnd type="none" w="med" len="med"/>
+                      <a:tailEnd type="none" w="med" len="med"/>
+                    </a:lnT>
+                    <a:lnB w="12700" cap="flat" cmpd="sng" algn="ctr">
+                      <a:solidFill>
+                        <a:schemeClr val="tx1"/>
+                      </a:solidFill>
+                      <a:prstDash val="solid"/>
+                      <a:round/>
+                      <a:headEnd type="none" w="med" len="med"/>
+                      <a:tailEnd type="none" w="med" len="med"/>
+                    </a:lnB>
+                    <a:noFill/>
+                  </a:tcPr>
+                </a:tc>
+                <a:tc>
+                  <a:txBody>
+                    <a:bodyPr/>
+                    <a:lstStyle/>
+                    <a:p>
+                      <a:pPr algn="ctr" latinLnBrk="1"/>
+                      <a:r>
+                        <a:rPr lang="en-US" altLang="ko-KR" dirty="0" smtClean="0"/>
+                        <a:t>2020-05-29</a:t>
+                      </a:r>
+                      <a:endParaRPr lang="ko-KR" altLang="en-US" dirty="0"/>
+                    </a:p>
+                  </a:txBody>
+                  <a:tcPr>
+                    <a:lnL w="12700" cap="flat" cmpd="sng" algn="ctr">
+                      <a:solidFill>
+                        <a:schemeClr val="tx1"/>
+                      </a:solidFill>
+                      <a:prstDash val="solid"/>
+                      <a:round/>
+                      <a:headEnd type="none" w="med" len="med"/>
+                      <a:tailEnd type="none" w="med" len="med"/>
+                    </a:lnL>
+                    <a:lnR w="12700" cap="flat" cmpd="sng" algn="ctr">
+                      <a:solidFill>
+                        <a:schemeClr val="tx1"/>
+                      </a:solidFill>
+                      <a:prstDash val="solid"/>
+                      <a:round/>
+                      <a:headEnd type="none" w="med" len="med"/>
+                      <a:tailEnd type="none" w="med" len="med"/>
+                    </a:lnR>
+                    <a:lnT w="12700" cap="flat" cmpd="sng" algn="ctr">
+                      <a:solidFill>
+                        <a:schemeClr val="tx1"/>
+                      </a:solidFill>
+                      <a:prstDash val="solid"/>
+                      <a:round/>
+                      <a:headEnd type="none" w="med" len="med"/>
+                      <a:tailEnd type="none" w="med" len="med"/>
+                    </a:lnT>
+                    <a:lnB w="12700" cap="flat" cmpd="sng" algn="ctr">
+                      <a:solidFill>
+                        <a:schemeClr val="tx1"/>
+                      </a:solidFill>
+                      <a:prstDash val="solid"/>
+                      <a:round/>
+                      <a:headEnd type="none" w="med" len="med"/>
+                      <a:tailEnd type="none" w="med" len="med"/>
+                    </a:lnB>
+                    <a:noFill/>
+                  </a:tcPr>
+                </a:tc>
+                <a:tc>
+                  <a:txBody>
+                    <a:bodyPr/>
+                    <a:lstStyle/>
+                    <a:p>
+                      <a:pPr algn="ctr" latinLnBrk="1"/>
+                      <a:r>
+                        <a:rPr lang="ko-KR" altLang="en-US" dirty="0"/>
+                        <a:t>하 태민</a:t>
+                      </a:r>
+                    </a:p>
+                  </a:txBody>
+                  <a:tcPr>
+                    <a:lnL w="12700" cap="flat" cmpd="sng" algn="ctr">
+                      <a:solidFill>
+                        <a:schemeClr val="tx1"/>
+                      </a:solidFill>
+                      <a:prstDash val="solid"/>
+                      <a:round/>
+                      <a:headEnd type="none" w="med" len="med"/>
+                      <a:tailEnd type="none" w="med" len="med"/>
+                    </a:lnL>
+                    <a:lnR w="12700" cap="flat" cmpd="sng" algn="ctr">
+                      <a:noFill/>
+                      <a:prstDash val="solid"/>
+                      <a:round/>
+                      <a:headEnd type="none" w="med" len="med"/>
+                      <a:tailEnd type="none" w="med" len="med"/>
+                    </a:lnR>
+                    <a:lnT w="12700" cap="flat" cmpd="sng" algn="ctr">
+                      <a:solidFill>
+                        <a:schemeClr val="tx1"/>
+                      </a:solidFill>
+                      <a:prstDash val="solid"/>
+                      <a:round/>
+                      <a:headEnd type="none" w="med" len="med"/>
+                      <a:tailEnd type="none" w="med" len="med"/>
+                    </a:lnT>
+                    <a:lnB w="12700" cap="flat" cmpd="sng" algn="ctr">
+                      <a:solidFill>
+                        <a:schemeClr val="tx1"/>
+                      </a:solidFill>
+                      <a:prstDash val="solid"/>
+                      <a:round/>
+                      <a:headEnd type="none" w="med" len="med"/>
+                      <a:tailEnd type="none" w="med" len="med"/>
+                    </a:lnB>
+                    <a:noFill/>
+                  </a:tcPr>
+                </a:tc>
+                <a:extLst>
+                  <a:ext uri="{0D108BD9-81ED-4DB2-BD59-A6C34878D82A}">
+                    <a16:rowId xmlns:a16="http://schemas.microsoft.com/office/drawing/2014/main" val="320913956"/>
+                  </a:ext>
+                </a:extLst>
+              </a:tr>
+            </a:tbl>
+          </a:graphicData>
+        </a:graphic>
+      </p:graphicFrame>
+      <p:sp>
+        <p:nvSpPr>
+          <p:cNvPr id="7" name="TextBox 6"/>
+          <p:cNvSpPr txBox="1"/>
           <p:nvPr/>
         </p:nvSpPr>
         <p:spPr>
           <a:xfrm>
-            <a:off x="5440972" y="949568"/>
-            <a:ext cx="1310054" cy="615462"/>
-          </a:xfrm>
-          <a:prstGeom prst="roundRect">
-            <a:avLst/>
-          </a:prstGeom>
-        </p:spPr>
-        <p:style>
-          <a:lnRef idx="2">
-            <a:schemeClr val="accent2">
-              <a:shade val="50000"/>
-            </a:schemeClr>
-          </a:lnRef>
-          <a:fillRef idx="1">
-            <a:schemeClr val="accent2"/>
-          </a:fillRef>
-          <a:effectRef idx="0">
-            <a:schemeClr val="accent2"/>
-          </a:effectRef>
-          <a:fontRef idx="minor">
-            <a:schemeClr val="lt1"/>
-          </a:fontRef>
-        </p:style>
-        <p:txBody>
-          <a:bodyPr rtlCol="0" anchor="ctr"/>
-          <a:lstStyle/>
-          <a:p>
-            <a:pPr algn="ctr"/>
-            <a:r>
-              <a:rPr lang="ko-KR" altLang="en-US" dirty="0" smtClean="0"/>
-              <a:t>로그인</a:t>
-            </a:r>
-            <a:endParaRPr lang="ko-KR" altLang="en-US" dirty="0"/>
-          </a:p>
-        </p:txBody>
-      </p:sp>
-      <p:sp>
-        <p:nvSpPr>
-          <p:cNvPr id="6" name="모서리가 둥근 직사각형 5"/>
-          <p:cNvSpPr/>
-          <p:nvPr/>
-        </p:nvSpPr>
-        <p:spPr>
-          <a:xfrm>
-            <a:off x="1510810" y="2209798"/>
-            <a:ext cx="1310054" cy="615462"/>
-          </a:xfrm>
-          <a:prstGeom prst="roundRect">
-            <a:avLst/>
-          </a:prstGeom>
-        </p:spPr>
-        <p:style>
-          <a:lnRef idx="2">
-            <a:schemeClr val="accent1">
-              <a:shade val="50000"/>
-            </a:schemeClr>
-          </a:lnRef>
-          <a:fillRef idx="1">
-            <a:schemeClr val="accent1"/>
-          </a:fillRef>
-          <a:effectRef idx="0">
-            <a:schemeClr val="accent1"/>
-          </a:effectRef>
-          <a:fontRef idx="minor">
-            <a:schemeClr val="lt1"/>
-          </a:fontRef>
-        </p:style>
-        <p:txBody>
-          <a:bodyPr rtlCol="0" anchor="ctr"/>
-          <a:lstStyle/>
-          <a:p>
-            <a:pPr algn="ctr"/>
-            <a:r>
-              <a:rPr lang="ko-KR" altLang="en-US" dirty="0" smtClean="0"/>
-              <a:t>로그인</a:t>
-            </a:r>
-            <a:endParaRPr lang="ko-KR" altLang="en-US" dirty="0"/>
-          </a:p>
-        </p:txBody>
-      </p:sp>
-      <p:sp>
-        <p:nvSpPr>
-          <p:cNvPr id="7" name="모서리가 둥근 직사각형 6"/>
-          <p:cNvSpPr/>
-          <p:nvPr/>
-        </p:nvSpPr>
-        <p:spPr>
-          <a:xfrm>
-            <a:off x="4130918" y="2209798"/>
-            <a:ext cx="1310054" cy="615462"/>
-          </a:xfrm>
-          <a:prstGeom prst="roundRect">
-            <a:avLst/>
-          </a:prstGeom>
-        </p:spPr>
-        <p:style>
-          <a:lnRef idx="2">
-            <a:schemeClr val="accent1">
-              <a:shade val="50000"/>
-            </a:schemeClr>
-          </a:lnRef>
-          <a:fillRef idx="1">
-            <a:schemeClr val="accent1"/>
-          </a:fillRef>
-          <a:effectRef idx="0">
-            <a:schemeClr val="accent1"/>
-          </a:effectRef>
-          <a:fontRef idx="minor">
-            <a:schemeClr val="lt1"/>
-          </a:fontRef>
-        </p:style>
-        <p:txBody>
-          <a:bodyPr rtlCol="0" anchor="ctr"/>
-          <a:lstStyle/>
-          <a:p>
-            <a:pPr algn="ctr"/>
-            <a:r>
-              <a:rPr lang="ko-KR" altLang="en-US" dirty="0" smtClean="0"/>
-              <a:t>회원가입</a:t>
-            </a:r>
-            <a:endParaRPr lang="ko-KR" altLang="en-US" dirty="0"/>
-          </a:p>
-        </p:txBody>
-      </p:sp>
-      <p:sp>
-        <p:nvSpPr>
-          <p:cNvPr id="8" name="모서리가 둥근 직사각형 7"/>
-          <p:cNvSpPr/>
-          <p:nvPr/>
-        </p:nvSpPr>
-        <p:spPr>
-          <a:xfrm>
-            <a:off x="6751026" y="2209798"/>
-            <a:ext cx="1310054" cy="615462"/>
-          </a:xfrm>
-          <a:prstGeom prst="roundRect">
-            <a:avLst/>
-          </a:prstGeom>
-        </p:spPr>
-        <p:style>
-          <a:lnRef idx="2">
-            <a:schemeClr val="accent1">
-              <a:shade val="50000"/>
-            </a:schemeClr>
-          </a:lnRef>
-          <a:fillRef idx="1">
-            <a:schemeClr val="accent1"/>
-          </a:fillRef>
-          <a:effectRef idx="0">
-            <a:schemeClr val="accent1"/>
-          </a:effectRef>
-          <a:fontRef idx="minor">
-            <a:schemeClr val="lt1"/>
-          </a:fontRef>
-        </p:style>
-        <p:txBody>
-          <a:bodyPr rtlCol="0" anchor="ctr"/>
-          <a:lstStyle/>
-          <a:p>
-            <a:pPr algn="ctr"/>
-            <a:r>
-              <a:rPr lang="ko-KR" altLang="en-US" dirty="0" smtClean="0"/>
-              <a:t>아이디</a:t>
-            </a:r>
-            <a:endParaRPr lang="en-US" altLang="ko-KR" dirty="0" smtClean="0"/>
-          </a:p>
-          <a:p>
-            <a:pPr algn="ctr"/>
-            <a:r>
-              <a:rPr lang="ko-KR" altLang="en-US" dirty="0" smtClean="0"/>
-              <a:t>찾기</a:t>
-            </a:r>
-            <a:endParaRPr lang="ko-KR" altLang="en-US" dirty="0"/>
-          </a:p>
-        </p:txBody>
-      </p:sp>
-      <p:sp>
-        <p:nvSpPr>
-          <p:cNvPr id="9" name="모서리가 둥근 직사각형 8"/>
-          <p:cNvSpPr/>
-          <p:nvPr/>
-        </p:nvSpPr>
-        <p:spPr>
-          <a:xfrm>
-            <a:off x="9371134" y="2212727"/>
-            <a:ext cx="1310054" cy="615462"/>
-          </a:xfrm>
-          <a:prstGeom prst="roundRect">
-            <a:avLst/>
-          </a:prstGeom>
-        </p:spPr>
-        <p:style>
-          <a:lnRef idx="2">
-            <a:schemeClr val="accent1">
-              <a:shade val="50000"/>
-            </a:schemeClr>
-          </a:lnRef>
-          <a:fillRef idx="1">
-            <a:schemeClr val="accent1"/>
-          </a:fillRef>
-          <a:effectRef idx="0">
-            <a:schemeClr val="accent1"/>
-          </a:effectRef>
-          <a:fontRef idx="minor">
-            <a:schemeClr val="lt1"/>
-          </a:fontRef>
-        </p:style>
-        <p:txBody>
-          <a:bodyPr rtlCol="0" anchor="ctr"/>
-          <a:lstStyle/>
-          <a:p>
-            <a:pPr algn="ctr"/>
-            <a:r>
-              <a:rPr lang="ko-KR" altLang="en-US" dirty="0" smtClean="0"/>
-              <a:t>비밀번호 </a:t>
-            </a:r>
-            <a:endParaRPr lang="en-US" altLang="ko-KR" dirty="0" smtClean="0"/>
-          </a:p>
-          <a:p>
-            <a:pPr algn="ctr"/>
-            <a:r>
-              <a:rPr lang="ko-KR" altLang="en-US" dirty="0" smtClean="0"/>
-              <a:t>찾기</a:t>
-            </a:r>
-            <a:endParaRPr lang="ko-KR" altLang="en-US" dirty="0"/>
-          </a:p>
-        </p:txBody>
-      </p:sp>
-      <p:cxnSp>
-        <p:nvCxnSpPr>
-          <p:cNvPr id="10" name="직선 연결선 9"/>
-          <p:cNvCxnSpPr>
-            <a:stCxn id="2" idx="2"/>
-          </p:cNvCxnSpPr>
-          <p:nvPr/>
-        </p:nvCxnSpPr>
-        <p:spPr>
-          <a:xfrm>
-            <a:off x="6095999" y="1565030"/>
-            <a:ext cx="0" cy="202223"/>
-          </a:xfrm>
-          <a:prstGeom prst="line">
-            <a:avLst/>
-          </a:prstGeom>
-        </p:spPr>
-        <p:style>
-          <a:lnRef idx="1">
-            <a:schemeClr val="dk1"/>
-          </a:lnRef>
-          <a:fillRef idx="0">
-            <a:schemeClr val="dk1"/>
-          </a:fillRef>
-          <a:effectRef idx="0">
-            <a:schemeClr val="dk1"/>
-          </a:effectRef>
-          <a:fontRef idx="minor">
-            <a:schemeClr val="tx1"/>
-          </a:fontRef>
-        </p:style>
-      </p:cxnSp>
-      <p:cxnSp>
-        <p:nvCxnSpPr>
-          <p:cNvPr id="12" name="직선 연결선 11"/>
-          <p:cNvCxnSpPr/>
-          <p:nvPr/>
-        </p:nvCxnSpPr>
-        <p:spPr>
-          <a:xfrm>
-            <a:off x="2165837" y="1767253"/>
-            <a:ext cx="7860324" cy="0"/>
-          </a:xfrm>
-          <a:prstGeom prst="line">
-            <a:avLst/>
-          </a:prstGeom>
-        </p:spPr>
-        <p:style>
-          <a:lnRef idx="1">
-            <a:schemeClr val="dk1"/>
-          </a:lnRef>
-          <a:fillRef idx="0">
-            <a:schemeClr val="dk1"/>
-          </a:fillRef>
-          <a:effectRef idx="0">
-            <a:schemeClr val="dk1"/>
-          </a:effectRef>
-          <a:fontRef idx="minor">
-            <a:schemeClr val="tx1"/>
-          </a:fontRef>
-        </p:style>
-      </p:cxnSp>
-      <p:cxnSp>
-        <p:nvCxnSpPr>
-          <p:cNvPr id="14" name="직선 화살표 연결선 13"/>
-          <p:cNvCxnSpPr>
-            <a:endCxn id="6" idx="0"/>
-          </p:cNvCxnSpPr>
-          <p:nvPr/>
-        </p:nvCxnSpPr>
-        <p:spPr>
-          <a:xfrm>
-            <a:off x="2165837" y="1767253"/>
-            <a:ext cx="0" cy="442545"/>
-          </a:xfrm>
-          <a:prstGeom prst="straightConnector1">
-            <a:avLst/>
-          </a:prstGeom>
-          <a:ln>
-            <a:tailEnd type="triangle"/>
-          </a:ln>
-        </p:spPr>
-        <p:style>
-          <a:lnRef idx="1">
-            <a:schemeClr val="dk1"/>
-          </a:lnRef>
-          <a:fillRef idx="0">
-            <a:schemeClr val="dk1"/>
-          </a:fillRef>
-          <a:effectRef idx="0">
-            <a:schemeClr val="dk1"/>
-          </a:effectRef>
-          <a:fontRef idx="minor">
-            <a:schemeClr val="tx1"/>
-          </a:fontRef>
-        </p:style>
-      </p:cxnSp>
-      <p:cxnSp>
-        <p:nvCxnSpPr>
-          <p:cNvPr id="16" name="직선 화살표 연결선 15"/>
-          <p:cNvCxnSpPr>
-            <a:endCxn id="9" idx="0"/>
-          </p:cNvCxnSpPr>
-          <p:nvPr/>
-        </p:nvCxnSpPr>
-        <p:spPr>
-          <a:xfrm>
-            <a:off x="10026161" y="1767253"/>
-            <a:ext cx="0" cy="445474"/>
-          </a:xfrm>
-          <a:prstGeom prst="straightConnector1">
-            <a:avLst/>
-          </a:prstGeom>
-          <a:ln>
-            <a:tailEnd type="triangle"/>
-          </a:ln>
-        </p:spPr>
-        <p:style>
-          <a:lnRef idx="1">
-            <a:schemeClr val="dk1"/>
-          </a:lnRef>
-          <a:fillRef idx="0">
-            <a:schemeClr val="dk1"/>
-          </a:fillRef>
-          <a:effectRef idx="0">
-            <a:schemeClr val="dk1"/>
-          </a:effectRef>
-          <a:fontRef idx="minor">
-            <a:schemeClr val="tx1"/>
-          </a:fontRef>
-        </p:style>
-      </p:cxnSp>
-      <p:cxnSp>
-        <p:nvCxnSpPr>
-          <p:cNvPr id="19" name="직선 화살표 연결선 18"/>
-          <p:cNvCxnSpPr/>
-          <p:nvPr/>
-        </p:nvCxnSpPr>
-        <p:spPr>
-          <a:xfrm>
-            <a:off x="4780083" y="1767253"/>
-            <a:ext cx="0" cy="442545"/>
-          </a:xfrm>
-          <a:prstGeom prst="straightConnector1">
-            <a:avLst/>
-          </a:prstGeom>
-          <a:ln>
-            <a:tailEnd type="triangle"/>
-          </a:ln>
-        </p:spPr>
-        <p:style>
-          <a:lnRef idx="1">
-            <a:schemeClr val="dk1"/>
-          </a:lnRef>
-          <a:fillRef idx="0">
-            <a:schemeClr val="dk1"/>
-          </a:fillRef>
-          <a:effectRef idx="0">
-            <a:schemeClr val="dk1"/>
-          </a:effectRef>
-          <a:fontRef idx="minor">
-            <a:schemeClr val="tx1"/>
-          </a:fontRef>
-        </p:style>
-      </p:cxnSp>
-      <p:cxnSp>
-        <p:nvCxnSpPr>
-          <p:cNvPr id="20" name="직선 화살표 연결선 19"/>
-          <p:cNvCxnSpPr/>
-          <p:nvPr/>
-        </p:nvCxnSpPr>
-        <p:spPr>
-          <a:xfrm>
-            <a:off x="7391398" y="1767253"/>
-            <a:ext cx="0" cy="442545"/>
-          </a:xfrm>
-          <a:prstGeom prst="straightConnector1">
-            <a:avLst/>
-          </a:prstGeom>
-          <a:ln>
-            <a:tailEnd type="triangle"/>
-          </a:ln>
-        </p:spPr>
-        <p:style>
-          <a:lnRef idx="1">
-            <a:schemeClr val="dk1"/>
-          </a:lnRef>
-          <a:fillRef idx="0">
-            <a:schemeClr val="dk1"/>
-          </a:fillRef>
-          <a:effectRef idx="0">
-            <a:schemeClr val="dk1"/>
-          </a:effectRef>
-          <a:fontRef idx="minor">
-            <a:schemeClr val="tx1"/>
-          </a:fontRef>
-        </p:style>
-      </p:cxnSp>
-      <p:sp>
-        <p:nvSpPr>
-          <p:cNvPr id="23" name="모서리가 둥근 직사각형 22"/>
-          <p:cNvSpPr/>
-          <p:nvPr/>
-        </p:nvSpPr>
-        <p:spPr>
-          <a:xfrm>
-            <a:off x="5440972" y="5770683"/>
-            <a:ext cx="1310054" cy="615462"/>
-          </a:xfrm>
-          <a:prstGeom prst="roundRect">
-            <a:avLst/>
-          </a:prstGeom>
-        </p:spPr>
-        <p:style>
-          <a:lnRef idx="2">
-            <a:schemeClr val="accent2">
-              <a:shade val="50000"/>
-            </a:schemeClr>
-          </a:lnRef>
-          <a:fillRef idx="1">
-            <a:schemeClr val="accent2"/>
-          </a:fillRef>
-          <a:effectRef idx="0">
-            <a:schemeClr val="accent2"/>
-          </a:effectRef>
-          <a:fontRef idx="minor">
-            <a:schemeClr val="lt1"/>
-          </a:fontRef>
-        </p:style>
-        <p:txBody>
-          <a:bodyPr rtlCol="0" anchor="ctr"/>
-          <a:lstStyle/>
-          <a:p>
-            <a:pPr algn="ctr"/>
-            <a:r>
-              <a:rPr lang="ko-KR" altLang="en-US" dirty="0" smtClean="0"/>
-              <a:t>메인</a:t>
-            </a:r>
-            <a:endParaRPr lang="ko-KR" altLang="en-US" dirty="0"/>
-          </a:p>
-        </p:txBody>
-      </p:sp>
-      <p:sp>
-        <p:nvSpPr>
-          <p:cNvPr id="24" name="모서리가 둥근 직사각형 23"/>
-          <p:cNvSpPr/>
-          <p:nvPr/>
-        </p:nvSpPr>
-        <p:spPr>
-          <a:xfrm>
-            <a:off x="4130918" y="3990240"/>
-            <a:ext cx="1310054" cy="615462"/>
-          </a:xfrm>
-          <a:prstGeom prst="roundRect">
-            <a:avLst/>
-          </a:prstGeom>
-        </p:spPr>
-        <p:style>
-          <a:lnRef idx="2">
-            <a:schemeClr val="accent2">
-              <a:shade val="50000"/>
-            </a:schemeClr>
-          </a:lnRef>
-          <a:fillRef idx="1">
-            <a:schemeClr val="accent2"/>
-          </a:fillRef>
-          <a:effectRef idx="0">
-            <a:schemeClr val="accent2"/>
-          </a:effectRef>
-          <a:fontRef idx="minor">
-            <a:schemeClr val="lt1"/>
-          </a:fontRef>
-        </p:style>
-        <p:txBody>
-          <a:bodyPr rtlCol="0" anchor="ctr"/>
-          <a:lstStyle/>
-          <a:p>
-            <a:pPr algn="ctr"/>
-            <a:r>
-              <a:rPr lang="ko-KR" altLang="en-US" dirty="0" smtClean="0"/>
-              <a:t>회원가입</a:t>
-            </a:r>
-            <a:endParaRPr lang="en-US" altLang="ko-KR" dirty="0" smtClean="0"/>
-          </a:p>
-        </p:txBody>
-      </p:sp>
-      <p:cxnSp>
-        <p:nvCxnSpPr>
-          <p:cNvPr id="30" name="직선 연결선 29"/>
-          <p:cNvCxnSpPr>
-            <a:stCxn id="6" idx="2"/>
-          </p:cNvCxnSpPr>
-          <p:nvPr/>
-        </p:nvCxnSpPr>
-        <p:spPr>
-          <a:xfrm>
-            <a:off x="2165837" y="2825260"/>
-            <a:ext cx="0" cy="3434863"/>
-          </a:xfrm>
-          <a:prstGeom prst="line">
-            <a:avLst/>
-          </a:prstGeom>
-        </p:spPr>
-        <p:style>
-          <a:lnRef idx="1">
-            <a:schemeClr val="dk1"/>
-          </a:lnRef>
-          <a:fillRef idx="0">
-            <a:schemeClr val="dk1"/>
-          </a:fillRef>
-          <a:effectRef idx="0">
-            <a:schemeClr val="dk1"/>
-          </a:effectRef>
-          <a:fontRef idx="minor">
-            <a:schemeClr val="tx1"/>
-          </a:fontRef>
-        </p:style>
-      </p:cxnSp>
-      <p:cxnSp>
-        <p:nvCxnSpPr>
-          <p:cNvPr id="39" name="직선 화살표 연결선 38"/>
-          <p:cNvCxnSpPr/>
-          <p:nvPr/>
-        </p:nvCxnSpPr>
-        <p:spPr>
-          <a:xfrm>
-            <a:off x="2165837" y="6260123"/>
-            <a:ext cx="3275135" cy="0"/>
-          </a:xfrm>
-          <a:prstGeom prst="straightConnector1">
-            <a:avLst/>
-          </a:prstGeom>
-          <a:ln>
-            <a:tailEnd type="triangle"/>
-          </a:ln>
-        </p:spPr>
-        <p:style>
-          <a:lnRef idx="1">
-            <a:schemeClr val="dk1"/>
-          </a:lnRef>
-          <a:fillRef idx="0">
-            <a:schemeClr val="dk1"/>
-          </a:fillRef>
-          <a:effectRef idx="0">
-            <a:schemeClr val="dk1"/>
-          </a:effectRef>
-          <a:fontRef idx="minor">
-            <a:schemeClr val="tx1"/>
-          </a:fontRef>
-        </p:style>
-      </p:cxnSp>
-      <p:cxnSp>
-        <p:nvCxnSpPr>
-          <p:cNvPr id="42" name="직선 연결선 41"/>
-          <p:cNvCxnSpPr/>
-          <p:nvPr/>
-        </p:nvCxnSpPr>
-        <p:spPr>
-          <a:xfrm>
-            <a:off x="4780081" y="4624754"/>
-            <a:ext cx="2" cy="1292469"/>
-          </a:xfrm>
-          <a:prstGeom prst="line">
-            <a:avLst/>
-          </a:prstGeom>
-        </p:spPr>
-        <p:style>
-          <a:lnRef idx="1">
-            <a:schemeClr val="dk1"/>
-          </a:lnRef>
-          <a:fillRef idx="0">
-            <a:schemeClr val="dk1"/>
-          </a:fillRef>
-          <a:effectRef idx="0">
-            <a:schemeClr val="dk1"/>
-          </a:effectRef>
-          <a:fontRef idx="minor">
-            <a:schemeClr val="tx1"/>
-          </a:fontRef>
-        </p:style>
-      </p:cxnSp>
-      <p:cxnSp>
-        <p:nvCxnSpPr>
-          <p:cNvPr id="44" name="직선 화살표 연결선 43"/>
-          <p:cNvCxnSpPr/>
-          <p:nvPr/>
-        </p:nvCxnSpPr>
-        <p:spPr>
-          <a:xfrm>
-            <a:off x="4785945" y="5917223"/>
-            <a:ext cx="655027" cy="0"/>
-          </a:xfrm>
-          <a:prstGeom prst="straightConnector1">
-            <a:avLst/>
-          </a:prstGeom>
-          <a:ln>
-            <a:tailEnd type="triangle"/>
-          </a:ln>
-        </p:spPr>
-        <p:style>
-          <a:lnRef idx="1">
-            <a:schemeClr val="dk1"/>
-          </a:lnRef>
-          <a:fillRef idx="0">
-            <a:schemeClr val="dk1"/>
-          </a:fillRef>
-          <a:effectRef idx="0">
-            <a:schemeClr val="dk1"/>
-          </a:effectRef>
-          <a:fontRef idx="minor">
-            <a:schemeClr val="tx1"/>
-          </a:fontRef>
-        </p:style>
-      </p:cxnSp>
-      <p:sp>
-        <p:nvSpPr>
-          <p:cNvPr id="47" name="모서리가 둥근 직사각형 46"/>
-          <p:cNvSpPr/>
-          <p:nvPr/>
-        </p:nvSpPr>
-        <p:spPr>
-          <a:xfrm>
-            <a:off x="6751026" y="3985843"/>
-            <a:ext cx="1310054" cy="615462"/>
-          </a:xfrm>
-          <a:prstGeom prst="roundRect">
-            <a:avLst/>
-          </a:prstGeom>
-        </p:spPr>
-        <p:style>
-          <a:lnRef idx="2">
-            <a:schemeClr val="accent1">
-              <a:shade val="50000"/>
-            </a:schemeClr>
-          </a:lnRef>
-          <a:fillRef idx="1">
-            <a:schemeClr val="accent1"/>
-          </a:fillRef>
-          <a:effectRef idx="0">
-            <a:schemeClr val="accent1"/>
-          </a:effectRef>
-          <a:fontRef idx="minor">
-            <a:schemeClr val="lt1"/>
-          </a:fontRef>
-        </p:style>
-        <p:txBody>
-          <a:bodyPr rtlCol="0" anchor="ctr"/>
-          <a:lstStyle/>
-          <a:p>
-            <a:pPr algn="ctr"/>
-            <a:r>
-              <a:rPr lang="ko-KR" altLang="en-US" dirty="0" smtClean="0"/>
-              <a:t>아이디</a:t>
-            </a:r>
-            <a:endParaRPr lang="en-US" altLang="ko-KR" dirty="0" smtClean="0"/>
-          </a:p>
-          <a:p>
-            <a:pPr algn="ctr"/>
-            <a:r>
-              <a:rPr lang="ko-KR" altLang="en-US" dirty="0" smtClean="0"/>
-              <a:t>확인</a:t>
-            </a:r>
-            <a:endParaRPr lang="ko-KR" altLang="en-US" dirty="0"/>
-          </a:p>
-        </p:txBody>
-      </p:sp>
-      <p:cxnSp>
-        <p:nvCxnSpPr>
-          <p:cNvPr id="50" name="직선 화살표 연결선 49"/>
-          <p:cNvCxnSpPr>
-            <a:endCxn id="24" idx="0"/>
-          </p:cNvCxnSpPr>
-          <p:nvPr/>
-        </p:nvCxnSpPr>
-        <p:spPr>
-          <a:xfrm>
-            <a:off x="4780081" y="2825260"/>
-            <a:ext cx="5864" cy="1164980"/>
-          </a:xfrm>
-          <a:prstGeom prst="straightConnector1">
-            <a:avLst/>
-          </a:prstGeom>
-          <a:ln>
-            <a:tailEnd type="triangle"/>
-          </a:ln>
-        </p:spPr>
-        <p:style>
-          <a:lnRef idx="1">
-            <a:schemeClr val="dk1"/>
-          </a:lnRef>
-          <a:fillRef idx="0">
-            <a:schemeClr val="dk1"/>
-          </a:fillRef>
-          <a:effectRef idx="0">
-            <a:schemeClr val="dk1"/>
-          </a:effectRef>
-          <a:fontRef idx="minor">
-            <a:schemeClr val="tx1"/>
-          </a:fontRef>
-        </p:style>
-      </p:cxnSp>
-      <p:cxnSp>
-        <p:nvCxnSpPr>
-          <p:cNvPr id="52" name="직선 화살표 연결선 51"/>
-          <p:cNvCxnSpPr>
-            <a:endCxn id="47" idx="0"/>
-          </p:cNvCxnSpPr>
-          <p:nvPr/>
-        </p:nvCxnSpPr>
-        <p:spPr>
-          <a:xfrm>
-            <a:off x="7400188" y="2820863"/>
-            <a:ext cx="5865" cy="1164980"/>
-          </a:xfrm>
-          <a:prstGeom prst="straightConnector1">
-            <a:avLst/>
-          </a:prstGeom>
-          <a:ln>
-            <a:tailEnd type="triangle"/>
-          </a:ln>
-        </p:spPr>
-        <p:style>
-          <a:lnRef idx="1">
-            <a:schemeClr val="dk1"/>
-          </a:lnRef>
-          <a:fillRef idx="0">
-            <a:schemeClr val="dk1"/>
-          </a:fillRef>
-          <a:effectRef idx="0">
-            <a:schemeClr val="dk1"/>
-          </a:effectRef>
-          <a:fontRef idx="minor">
-            <a:schemeClr val="tx1"/>
-          </a:fontRef>
-        </p:style>
-      </p:cxnSp>
-      <p:cxnSp>
-        <p:nvCxnSpPr>
-          <p:cNvPr id="53" name="직선 화살표 연결선 52"/>
-          <p:cNvCxnSpPr/>
-          <p:nvPr/>
-        </p:nvCxnSpPr>
-        <p:spPr>
-          <a:xfrm>
-            <a:off x="10014431" y="2820863"/>
-            <a:ext cx="0" cy="1164980"/>
-          </a:xfrm>
-          <a:prstGeom prst="straightConnector1">
-            <a:avLst/>
-          </a:prstGeom>
-          <a:ln>
-            <a:tailEnd type="triangle"/>
-          </a:ln>
-        </p:spPr>
-        <p:style>
-          <a:lnRef idx="1">
-            <a:schemeClr val="dk1"/>
-          </a:lnRef>
-          <a:fillRef idx="0">
-            <a:schemeClr val="dk1"/>
-          </a:fillRef>
-          <a:effectRef idx="0">
-            <a:schemeClr val="dk1"/>
-          </a:effectRef>
-          <a:fontRef idx="minor">
-            <a:schemeClr val="tx1"/>
-          </a:fontRef>
-        </p:style>
-      </p:cxnSp>
-      <p:cxnSp>
-        <p:nvCxnSpPr>
-          <p:cNvPr id="57" name="직선 연결선 56"/>
-          <p:cNvCxnSpPr/>
-          <p:nvPr/>
-        </p:nvCxnSpPr>
-        <p:spPr>
-          <a:xfrm>
-            <a:off x="7411913" y="4596908"/>
-            <a:ext cx="2" cy="1292469"/>
-          </a:xfrm>
-          <a:prstGeom prst="line">
-            <a:avLst/>
-          </a:prstGeom>
-        </p:spPr>
-        <p:style>
-          <a:lnRef idx="1">
-            <a:schemeClr val="dk1"/>
-          </a:lnRef>
-          <a:fillRef idx="0">
-            <a:schemeClr val="dk1"/>
-          </a:fillRef>
-          <a:effectRef idx="0">
-            <a:schemeClr val="dk1"/>
-          </a:effectRef>
-          <a:fontRef idx="minor">
-            <a:schemeClr val="tx1"/>
-          </a:fontRef>
-        </p:style>
-      </p:cxnSp>
-      <p:cxnSp>
-        <p:nvCxnSpPr>
-          <p:cNvPr id="59" name="직선 화살표 연결선 58"/>
-          <p:cNvCxnSpPr/>
-          <p:nvPr/>
-        </p:nvCxnSpPr>
-        <p:spPr>
-          <a:xfrm flipH="1">
-            <a:off x="6751026" y="5893775"/>
-            <a:ext cx="663821" cy="0"/>
-          </a:xfrm>
-          <a:prstGeom prst="straightConnector1">
-            <a:avLst/>
-          </a:prstGeom>
-          <a:ln>
-            <a:tailEnd type="triangle"/>
-          </a:ln>
-        </p:spPr>
-        <p:style>
-          <a:lnRef idx="1">
-            <a:schemeClr val="dk1"/>
-          </a:lnRef>
-          <a:fillRef idx="0">
-            <a:schemeClr val="dk1"/>
-          </a:fillRef>
-          <a:effectRef idx="0">
-            <a:schemeClr val="dk1"/>
-          </a:effectRef>
-          <a:fontRef idx="minor">
-            <a:schemeClr val="tx1"/>
-          </a:fontRef>
-        </p:style>
-      </p:cxnSp>
-      <p:sp>
-        <p:nvSpPr>
-          <p:cNvPr id="64" name="모서리가 둥근 직사각형 63"/>
-          <p:cNvSpPr/>
-          <p:nvPr/>
-        </p:nvSpPr>
-        <p:spPr>
-          <a:xfrm>
-            <a:off x="9365269" y="3985844"/>
-            <a:ext cx="1310054" cy="615462"/>
-          </a:xfrm>
-          <a:prstGeom prst="roundRect">
-            <a:avLst/>
-          </a:prstGeom>
-        </p:spPr>
-        <p:style>
-          <a:lnRef idx="2">
-            <a:schemeClr val="accent1">
-              <a:shade val="50000"/>
-            </a:schemeClr>
-          </a:lnRef>
-          <a:fillRef idx="1">
-            <a:schemeClr val="accent1"/>
-          </a:fillRef>
-          <a:effectRef idx="0">
-            <a:schemeClr val="accent1"/>
-          </a:effectRef>
-          <a:fontRef idx="minor">
-            <a:schemeClr val="lt1"/>
-          </a:fontRef>
-        </p:style>
-        <p:txBody>
-          <a:bodyPr rtlCol="0" anchor="ctr"/>
-          <a:lstStyle/>
-          <a:p>
-            <a:pPr algn="ctr"/>
-            <a:r>
-              <a:rPr lang="ko-KR" altLang="en-US" dirty="0" smtClean="0"/>
-              <a:t>비밀번호</a:t>
-            </a:r>
-            <a:endParaRPr lang="en-US" altLang="ko-KR" dirty="0" smtClean="0"/>
-          </a:p>
-          <a:p>
-            <a:pPr algn="ctr"/>
-            <a:r>
-              <a:rPr lang="ko-KR" altLang="en-US" dirty="0" smtClean="0"/>
-              <a:t>재설정</a:t>
-            </a:r>
-            <a:endParaRPr lang="en-US" altLang="ko-KR" dirty="0" smtClean="0"/>
-          </a:p>
-        </p:txBody>
-      </p:sp>
-      <p:cxnSp>
-        <p:nvCxnSpPr>
-          <p:cNvPr id="69" name="직선 화살표 연결선 68"/>
-          <p:cNvCxnSpPr/>
-          <p:nvPr/>
-        </p:nvCxnSpPr>
-        <p:spPr>
-          <a:xfrm flipH="1">
-            <a:off x="6758355" y="6260123"/>
-            <a:ext cx="3267806" cy="0"/>
-          </a:xfrm>
-          <a:prstGeom prst="straightConnector1">
-            <a:avLst/>
-          </a:prstGeom>
-          <a:ln>
-            <a:tailEnd type="triangle"/>
-          </a:ln>
-        </p:spPr>
-        <p:style>
-          <a:lnRef idx="1">
-            <a:schemeClr val="dk1"/>
-          </a:lnRef>
-          <a:fillRef idx="0">
-            <a:schemeClr val="dk1"/>
-          </a:fillRef>
-          <a:effectRef idx="0">
-            <a:schemeClr val="dk1"/>
-          </a:effectRef>
-          <a:fontRef idx="minor">
-            <a:schemeClr val="tx1"/>
-          </a:fontRef>
-        </p:style>
-      </p:cxnSp>
-      <p:sp>
-        <p:nvSpPr>
-          <p:cNvPr id="71" name="TextBox 70"/>
-          <p:cNvSpPr txBox="1"/>
-          <p:nvPr/>
-        </p:nvSpPr>
-        <p:spPr>
-          <a:xfrm>
-            <a:off x="367503" y="4596908"/>
-            <a:ext cx="1612942" cy="338554"/>
+            <a:off x="3488890" y="2026732"/>
+            <a:ext cx="4341573" cy="523220"/>
           </a:xfrm>
           <a:prstGeom prst="rect">
             <a:avLst/>
@@ -4025,261 +3635,17 @@
           <a:lstStyle/>
           <a:p>
             <a:r>
-              <a:rPr lang="en-US" altLang="ko-KR" sz="1600" dirty="0" smtClean="0">
-                <a:solidFill>
-                  <a:srgbClr val="FF0000"/>
-                </a:solidFill>
-              </a:rPr>
-              <a:t>(</a:t>
-            </a:r>
-            <a:r>
-              <a:rPr lang="ko-KR" altLang="en-US" sz="1600" dirty="0" smtClean="0">
-                <a:solidFill>
-                  <a:srgbClr val="FF0000"/>
-                </a:solidFill>
-              </a:rPr>
-              <a:t>비밀번호 일치</a:t>
-            </a:r>
-            <a:r>
-              <a:rPr lang="en-US" altLang="ko-KR" sz="1600" dirty="0" smtClean="0">
-                <a:solidFill>
-                  <a:srgbClr val="FF0000"/>
-                </a:solidFill>
-              </a:rPr>
-              <a:t>)</a:t>
-            </a:r>
-            <a:endParaRPr lang="ko-KR" altLang="en-US" sz="1600" dirty="0">
-              <a:solidFill>
-                <a:srgbClr val="FF0000"/>
-              </a:solidFill>
-            </a:endParaRPr>
-          </a:p>
-        </p:txBody>
-      </p:sp>
-      <p:sp>
-        <p:nvSpPr>
-          <p:cNvPr id="72" name="TextBox 71"/>
-          <p:cNvSpPr txBox="1"/>
-          <p:nvPr/>
-        </p:nvSpPr>
-        <p:spPr>
-          <a:xfrm>
-            <a:off x="5611529" y="3365217"/>
-            <a:ext cx="1612942" cy="338554"/>
-          </a:xfrm>
-          <a:prstGeom prst="rect">
-            <a:avLst/>
-          </a:prstGeom>
-          <a:noFill/>
-        </p:spPr>
-        <p:txBody>
-          <a:bodyPr wrap="none" rtlCol="0">
-            <a:spAutoFit/>
-          </a:bodyPr>
-          <a:lstStyle/>
-          <a:p>
-            <a:r>
-              <a:rPr lang="en-US" altLang="ko-KR" sz="1600" dirty="0" smtClean="0"/>
-              <a:t>[</a:t>
-            </a:r>
-            <a:r>
-              <a:rPr lang="ko-KR" altLang="en-US" sz="1600" dirty="0" smtClean="0"/>
-              <a:t>인증번호 확인</a:t>
-            </a:r>
-            <a:r>
-              <a:rPr lang="en-US" altLang="ko-KR" sz="1600" dirty="0" smtClean="0"/>
-              <a:t>]</a:t>
-            </a:r>
-            <a:endParaRPr lang="ko-KR" altLang="en-US" sz="1600" dirty="0"/>
-          </a:p>
-        </p:txBody>
-      </p:sp>
-      <p:cxnSp>
-        <p:nvCxnSpPr>
-          <p:cNvPr id="74" name="직선 연결선 73"/>
-          <p:cNvCxnSpPr/>
-          <p:nvPr/>
-        </p:nvCxnSpPr>
-        <p:spPr>
-          <a:xfrm>
-            <a:off x="10014429" y="4593979"/>
-            <a:ext cx="12179" cy="1666144"/>
-          </a:xfrm>
-          <a:prstGeom prst="line">
-            <a:avLst/>
-          </a:prstGeom>
-        </p:spPr>
-        <p:style>
-          <a:lnRef idx="1">
-            <a:schemeClr val="dk1"/>
-          </a:lnRef>
-          <a:fillRef idx="0">
-            <a:schemeClr val="dk1"/>
-          </a:fillRef>
-          <a:effectRef idx="0">
-            <a:schemeClr val="dk1"/>
-          </a:effectRef>
-          <a:fontRef idx="minor">
-            <a:schemeClr val="tx1"/>
-          </a:fontRef>
-        </p:style>
-      </p:cxnSp>
-      <p:sp>
-        <p:nvSpPr>
-          <p:cNvPr id="79" name="TextBox 78"/>
-          <p:cNvSpPr txBox="1"/>
-          <p:nvPr/>
-        </p:nvSpPr>
-        <p:spPr>
-          <a:xfrm>
-            <a:off x="5617651" y="2998870"/>
-            <a:ext cx="1202573" cy="338554"/>
-          </a:xfrm>
-          <a:prstGeom prst="rect">
-            <a:avLst/>
-          </a:prstGeom>
-          <a:noFill/>
-        </p:spPr>
-        <p:txBody>
-          <a:bodyPr wrap="none" rtlCol="0">
-            <a:spAutoFit/>
-          </a:bodyPr>
-          <a:lstStyle/>
-          <a:p>
-            <a:r>
-              <a:rPr lang="en-US" altLang="ko-KR" sz="1600" dirty="0" smtClean="0"/>
-              <a:t>[</a:t>
-            </a:r>
-            <a:r>
-              <a:rPr lang="ko-KR" altLang="en-US" sz="1600" dirty="0" smtClean="0"/>
-              <a:t>정보 입력</a:t>
-            </a:r>
-            <a:r>
-              <a:rPr lang="en-US" altLang="ko-KR" sz="1600" dirty="0" smtClean="0"/>
-              <a:t>]</a:t>
-            </a:r>
-            <a:endParaRPr lang="ko-KR" altLang="en-US" sz="1600" dirty="0"/>
-          </a:p>
-        </p:txBody>
-      </p:sp>
-      <p:sp>
-        <p:nvSpPr>
-          <p:cNvPr id="80" name="TextBox 79"/>
-          <p:cNvSpPr txBox="1"/>
-          <p:nvPr/>
-        </p:nvSpPr>
-        <p:spPr>
-          <a:xfrm>
-            <a:off x="8218646" y="3362232"/>
-            <a:ext cx="1612942" cy="338554"/>
-          </a:xfrm>
-          <a:prstGeom prst="rect">
-            <a:avLst/>
-          </a:prstGeom>
-          <a:noFill/>
-        </p:spPr>
-        <p:txBody>
-          <a:bodyPr wrap="none" rtlCol="0">
-            <a:spAutoFit/>
-          </a:bodyPr>
-          <a:lstStyle/>
-          <a:p>
-            <a:r>
-              <a:rPr lang="en-US" altLang="ko-KR" sz="1600" dirty="0" smtClean="0"/>
-              <a:t>[</a:t>
-            </a:r>
-            <a:r>
-              <a:rPr lang="ko-KR" altLang="en-US" sz="1600" dirty="0" smtClean="0"/>
-              <a:t>인증번호 확인</a:t>
-            </a:r>
-            <a:r>
-              <a:rPr lang="en-US" altLang="ko-KR" sz="1600" dirty="0" smtClean="0"/>
-              <a:t>]</a:t>
-            </a:r>
-            <a:endParaRPr lang="ko-KR" altLang="en-US" sz="1600" dirty="0"/>
-          </a:p>
-        </p:txBody>
-      </p:sp>
-      <p:sp>
-        <p:nvSpPr>
-          <p:cNvPr id="81" name="TextBox 80"/>
-          <p:cNvSpPr txBox="1"/>
-          <p:nvPr/>
-        </p:nvSpPr>
-        <p:spPr>
-          <a:xfrm>
-            <a:off x="8224768" y="2995885"/>
-            <a:ext cx="1202573" cy="338554"/>
-          </a:xfrm>
-          <a:prstGeom prst="rect">
-            <a:avLst/>
-          </a:prstGeom>
-          <a:noFill/>
-        </p:spPr>
-        <p:txBody>
-          <a:bodyPr wrap="none" rtlCol="0">
-            <a:spAutoFit/>
-          </a:bodyPr>
-          <a:lstStyle/>
-          <a:p>
-            <a:r>
-              <a:rPr lang="en-US" altLang="ko-KR" sz="1600" dirty="0" smtClean="0"/>
-              <a:t>[</a:t>
-            </a:r>
-            <a:r>
-              <a:rPr lang="ko-KR" altLang="en-US" sz="1600" dirty="0" smtClean="0"/>
-              <a:t>정보 입력</a:t>
-            </a:r>
-            <a:r>
-              <a:rPr lang="en-US" altLang="ko-KR" sz="1600" dirty="0" smtClean="0"/>
-              <a:t>]</a:t>
-            </a:r>
-            <a:endParaRPr lang="ko-KR" altLang="en-US" sz="1600" dirty="0"/>
-          </a:p>
-        </p:txBody>
-      </p:sp>
-      <p:sp>
-        <p:nvSpPr>
-          <p:cNvPr id="83" name="TextBox 82"/>
-          <p:cNvSpPr txBox="1"/>
-          <p:nvPr/>
-        </p:nvSpPr>
-        <p:spPr>
-          <a:xfrm>
-            <a:off x="779338" y="4255425"/>
-            <a:ext cx="1202573" cy="338554"/>
-          </a:xfrm>
-          <a:prstGeom prst="rect">
-            <a:avLst/>
-          </a:prstGeom>
-          <a:noFill/>
-        </p:spPr>
-        <p:txBody>
-          <a:bodyPr wrap="none" rtlCol="0">
-            <a:spAutoFit/>
-          </a:bodyPr>
-          <a:lstStyle/>
-          <a:p>
-            <a:r>
-              <a:rPr lang="en-US" altLang="ko-KR" sz="1600" dirty="0" smtClean="0"/>
-              <a:t>[</a:t>
-            </a:r>
-            <a:r>
-              <a:rPr lang="ko-KR" altLang="en-US" sz="1600" dirty="0" smtClean="0"/>
-              <a:t>정보 입력</a:t>
-            </a:r>
-            <a:r>
-              <a:rPr lang="en-US" altLang="ko-KR" sz="1600" dirty="0" smtClean="0"/>
-              <a:t>]</a:t>
-            </a:r>
-            <a:endParaRPr lang="ko-KR" altLang="en-US" sz="1600" dirty="0"/>
+              <a:rPr lang="en-US" altLang="ko-KR" sz="2800" dirty="0"/>
+              <a:t>Publisher Website Project</a:t>
+            </a:r>
+            <a:endParaRPr lang="ko-KR" altLang="en-US" sz="2800" dirty="0"/>
           </a:p>
         </p:txBody>
       </p:sp>
     </p:spTree>
     <p:extLst>
       <p:ext uri="{BB962C8B-B14F-4D97-AF65-F5344CB8AC3E}">
-        <p14:creationId xmlns:p14="http://schemas.microsoft.com/office/powerpoint/2010/main" val="2058780293"/>
+        <p14:creationId xmlns:p14="http://schemas.microsoft.com/office/powerpoint/2010/main" val="22642777"/>
       </p:ext>
     </p:extLst>
   </p:cSld>
@@ -4314,16 +3680,14 @@
         </p:nvSpPr>
         <p:spPr>
           <a:xfrm>
-            <a:off x="0" y="0"/>
-            <a:ext cx="12192000" cy="685800"/>
+            <a:off x="1227993" y="1081453"/>
+            <a:ext cx="10964007" cy="79131"/>
           </a:xfrm>
           <a:prstGeom prst="rect">
             <a:avLst/>
           </a:prstGeom>
           <a:solidFill>
-            <a:schemeClr val="bg1">
-              <a:lumMod val="85000"/>
-            </a:schemeClr>
+            <a:srgbClr val="FF0000"/>
           </a:solidFill>
           <a:ln>
             <a:noFill/>
@@ -4356,14 +3720,14 @@
       </p:sp>
       <p:sp>
         <p:nvSpPr>
-          <p:cNvPr id="5" name="TextBox 4"/>
+          <p:cNvPr id="8" name="TextBox 7"/>
           <p:cNvSpPr txBox="1"/>
           <p:nvPr/>
         </p:nvSpPr>
         <p:spPr>
           <a:xfrm>
-            <a:off x="5161816" y="50512"/>
-            <a:ext cx="1868366" cy="584775"/>
+            <a:off x="1227993" y="237392"/>
+            <a:ext cx="4749121" cy="707886"/>
           </a:xfrm>
           <a:prstGeom prst="rect">
             <a:avLst/>
@@ -4377,1120 +3741,2297 @@
           <a:lstStyle/>
           <a:p>
             <a:r>
-              <a:rPr lang="ko-KR" altLang="en-US" sz="3200" smtClean="0"/>
-              <a:t>커뮤니티</a:t>
-            </a:r>
-            <a:endParaRPr lang="ko-KR" altLang="en-US" sz="3200" dirty="0"/>
-          </a:p>
-        </p:txBody>
-      </p:sp>
-      <p:sp>
-        <p:nvSpPr>
-          <p:cNvPr id="2" name="모서리가 둥근 직사각형 1"/>
-          <p:cNvSpPr/>
-          <p:nvPr/>
-        </p:nvSpPr>
-        <p:spPr>
-          <a:xfrm>
-            <a:off x="5440972" y="949568"/>
-            <a:ext cx="1310054" cy="615462"/>
-          </a:xfrm>
-          <a:prstGeom prst="roundRect">
-            <a:avLst/>
-          </a:prstGeom>
-        </p:spPr>
-        <p:style>
-          <a:lnRef idx="2">
-            <a:schemeClr val="accent2">
-              <a:shade val="50000"/>
-            </a:schemeClr>
-          </a:lnRef>
-          <a:fillRef idx="1">
-            <a:schemeClr val="accent2"/>
-          </a:fillRef>
-          <a:effectRef idx="0">
-            <a:schemeClr val="accent2"/>
-          </a:effectRef>
-          <a:fontRef idx="minor">
-            <a:schemeClr val="lt1"/>
-          </a:fontRef>
-        </p:style>
-        <p:txBody>
-          <a:bodyPr rtlCol="0" anchor="ctr"/>
-          <a:lstStyle/>
-          <a:p>
-            <a:pPr algn="ctr"/>
-            <a:r>
-              <a:rPr lang="ko-KR" altLang="en-US" dirty="0" smtClean="0"/>
-              <a:t>커뮤니티</a:t>
-            </a:r>
-            <a:endParaRPr lang="ko-KR" altLang="en-US" dirty="0"/>
-          </a:p>
-        </p:txBody>
-      </p:sp>
-      <p:sp>
-        <p:nvSpPr>
-          <p:cNvPr id="6" name="모서리가 둥근 직사각형 5"/>
-          <p:cNvSpPr/>
-          <p:nvPr/>
-        </p:nvSpPr>
-        <p:spPr>
-          <a:xfrm>
-            <a:off x="1510810" y="2209798"/>
-            <a:ext cx="1310054" cy="615462"/>
-          </a:xfrm>
-          <a:prstGeom prst="roundRect">
-            <a:avLst/>
-          </a:prstGeom>
-        </p:spPr>
-        <p:style>
-          <a:lnRef idx="2">
-            <a:schemeClr val="accent1">
-              <a:shade val="50000"/>
-            </a:schemeClr>
-          </a:lnRef>
-          <a:fillRef idx="1">
-            <a:schemeClr val="accent1"/>
-          </a:fillRef>
-          <a:effectRef idx="0">
-            <a:schemeClr val="accent1"/>
-          </a:effectRef>
-          <a:fontRef idx="minor">
-            <a:schemeClr val="lt1"/>
-          </a:fontRef>
-        </p:style>
-        <p:txBody>
-          <a:bodyPr rtlCol="0" anchor="ctr"/>
-          <a:lstStyle/>
-          <a:p>
-            <a:pPr algn="ctr"/>
-            <a:r>
-              <a:rPr lang="ko-KR" altLang="en-US" dirty="0" smtClean="0"/>
-              <a:t>공지사항</a:t>
-            </a:r>
-            <a:r>
-              <a:rPr lang="en-US" altLang="ko-KR" dirty="0" smtClean="0"/>
-              <a:t>/</a:t>
-            </a:r>
-            <a:r>
-              <a:rPr lang="ko-KR" altLang="en-US" dirty="0" smtClean="0"/>
-              <a:t>이벤트</a:t>
-            </a:r>
-            <a:endParaRPr lang="ko-KR" altLang="en-US" dirty="0"/>
-          </a:p>
-        </p:txBody>
-      </p:sp>
-      <p:sp>
-        <p:nvSpPr>
-          <p:cNvPr id="7" name="모서리가 둥근 직사각형 6"/>
-          <p:cNvSpPr/>
-          <p:nvPr/>
-        </p:nvSpPr>
-        <p:spPr>
-          <a:xfrm>
-            <a:off x="4130918" y="2209798"/>
-            <a:ext cx="1310054" cy="615462"/>
-          </a:xfrm>
-          <a:prstGeom prst="roundRect">
-            <a:avLst/>
-          </a:prstGeom>
-        </p:spPr>
-        <p:style>
-          <a:lnRef idx="2">
-            <a:schemeClr val="accent1">
-              <a:shade val="50000"/>
-            </a:schemeClr>
-          </a:lnRef>
-          <a:fillRef idx="1">
-            <a:schemeClr val="accent1"/>
-          </a:fillRef>
-          <a:effectRef idx="0">
-            <a:schemeClr val="accent1"/>
-          </a:effectRef>
-          <a:fontRef idx="minor">
-            <a:schemeClr val="lt1"/>
-          </a:fontRef>
-        </p:style>
-        <p:txBody>
-          <a:bodyPr rtlCol="0" anchor="ctr"/>
-          <a:lstStyle/>
-          <a:p>
-            <a:pPr algn="ctr"/>
-            <a:r>
-              <a:rPr lang="ko-KR" altLang="en-US" dirty="0" smtClean="0"/>
-              <a:t>자료실</a:t>
-            </a:r>
-            <a:endParaRPr lang="ko-KR" altLang="en-US" dirty="0"/>
-          </a:p>
-        </p:txBody>
-      </p:sp>
-      <p:sp>
-        <p:nvSpPr>
-          <p:cNvPr id="8" name="모서리가 둥근 직사각형 7"/>
-          <p:cNvSpPr/>
-          <p:nvPr/>
-        </p:nvSpPr>
-        <p:spPr>
-          <a:xfrm>
-            <a:off x="6751026" y="2209798"/>
-            <a:ext cx="1310054" cy="615462"/>
-          </a:xfrm>
-          <a:prstGeom prst="roundRect">
-            <a:avLst/>
-          </a:prstGeom>
-        </p:spPr>
-        <p:style>
-          <a:lnRef idx="2">
-            <a:schemeClr val="accent1">
-              <a:shade val="50000"/>
-            </a:schemeClr>
-          </a:lnRef>
-          <a:fillRef idx="1">
-            <a:schemeClr val="accent1"/>
-          </a:fillRef>
-          <a:effectRef idx="0">
-            <a:schemeClr val="accent1"/>
-          </a:effectRef>
-          <a:fontRef idx="minor">
-            <a:schemeClr val="lt1"/>
-          </a:fontRef>
-        </p:style>
-        <p:txBody>
-          <a:bodyPr rtlCol="0" anchor="ctr"/>
-          <a:lstStyle/>
-          <a:p>
-            <a:pPr algn="ctr"/>
-            <a:r>
-              <a:rPr lang="ko-KR" altLang="en-US" dirty="0" smtClean="0"/>
-              <a:t>동영상</a:t>
-            </a:r>
-            <a:endParaRPr lang="en-US" altLang="ko-KR" dirty="0" smtClean="0"/>
-          </a:p>
-          <a:p>
-            <a:pPr algn="ctr"/>
-            <a:r>
-              <a:rPr lang="ko-KR" altLang="en-US" dirty="0" smtClean="0"/>
-              <a:t>강의</a:t>
-            </a:r>
-            <a:endParaRPr lang="ko-KR" altLang="en-US" dirty="0"/>
-          </a:p>
-        </p:txBody>
-      </p:sp>
-      <p:sp>
-        <p:nvSpPr>
-          <p:cNvPr id="9" name="모서리가 둥근 직사각형 8"/>
-          <p:cNvSpPr/>
-          <p:nvPr/>
-        </p:nvSpPr>
-        <p:spPr>
-          <a:xfrm>
-            <a:off x="9371134" y="2212727"/>
-            <a:ext cx="1310054" cy="615462"/>
-          </a:xfrm>
-          <a:prstGeom prst="roundRect">
-            <a:avLst/>
-          </a:prstGeom>
-        </p:spPr>
-        <p:style>
-          <a:lnRef idx="2">
-            <a:schemeClr val="accent1">
-              <a:shade val="50000"/>
-            </a:schemeClr>
-          </a:lnRef>
-          <a:fillRef idx="1">
-            <a:schemeClr val="accent1"/>
-          </a:fillRef>
-          <a:effectRef idx="0">
-            <a:schemeClr val="accent1"/>
-          </a:effectRef>
-          <a:fontRef idx="minor">
-            <a:schemeClr val="lt1"/>
-          </a:fontRef>
-        </p:style>
-        <p:txBody>
-          <a:bodyPr rtlCol="0" anchor="ctr"/>
-          <a:lstStyle/>
-          <a:p>
-            <a:pPr algn="ctr"/>
-            <a:r>
-              <a:rPr lang="ko-KR" altLang="en-US" dirty="0" smtClean="0"/>
-              <a:t>질문답변</a:t>
-            </a:r>
-            <a:endParaRPr lang="ko-KR" altLang="en-US" dirty="0"/>
-          </a:p>
-        </p:txBody>
-      </p:sp>
-      <p:cxnSp>
-        <p:nvCxnSpPr>
-          <p:cNvPr id="10" name="직선 연결선 9"/>
-          <p:cNvCxnSpPr>
-            <a:stCxn id="2" idx="2"/>
-          </p:cNvCxnSpPr>
-          <p:nvPr/>
-        </p:nvCxnSpPr>
-        <p:spPr>
-          <a:xfrm>
-            <a:off x="6095999" y="1565030"/>
-            <a:ext cx="0" cy="202223"/>
-          </a:xfrm>
-          <a:prstGeom prst="line">
-            <a:avLst/>
-          </a:prstGeom>
-        </p:spPr>
-        <p:style>
-          <a:lnRef idx="1">
-            <a:schemeClr val="dk1"/>
-          </a:lnRef>
-          <a:fillRef idx="0">
-            <a:schemeClr val="dk1"/>
-          </a:fillRef>
-          <a:effectRef idx="0">
-            <a:schemeClr val="dk1"/>
-          </a:effectRef>
-          <a:fontRef idx="minor">
-            <a:schemeClr val="tx1"/>
-          </a:fontRef>
-        </p:style>
-      </p:cxnSp>
-      <p:cxnSp>
-        <p:nvCxnSpPr>
-          <p:cNvPr id="12" name="직선 연결선 11"/>
-          <p:cNvCxnSpPr/>
-          <p:nvPr/>
-        </p:nvCxnSpPr>
-        <p:spPr>
-          <a:xfrm>
-            <a:off x="2165837" y="1767253"/>
-            <a:ext cx="7860324" cy="0"/>
-          </a:xfrm>
-          <a:prstGeom prst="line">
-            <a:avLst/>
-          </a:prstGeom>
-        </p:spPr>
-        <p:style>
-          <a:lnRef idx="1">
-            <a:schemeClr val="dk1"/>
-          </a:lnRef>
-          <a:fillRef idx="0">
-            <a:schemeClr val="dk1"/>
-          </a:fillRef>
-          <a:effectRef idx="0">
-            <a:schemeClr val="dk1"/>
-          </a:effectRef>
-          <a:fontRef idx="minor">
-            <a:schemeClr val="tx1"/>
-          </a:fontRef>
-        </p:style>
-      </p:cxnSp>
-      <p:cxnSp>
-        <p:nvCxnSpPr>
-          <p:cNvPr id="14" name="직선 화살표 연결선 13"/>
-          <p:cNvCxnSpPr>
-            <a:endCxn id="6" idx="0"/>
-          </p:cNvCxnSpPr>
-          <p:nvPr/>
-        </p:nvCxnSpPr>
-        <p:spPr>
-          <a:xfrm>
-            <a:off x="2165837" y="1767253"/>
-            <a:ext cx="0" cy="442545"/>
-          </a:xfrm>
-          <a:prstGeom prst="straightConnector1">
-            <a:avLst/>
-          </a:prstGeom>
-          <a:ln>
-            <a:tailEnd type="triangle"/>
-          </a:ln>
-        </p:spPr>
-        <p:style>
-          <a:lnRef idx="1">
-            <a:schemeClr val="dk1"/>
-          </a:lnRef>
-          <a:fillRef idx="0">
-            <a:schemeClr val="dk1"/>
-          </a:fillRef>
-          <a:effectRef idx="0">
-            <a:schemeClr val="dk1"/>
-          </a:effectRef>
-          <a:fontRef idx="minor">
-            <a:schemeClr val="tx1"/>
-          </a:fontRef>
-        </p:style>
-      </p:cxnSp>
-      <p:cxnSp>
-        <p:nvCxnSpPr>
-          <p:cNvPr id="16" name="직선 화살표 연결선 15"/>
-          <p:cNvCxnSpPr>
-            <a:endCxn id="9" idx="0"/>
-          </p:cNvCxnSpPr>
-          <p:nvPr/>
-        </p:nvCxnSpPr>
-        <p:spPr>
-          <a:xfrm>
-            <a:off x="10026161" y="1767253"/>
-            <a:ext cx="0" cy="445474"/>
-          </a:xfrm>
-          <a:prstGeom prst="straightConnector1">
-            <a:avLst/>
-          </a:prstGeom>
-          <a:ln>
-            <a:tailEnd type="triangle"/>
-          </a:ln>
-        </p:spPr>
-        <p:style>
-          <a:lnRef idx="1">
-            <a:schemeClr val="dk1"/>
-          </a:lnRef>
-          <a:fillRef idx="0">
-            <a:schemeClr val="dk1"/>
-          </a:fillRef>
-          <a:effectRef idx="0">
-            <a:schemeClr val="dk1"/>
-          </a:effectRef>
-          <a:fontRef idx="minor">
-            <a:schemeClr val="tx1"/>
-          </a:fontRef>
-        </p:style>
-      </p:cxnSp>
-      <p:cxnSp>
-        <p:nvCxnSpPr>
-          <p:cNvPr id="13" name="직선 화살표 연결선 12"/>
-          <p:cNvCxnSpPr/>
-          <p:nvPr/>
-        </p:nvCxnSpPr>
-        <p:spPr>
-          <a:xfrm>
-            <a:off x="4780083" y="1767253"/>
-            <a:ext cx="0" cy="442545"/>
-          </a:xfrm>
-          <a:prstGeom prst="straightConnector1">
-            <a:avLst/>
-          </a:prstGeom>
-          <a:ln>
-            <a:tailEnd type="triangle"/>
-          </a:ln>
-        </p:spPr>
-        <p:style>
-          <a:lnRef idx="1">
-            <a:schemeClr val="dk1"/>
-          </a:lnRef>
-          <a:fillRef idx="0">
-            <a:schemeClr val="dk1"/>
-          </a:fillRef>
-          <a:effectRef idx="0">
-            <a:schemeClr val="dk1"/>
-          </a:effectRef>
-          <a:fontRef idx="minor">
-            <a:schemeClr val="tx1"/>
-          </a:fontRef>
-        </p:style>
-      </p:cxnSp>
-      <p:cxnSp>
-        <p:nvCxnSpPr>
-          <p:cNvPr id="15" name="직선 화살표 연결선 14"/>
-          <p:cNvCxnSpPr/>
-          <p:nvPr/>
-        </p:nvCxnSpPr>
-        <p:spPr>
-          <a:xfrm>
-            <a:off x="7391398" y="1767253"/>
-            <a:ext cx="0" cy="442545"/>
-          </a:xfrm>
-          <a:prstGeom prst="straightConnector1">
-            <a:avLst/>
-          </a:prstGeom>
-          <a:ln>
-            <a:tailEnd type="triangle"/>
-          </a:ln>
-        </p:spPr>
-        <p:style>
-          <a:lnRef idx="1">
-            <a:schemeClr val="dk1"/>
-          </a:lnRef>
-          <a:fillRef idx="0">
-            <a:schemeClr val="dk1"/>
-          </a:fillRef>
-          <a:effectRef idx="0">
-            <a:schemeClr val="dk1"/>
-          </a:effectRef>
-          <a:fontRef idx="minor">
-            <a:schemeClr val="tx1"/>
-          </a:fontRef>
-        </p:style>
-      </p:cxnSp>
-      <p:sp>
-        <p:nvSpPr>
-          <p:cNvPr id="17" name="TextBox 16"/>
-          <p:cNvSpPr txBox="1"/>
-          <p:nvPr/>
-        </p:nvSpPr>
-        <p:spPr>
-          <a:xfrm>
-            <a:off x="6882284" y="213173"/>
-            <a:ext cx="1018227" cy="369332"/>
-          </a:xfrm>
-          <a:prstGeom prst="rect">
-            <a:avLst/>
-          </a:prstGeom>
-          <a:noFill/>
-        </p:spPr>
-        <p:txBody>
-          <a:bodyPr wrap="none" rtlCol="0">
-            <a:spAutoFit/>
-          </a:bodyPr>
-          <a:lstStyle/>
-          <a:p>
-            <a:r>
-              <a:rPr lang="en-US" altLang="ko-KR" dirty="0" smtClean="0"/>
-              <a:t>[</a:t>
-            </a:r>
-            <a:r>
-              <a:rPr lang="ko-KR" altLang="en-US" dirty="0" smtClean="0"/>
-              <a:t>관리자</a:t>
-            </a:r>
-            <a:r>
-              <a:rPr lang="en-US" altLang="ko-KR" dirty="0" smtClean="0"/>
-              <a:t>]</a:t>
-            </a:r>
-            <a:endParaRPr lang="ko-KR" altLang="en-US" dirty="0"/>
-          </a:p>
-        </p:txBody>
-      </p:sp>
-      <p:cxnSp>
-        <p:nvCxnSpPr>
-          <p:cNvPr id="22" name="직선 연결선 21"/>
-          <p:cNvCxnSpPr/>
-          <p:nvPr/>
-        </p:nvCxnSpPr>
-        <p:spPr>
-          <a:xfrm>
-            <a:off x="2165837" y="3341077"/>
-            <a:ext cx="7860324" cy="0"/>
-          </a:xfrm>
-          <a:prstGeom prst="line">
-            <a:avLst/>
-          </a:prstGeom>
-        </p:spPr>
-        <p:style>
-          <a:lnRef idx="1">
-            <a:schemeClr val="dk1"/>
-          </a:lnRef>
-          <a:fillRef idx="0">
-            <a:schemeClr val="dk1"/>
-          </a:fillRef>
-          <a:effectRef idx="0">
-            <a:schemeClr val="dk1"/>
-          </a:effectRef>
-          <a:fontRef idx="minor">
-            <a:schemeClr val="tx1"/>
-          </a:fontRef>
-        </p:style>
-      </p:cxnSp>
-      <p:cxnSp>
-        <p:nvCxnSpPr>
-          <p:cNvPr id="26" name="직선 연결선 25"/>
-          <p:cNvCxnSpPr/>
-          <p:nvPr/>
-        </p:nvCxnSpPr>
-        <p:spPr>
-          <a:xfrm>
-            <a:off x="2165837" y="3991708"/>
-            <a:ext cx="7860324" cy="0"/>
-          </a:xfrm>
-          <a:prstGeom prst="line">
-            <a:avLst/>
-          </a:prstGeom>
-        </p:spPr>
-        <p:style>
-          <a:lnRef idx="1">
-            <a:schemeClr val="dk1"/>
-          </a:lnRef>
-          <a:fillRef idx="0">
-            <a:schemeClr val="dk1"/>
-          </a:fillRef>
-          <a:effectRef idx="0">
-            <a:schemeClr val="dk1"/>
-          </a:effectRef>
-          <a:fontRef idx="minor">
-            <a:schemeClr val="tx1"/>
-          </a:fontRef>
-        </p:style>
-      </p:cxnSp>
-      <p:cxnSp>
-        <p:nvCxnSpPr>
-          <p:cNvPr id="27" name="직선 화살표 연결선 26"/>
-          <p:cNvCxnSpPr/>
-          <p:nvPr/>
-        </p:nvCxnSpPr>
-        <p:spPr>
-          <a:xfrm>
-            <a:off x="2165837" y="3991708"/>
-            <a:ext cx="0" cy="442545"/>
-          </a:xfrm>
-          <a:prstGeom prst="straightConnector1">
-            <a:avLst/>
-          </a:prstGeom>
-          <a:ln>
-            <a:tailEnd type="triangle"/>
-          </a:ln>
-        </p:spPr>
-        <p:style>
-          <a:lnRef idx="1">
-            <a:schemeClr val="dk1"/>
-          </a:lnRef>
-          <a:fillRef idx="0">
-            <a:schemeClr val="dk1"/>
-          </a:fillRef>
-          <a:effectRef idx="0">
-            <a:schemeClr val="dk1"/>
-          </a:effectRef>
-          <a:fontRef idx="minor">
-            <a:schemeClr val="tx1"/>
-          </a:fontRef>
-        </p:style>
-      </p:cxnSp>
-      <p:sp>
-        <p:nvSpPr>
-          <p:cNvPr id="28" name="모서리가 둥근 직사각형 27"/>
-          <p:cNvSpPr/>
-          <p:nvPr/>
-        </p:nvSpPr>
-        <p:spPr>
-          <a:xfrm>
-            <a:off x="1510810" y="4434253"/>
-            <a:ext cx="1310054" cy="615462"/>
-          </a:xfrm>
-          <a:prstGeom prst="roundRect">
-            <a:avLst/>
-          </a:prstGeom>
-        </p:spPr>
-        <p:style>
-          <a:lnRef idx="2">
-            <a:schemeClr val="accent1">
-              <a:shade val="50000"/>
-            </a:schemeClr>
-          </a:lnRef>
-          <a:fillRef idx="1">
-            <a:schemeClr val="accent1"/>
-          </a:fillRef>
-          <a:effectRef idx="0">
-            <a:schemeClr val="accent1"/>
-          </a:effectRef>
-          <a:fontRef idx="minor">
-            <a:schemeClr val="lt1"/>
-          </a:fontRef>
-        </p:style>
-        <p:txBody>
-          <a:bodyPr rtlCol="0" anchor="ctr"/>
-          <a:lstStyle/>
-          <a:p>
-            <a:pPr algn="ctr"/>
-            <a:r>
-              <a:rPr lang="ko-KR" altLang="en-US" dirty="0" smtClean="0"/>
-              <a:t>읽기</a:t>
-            </a:r>
-            <a:endParaRPr lang="ko-KR" altLang="en-US" dirty="0"/>
-          </a:p>
-        </p:txBody>
-      </p:sp>
-      <p:sp>
-        <p:nvSpPr>
-          <p:cNvPr id="29" name="모서리가 둥근 직사각형 28"/>
-          <p:cNvSpPr/>
-          <p:nvPr/>
-        </p:nvSpPr>
-        <p:spPr>
-          <a:xfrm>
-            <a:off x="5440970" y="4434253"/>
-            <a:ext cx="1310054" cy="615462"/>
-          </a:xfrm>
-          <a:prstGeom prst="roundRect">
-            <a:avLst/>
-          </a:prstGeom>
-        </p:spPr>
-        <p:style>
-          <a:lnRef idx="2">
-            <a:schemeClr val="accent1">
-              <a:shade val="50000"/>
-            </a:schemeClr>
-          </a:lnRef>
-          <a:fillRef idx="1">
-            <a:schemeClr val="accent1"/>
-          </a:fillRef>
-          <a:effectRef idx="0">
-            <a:schemeClr val="accent1"/>
-          </a:effectRef>
-          <a:fontRef idx="minor">
-            <a:schemeClr val="lt1"/>
-          </a:fontRef>
-        </p:style>
-        <p:txBody>
-          <a:bodyPr rtlCol="0" anchor="ctr"/>
-          <a:lstStyle/>
-          <a:p>
-            <a:pPr algn="ctr"/>
-            <a:r>
-              <a:rPr lang="ko-KR" altLang="en-US" dirty="0" smtClean="0"/>
-              <a:t>수정</a:t>
-            </a:r>
-            <a:endParaRPr lang="ko-KR" altLang="en-US" dirty="0"/>
-          </a:p>
-        </p:txBody>
-      </p:sp>
-      <p:sp>
-        <p:nvSpPr>
-          <p:cNvPr id="30" name="모서리가 둥근 직사각형 29"/>
-          <p:cNvSpPr/>
-          <p:nvPr/>
-        </p:nvSpPr>
-        <p:spPr>
-          <a:xfrm>
-            <a:off x="7408982" y="4434253"/>
-            <a:ext cx="1310054" cy="615462"/>
-          </a:xfrm>
-          <a:prstGeom prst="roundRect">
-            <a:avLst/>
-          </a:prstGeom>
-        </p:spPr>
-        <p:style>
-          <a:lnRef idx="2">
-            <a:schemeClr val="accent1">
-              <a:shade val="50000"/>
-            </a:schemeClr>
-          </a:lnRef>
-          <a:fillRef idx="1">
-            <a:schemeClr val="accent1"/>
-          </a:fillRef>
-          <a:effectRef idx="0">
-            <a:schemeClr val="accent1"/>
-          </a:effectRef>
-          <a:fontRef idx="minor">
-            <a:schemeClr val="lt1"/>
-          </a:fontRef>
-        </p:style>
-        <p:txBody>
-          <a:bodyPr rtlCol="0" anchor="ctr"/>
-          <a:lstStyle/>
-          <a:p>
-            <a:pPr algn="ctr"/>
-            <a:r>
-              <a:rPr lang="ko-KR" altLang="en-US" dirty="0" smtClean="0"/>
-              <a:t>삭제</a:t>
-            </a:r>
-            <a:endParaRPr lang="en-US" altLang="ko-KR" dirty="0" smtClean="0"/>
-          </a:p>
-        </p:txBody>
-      </p:sp>
-      <p:sp>
-        <p:nvSpPr>
-          <p:cNvPr id="31" name="모서리가 둥근 직사각형 30"/>
-          <p:cNvSpPr/>
-          <p:nvPr/>
-        </p:nvSpPr>
-        <p:spPr>
-          <a:xfrm>
-            <a:off x="9371134" y="4437182"/>
-            <a:ext cx="1310054" cy="615462"/>
-          </a:xfrm>
-          <a:prstGeom prst="roundRect">
-            <a:avLst/>
-          </a:prstGeom>
-        </p:spPr>
-        <p:style>
-          <a:lnRef idx="2">
-            <a:schemeClr val="accent1">
-              <a:shade val="50000"/>
-            </a:schemeClr>
-          </a:lnRef>
-          <a:fillRef idx="1">
-            <a:schemeClr val="accent1"/>
-          </a:fillRef>
-          <a:effectRef idx="0">
-            <a:schemeClr val="accent1"/>
-          </a:effectRef>
-          <a:fontRef idx="minor">
-            <a:schemeClr val="lt1"/>
-          </a:fontRef>
-        </p:style>
-        <p:txBody>
-          <a:bodyPr rtlCol="0" anchor="ctr"/>
-          <a:lstStyle/>
-          <a:p>
-            <a:pPr algn="ctr"/>
-            <a:r>
-              <a:rPr lang="ko-KR" altLang="en-US" dirty="0" smtClean="0"/>
-              <a:t>답변</a:t>
-            </a:r>
-            <a:endParaRPr lang="ko-KR" altLang="en-US" dirty="0"/>
-          </a:p>
-        </p:txBody>
-      </p:sp>
-      <p:cxnSp>
-        <p:nvCxnSpPr>
-          <p:cNvPr id="32" name="직선 화살표 연결선 31"/>
-          <p:cNvCxnSpPr/>
-          <p:nvPr/>
-        </p:nvCxnSpPr>
-        <p:spPr>
-          <a:xfrm flipH="1">
-            <a:off x="6090135" y="3341077"/>
-            <a:ext cx="5864" cy="1093176"/>
-          </a:xfrm>
-          <a:prstGeom prst="straightConnector1">
-            <a:avLst/>
-          </a:prstGeom>
-          <a:ln>
-            <a:tailEnd type="triangle"/>
-          </a:ln>
-        </p:spPr>
-        <p:style>
-          <a:lnRef idx="1">
-            <a:schemeClr val="dk1"/>
-          </a:lnRef>
-          <a:fillRef idx="0">
-            <a:schemeClr val="dk1"/>
-          </a:fillRef>
-          <a:effectRef idx="0">
-            <a:schemeClr val="dk1"/>
-          </a:effectRef>
-          <a:fontRef idx="minor">
-            <a:schemeClr val="tx1"/>
-          </a:fontRef>
-        </p:style>
-      </p:cxnSp>
-      <p:cxnSp>
-        <p:nvCxnSpPr>
-          <p:cNvPr id="33" name="직선 화살표 연결선 32"/>
-          <p:cNvCxnSpPr/>
-          <p:nvPr/>
-        </p:nvCxnSpPr>
-        <p:spPr>
-          <a:xfrm>
-            <a:off x="8028836" y="3991708"/>
-            <a:ext cx="0" cy="442545"/>
-          </a:xfrm>
-          <a:prstGeom prst="straightConnector1">
-            <a:avLst/>
-          </a:prstGeom>
-          <a:ln>
-            <a:tailEnd type="triangle"/>
-          </a:ln>
-        </p:spPr>
-        <p:style>
-          <a:lnRef idx="1">
-            <a:schemeClr val="dk1"/>
-          </a:lnRef>
-          <a:fillRef idx="0">
-            <a:schemeClr val="dk1"/>
-          </a:fillRef>
-          <a:effectRef idx="0">
-            <a:schemeClr val="dk1"/>
-          </a:effectRef>
-          <a:fontRef idx="minor">
-            <a:schemeClr val="tx1"/>
-          </a:fontRef>
-        </p:style>
-      </p:cxnSp>
-      <p:cxnSp>
-        <p:nvCxnSpPr>
-          <p:cNvPr id="34" name="직선 화살표 연결선 33"/>
-          <p:cNvCxnSpPr/>
-          <p:nvPr/>
-        </p:nvCxnSpPr>
-        <p:spPr>
-          <a:xfrm>
-            <a:off x="10023229" y="3991708"/>
-            <a:ext cx="0" cy="442545"/>
-          </a:xfrm>
-          <a:prstGeom prst="straightConnector1">
-            <a:avLst/>
-          </a:prstGeom>
-          <a:ln>
-            <a:tailEnd type="triangle"/>
-          </a:ln>
-        </p:spPr>
-        <p:style>
-          <a:lnRef idx="1">
-            <a:schemeClr val="dk1"/>
-          </a:lnRef>
-          <a:fillRef idx="0">
-            <a:schemeClr val="dk1"/>
-          </a:fillRef>
-          <a:effectRef idx="0">
-            <a:schemeClr val="dk1"/>
-          </a:effectRef>
-          <a:fontRef idx="minor">
-            <a:schemeClr val="tx1"/>
-          </a:fontRef>
-        </p:style>
-      </p:cxnSp>
-      <p:sp>
-        <p:nvSpPr>
-          <p:cNvPr id="35" name="TextBox 34"/>
-          <p:cNvSpPr txBox="1"/>
-          <p:nvPr/>
-        </p:nvSpPr>
-        <p:spPr>
-          <a:xfrm>
-            <a:off x="9011573" y="5161025"/>
-            <a:ext cx="2023311" cy="369332"/>
-          </a:xfrm>
-          <a:prstGeom prst="rect">
-            <a:avLst/>
-          </a:prstGeom>
-          <a:noFill/>
-        </p:spPr>
-        <p:txBody>
-          <a:bodyPr wrap="none" rtlCol="0">
-            <a:spAutoFit/>
-          </a:bodyPr>
-          <a:lstStyle/>
-          <a:p>
-            <a:r>
-              <a:rPr lang="en-US" altLang="ko-KR" dirty="0" smtClean="0">
-                <a:solidFill>
-                  <a:srgbClr val="FF0000"/>
-                </a:solidFill>
-              </a:rPr>
-              <a:t>(</a:t>
-            </a:r>
-            <a:r>
-              <a:rPr lang="ko-KR" altLang="en-US" dirty="0" smtClean="0">
-                <a:solidFill>
-                  <a:srgbClr val="FF0000"/>
-                </a:solidFill>
-              </a:rPr>
-              <a:t>질문답변 게시판</a:t>
-            </a:r>
-            <a:r>
-              <a:rPr lang="en-US" altLang="ko-KR" dirty="0" smtClean="0">
-                <a:solidFill>
-                  <a:srgbClr val="FF0000"/>
-                </a:solidFill>
-              </a:rPr>
-              <a:t>)</a:t>
-            </a:r>
-            <a:endParaRPr lang="ko-KR" altLang="en-US" dirty="0">
-              <a:solidFill>
-                <a:srgbClr val="FF0000"/>
-              </a:solidFill>
-            </a:endParaRPr>
-          </a:p>
-        </p:txBody>
-      </p:sp>
-      <p:cxnSp>
-        <p:nvCxnSpPr>
-          <p:cNvPr id="36" name="직선 화살표 연결선 35"/>
-          <p:cNvCxnSpPr/>
-          <p:nvPr/>
-        </p:nvCxnSpPr>
-        <p:spPr>
-          <a:xfrm>
-            <a:off x="2165837" y="2825260"/>
-            <a:ext cx="0" cy="515817"/>
-          </a:xfrm>
-          <a:prstGeom prst="straightConnector1">
-            <a:avLst/>
-          </a:prstGeom>
-          <a:ln>
-            <a:tailEnd type="triangle"/>
-          </a:ln>
-        </p:spPr>
-        <p:style>
-          <a:lnRef idx="1">
-            <a:schemeClr val="dk1"/>
-          </a:lnRef>
-          <a:fillRef idx="0">
-            <a:schemeClr val="dk1"/>
-          </a:fillRef>
-          <a:effectRef idx="0">
-            <a:schemeClr val="dk1"/>
-          </a:effectRef>
-          <a:fontRef idx="minor">
-            <a:schemeClr val="tx1"/>
-          </a:fontRef>
-        </p:style>
-      </p:cxnSp>
-      <p:cxnSp>
-        <p:nvCxnSpPr>
-          <p:cNvPr id="38" name="직선 화살표 연결선 37"/>
-          <p:cNvCxnSpPr/>
-          <p:nvPr/>
-        </p:nvCxnSpPr>
-        <p:spPr>
-          <a:xfrm>
-            <a:off x="4780083" y="2825260"/>
-            <a:ext cx="0" cy="515817"/>
-          </a:xfrm>
-          <a:prstGeom prst="straightConnector1">
-            <a:avLst/>
-          </a:prstGeom>
-          <a:ln>
-            <a:tailEnd type="triangle"/>
-          </a:ln>
-        </p:spPr>
-        <p:style>
-          <a:lnRef idx="1">
-            <a:schemeClr val="dk1"/>
-          </a:lnRef>
-          <a:fillRef idx="0">
-            <a:schemeClr val="dk1"/>
-          </a:fillRef>
-          <a:effectRef idx="0">
-            <a:schemeClr val="dk1"/>
-          </a:effectRef>
-          <a:fontRef idx="minor">
-            <a:schemeClr val="tx1"/>
-          </a:fontRef>
-        </p:style>
-      </p:cxnSp>
-      <p:cxnSp>
-        <p:nvCxnSpPr>
-          <p:cNvPr id="39" name="직선 화살표 연결선 38"/>
-          <p:cNvCxnSpPr/>
-          <p:nvPr/>
-        </p:nvCxnSpPr>
-        <p:spPr>
-          <a:xfrm>
-            <a:off x="7391398" y="2825260"/>
-            <a:ext cx="0" cy="515817"/>
-          </a:xfrm>
-          <a:prstGeom prst="straightConnector1">
-            <a:avLst/>
-          </a:prstGeom>
-          <a:ln>
-            <a:tailEnd type="triangle"/>
-          </a:ln>
-        </p:spPr>
-        <p:style>
-          <a:lnRef idx="1">
-            <a:schemeClr val="dk1"/>
-          </a:lnRef>
-          <a:fillRef idx="0">
-            <a:schemeClr val="dk1"/>
-          </a:fillRef>
-          <a:effectRef idx="0">
-            <a:schemeClr val="dk1"/>
-          </a:effectRef>
-          <a:fontRef idx="minor">
-            <a:schemeClr val="tx1"/>
-          </a:fontRef>
-        </p:style>
-      </p:cxnSp>
-      <p:cxnSp>
-        <p:nvCxnSpPr>
-          <p:cNvPr id="40" name="직선 화살표 연결선 39"/>
-          <p:cNvCxnSpPr/>
-          <p:nvPr/>
-        </p:nvCxnSpPr>
-        <p:spPr>
-          <a:xfrm>
-            <a:off x="10020297" y="2825260"/>
-            <a:ext cx="0" cy="515817"/>
-          </a:xfrm>
-          <a:prstGeom prst="straightConnector1">
-            <a:avLst/>
-          </a:prstGeom>
-          <a:ln>
-            <a:tailEnd type="triangle"/>
-          </a:ln>
-        </p:spPr>
-        <p:style>
-          <a:lnRef idx="1">
-            <a:schemeClr val="dk1"/>
-          </a:lnRef>
-          <a:fillRef idx="0">
-            <a:schemeClr val="dk1"/>
-          </a:fillRef>
-          <a:effectRef idx="0">
-            <a:schemeClr val="dk1"/>
-          </a:effectRef>
-          <a:fontRef idx="minor">
-            <a:schemeClr val="tx1"/>
-          </a:fontRef>
-        </p:style>
-      </p:cxnSp>
-      <p:cxnSp>
-        <p:nvCxnSpPr>
-          <p:cNvPr id="41" name="직선 화살표 연결선 40"/>
-          <p:cNvCxnSpPr/>
-          <p:nvPr/>
-        </p:nvCxnSpPr>
-        <p:spPr>
-          <a:xfrm>
-            <a:off x="4127985" y="3991708"/>
-            <a:ext cx="0" cy="442545"/>
-          </a:xfrm>
-          <a:prstGeom prst="straightConnector1">
-            <a:avLst/>
-          </a:prstGeom>
-          <a:ln>
-            <a:tailEnd type="triangle"/>
-          </a:ln>
-        </p:spPr>
-        <p:style>
-          <a:lnRef idx="1">
-            <a:schemeClr val="dk1"/>
-          </a:lnRef>
-          <a:fillRef idx="0">
-            <a:schemeClr val="dk1"/>
-          </a:fillRef>
-          <a:effectRef idx="0">
-            <a:schemeClr val="dk1"/>
-          </a:effectRef>
-          <a:fontRef idx="minor">
-            <a:schemeClr val="tx1"/>
-          </a:fontRef>
-        </p:style>
-      </p:cxnSp>
-      <p:sp>
-        <p:nvSpPr>
-          <p:cNvPr id="42" name="모서리가 둥근 직사각형 41"/>
-          <p:cNvSpPr/>
-          <p:nvPr/>
-        </p:nvSpPr>
-        <p:spPr>
-          <a:xfrm>
-            <a:off x="3472958" y="4434253"/>
-            <a:ext cx="1310054" cy="615462"/>
-          </a:xfrm>
-          <a:prstGeom prst="roundRect">
-            <a:avLst/>
-          </a:prstGeom>
-        </p:spPr>
-        <p:style>
-          <a:lnRef idx="2">
-            <a:schemeClr val="accent1">
-              <a:shade val="50000"/>
-            </a:schemeClr>
-          </a:lnRef>
-          <a:fillRef idx="1">
-            <a:schemeClr val="accent1"/>
-          </a:fillRef>
-          <a:effectRef idx="0">
-            <a:schemeClr val="accent1"/>
-          </a:effectRef>
-          <a:fontRef idx="minor">
-            <a:schemeClr val="lt1"/>
-          </a:fontRef>
-        </p:style>
-        <p:txBody>
-          <a:bodyPr rtlCol="0" anchor="ctr"/>
-          <a:lstStyle/>
-          <a:p>
-            <a:pPr algn="ctr"/>
-            <a:r>
-              <a:rPr lang="ko-KR" altLang="en-US" dirty="0" smtClean="0"/>
-              <a:t>쓰기</a:t>
-            </a:r>
-            <a:endParaRPr lang="ko-KR" altLang="en-US" dirty="0"/>
-          </a:p>
-        </p:txBody>
-      </p:sp>
+              <a:rPr lang="en-US" altLang="ko-KR" sz="4000" b="1" dirty="0"/>
+              <a:t>Document History</a:t>
+            </a:r>
+            <a:endParaRPr lang="ko-KR" altLang="en-US" sz="4000" b="1" dirty="0"/>
+          </a:p>
+        </p:txBody>
+      </p:sp>
+      <p:graphicFrame>
+        <p:nvGraphicFramePr>
+          <p:cNvPr id="6" name="표 5"/>
+          <p:cNvGraphicFramePr>
+            <a:graphicFrameLocks noGrp="1"/>
+          </p:cNvGraphicFramePr>
+          <p:nvPr>
+            <p:extLst>
+              <p:ext uri="{D42A27DB-BD31-4B8C-83A1-F6EECF244321}">
+                <p14:modId xmlns:p14="http://schemas.microsoft.com/office/powerpoint/2010/main" val="1577880360"/>
+              </p:ext>
+            </p:extLst>
+          </p:nvPr>
+        </p:nvGraphicFramePr>
+        <p:xfrm>
+          <a:off x="219403" y="1485899"/>
+          <a:ext cx="11884673" cy="1112520"/>
+        </p:xfrm>
+        <a:graphic>
+          <a:graphicData uri="http://schemas.openxmlformats.org/drawingml/2006/table">
+            <a:tbl>
+              <a:tblPr firstRow="1" bandRow="1">
+                <a:tableStyleId>{5C22544A-7EE6-4342-B048-85BDC9FD1C3A}</a:tableStyleId>
+              </a:tblPr>
+              <a:tblGrid>
+                <a:gridCol w="2492016">
+                  <a:extLst>
+                    <a:ext uri="{9D8B030D-6E8A-4147-A177-3AD203B41FA5}">
+                      <a16:colId xmlns:a16="http://schemas.microsoft.com/office/drawing/2014/main" val="1146555182"/>
+                    </a:ext>
+                  </a:extLst>
+                </a:gridCol>
+                <a:gridCol w="4724452">
+                  <a:extLst>
+                    <a:ext uri="{9D8B030D-6E8A-4147-A177-3AD203B41FA5}">
+                      <a16:colId xmlns:a16="http://schemas.microsoft.com/office/drawing/2014/main" val="1783202403"/>
+                    </a:ext>
+                  </a:extLst>
+                </a:gridCol>
+                <a:gridCol w="2453080">
+                  <a:extLst>
+                    <a:ext uri="{9D8B030D-6E8A-4147-A177-3AD203B41FA5}">
+                      <a16:colId xmlns:a16="http://schemas.microsoft.com/office/drawing/2014/main" val="3182021886"/>
+                    </a:ext>
+                  </a:extLst>
+                </a:gridCol>
+                <a:gridCol w="2215125">
+                  <a:extLst>
+                    <a:ext uri="{9D8B030D-6E8A-4147-A177-3AD203B41FA5}">
+                      <a16:colId xmlns:a16="http://schemas.microsoft.com/office/drawing/2014/main" val="1635392293"/>
+                    </a:ext>
+                  </a:extLst>
+                </a:gridCol>
+              </a:tblGrid>
+              <a:tr h="370840">
+                <a:tc gridSpan="4">
+                  <a:txBody>
+                    <a:bodyPr/>
+                    <a:lstStyle/>
+                    <a:p>
+                      <a:pPr algn="ctr" latinLnBrk="1"/>
+                      <a:r>
+                        <a:rPr lang="en-US" altLang="ko-KR" dirty="0">
+                          <a:solidFill>
+                            <a:schemeClr val="tx1"/>
+                          </a:solidFill>
+                        </a:rPr>
+                        <a:t>Storyboard</a:t>
+                      </a:r>
+                      <a:endParaRPr lang="ko-KR" altLang="en-US" dirty="0">
+                        <a:solidFill>
+                          <a:schemeClr val="tx1"/>
+                        </a:solidFill>
+                      </a:endParaRPr>
+                    </a:p>
+                  </a:txBody>
+                  <a:tcPr>
+                    <a:lnL w="12700" cap="flat" cmpd="sng" algn="ctr">
+                      <a:solidFill>
+                        <a:schemeClr val="tx1"/>
+                      </a:solidFill>
+                      <a:prstDash val="solid"/>
+                      <a:round/>
+                      <a:headEnd type="none" w="med" len="med"/>
+                      <a:tailEnd type="none" w="med" len="med"/>
+                    </a:lnL>
+                    <a:lnR w="12700" cap="flat" cmpd="sng" algn="ctr">
+                      <a:noFill/>
+                      <a:prstDash val="solid"/>
+                      <a:round/>
+                      <a:headEnd type="none" w="med" len="med"/>
+                      <a:tailEnd type="none" w="med" len="med"/>
+                    </a:lnR>
+                    <a:lnT w="12700" cap="flat" cmpd="sng" algn="ctr">
+                      <a:solidFill>
+                        <a:schemeClr val="tx1"/>
+                      </a:solidFill>
+                      <a:prstDash val="solid"/>
+                      <a:round/>
+                      <a:headEnd type="none" w="med" len="med"/>
+                      <a:tailEnd type="none" w="med" len="med"/>
+                    </a:lnT>
+                    <a:lnB w="12700" cap="flat" cmpd="sng" algn="ctr">
+                      <a:solidFill>
+                        <a:schemeClr val="tx1"/>
+                      </a:solidFill>
+                      <a:prstDash val="solid"/>
+                      <a:round/>
+                      <a:headEnd type="none" w="med" len="med"/>
+                      <a:tailEnd type="none" w="med" len="med"/>
+                    </a:lnB>
+                    <a:solidFill>
+                      <a:schemeClr val="bg1">
+                        <a:lumMod val="85000"/>
+                      </a:schemeClr>
+                    </a:solidFill>
+                  </a:tcPr>
+                </a:tc>
+                <a:tc hMerge="1">
+                  <a:txBody>
+                    <a:bodyPr/>
+                    <a:lstStyle/>
+                    <a:p>
+                      <a:pPr latinLnBrk="1"/>
+                      <a:endParaRPr lang="ko-KR" altLang="en-US" dirty="0"/>
+                    </a:p>
+                  </a:txBody>
+                  <a:tcPr>
+                    <a:lnL w="12700" cap="flat" cmpd="sng" algn="ctr">
+                      <a:solidFill>
+                        <a:schemeClr val="tx1"/>
+                      </a:solidFill>
+                      <a:prstDash val="solid"/>
+                      <a:round/>
+                      <a:headEnd type="none" w="med" len="med"/>
+                      <a:tailEnd type="none" w="med" len="med"/>
+                    </a:lnL>
+                    <a:lnR w="12700" cap="flat" cmpd="sng" algn="ctr">
+                      <a:solidFill>
+                        <a:schemeClr val="tx1"/>
+                      </a:solidFill>
+                      <a:prstDash val="solid"/>
+                      <a:round/>
+                      <a:headEnd type="none" w="med" len="med"/>
+                      <a:tailEnd type="none" w="med" len="med"/>
+                    </a:lnR>
+                    <a:lnT w="12700" cap="flat" cmpd="sng" algn="ctr">
+                      <a:solidFill>
+                        <a:schemeClr val="tx1"/>
+                      </a:solidFill>
+                      <a:prstDash val="solid"/>
+                      <a:round/>
+                      <a:headEnd type="none" w="med" len="med"/>
+                      <a:tailEnd type="none" w="med" len="med"/>
+                    </a:lnT>
+                    <a:lnB w="12700" cap="flat" cmpd="sng" algn="ctr">
+                      <a:solidFill>
+                        <a:schemeClr val="tx1"/>
+                      </a:solidFill>
+                      <a:prstDash val="solid"/>
+                      <a:round/>
+                      <a:headEnd type="none" w="med" len="med"/>
+                      <a:tailEnd type="none" w="med" len="med"/>
+                    </a:lnB>
+                    <a:noFill/>
+                  </a:tcPr>
+                </a:tc>
+                <a:tc hMerge="1">
+                  <a:txBody>
+                    <a:bodyPr/>
+                    <a:lstStyle/>
+                    <a:p>
+                      <a:pPr latinLnBrk="1"/>
+                      <a:endParaRPr lang="ko-KR" altLang="en-US" dirty="0"/>
+                    </a:p>
+                  </a:txBody>
+                  <a:tcPr>
+                    <a:lnL w="12700" cap="flat" cmpd="sng" algn="ctr">
+                      <a:solidFill>
+                        <a:schemeClr val="tx1"/>
+                      </a:solidFill>
+                      <a:prstDash val="solid"/>
+                      <a:round/>
+                      <a:headEnd type="none" w="med" len="med"/>
+                      <a:tailEnd type="none" w="med" len="med"/>
+                    </a:lnL>
+                    <a:lnR w="12700" cap="flat" cmpd="sng" algn="ctr">
+                      <a:solidFill>
+                        <a:schemeClr val="tx1"/>
+                      </a:solidFill>
+                      <a:prstDash val="solid"/>
+                      <a:round/>
+                      <a:headEnd type="none" w="med" len="med"/>
+                      <a:tailEnd type="none" w="med" len="med"/>
+                    </a:lnR>
+                    <a:lnT w="12700" cap="flat" cmpd="sng" algn="ctr">
+                      <a:solidFill>
+                        <a:schemeClr val="tx1"/>
+                      </a:solidFill>
+                      <a:prstDash val="solid"/>
+                      <a:round/>
+                      <a:headEnd type="none" w="med" len="med"/>
+                      <a:tailEnd type="none" w="med" len="med"/>
+                    </a:lnT>
+                    <a:lnB w="12700" cap="flat" cmpd="sng" algn="ctr">
+                      <a:solidFill>
+                        <a:schemeClr val="tx1"/>
+                      </a:solidFill>
+                      <a:prstDash val="solid"/>
+                      <a:round/>
+                      <a:headEnd type="none" w="med" len="med"/>
+                      <a:tailEnd type="none" w="med" len="med"/>
+                    </a:lnB>
+                    <a:noFill/>
+                  </a:tcPr>
+                </a:tc>
+                <a:tc hMerge="1">
+                  <a:txBody>
+                    <a:bodyPr/>
+                    <a:lstStyle/>
+                    <a:p>
+                      <a:pPr latinLnBrk="1"/>
+                      <a:endParaRPr lang="ko-KR" altLang="en-US" dirty="0"/>
+                    </a:p>
+                  </a:txBody>
+                  <a:tcPr>
+                    <a:lnL w="12700" cap="flat" cmpd="sng" algn="ctr">
+                      <a:solidFill>
+                        <a:schemeClr val="tx1"/>
+                      </a:solidFill>
+                      <a:prstDash val="solid"/>
+                      <a:round/>
+                      <a:headEnd type="none" w="med" len="med"/>
+                      <a:tailEnd type="none" w="med" len="med"/>
+                    </a:lnL>
+                    <a:lnR w="12700" cap="flat" cmpd="sng" algn="ctr">
+                      <a:solidFill>
+                        <a:schemeClr val="tx1"/>
+                      </a:solidFill>
+                      <a:prstDash val="solid"/>
+                      <a:round/>
+                      <a:headEnd type="none" w="med" len="med"/>
+                      <a:tailEnd type="none" w="med" len="med"/>
+                    </a:lnR>
+                    <a:lnT w="12700" cap="flat" cmpd="sng" algn="ctr">
+                      <a:solidFill>
+                        <a:schemeClr val="tx1"/>
+                      </a:solidFill>
+                      <a:prstDash val="solid"/>
+                      <a:round/>
+                      <a:headEnd type="none" w="med" len="med"/>
+                      <a:tailEnd type="none" w="med" len="med"/>
+                    </a:lnT>
+                    <a:lnB w="12700" cap="flat" cmpd="sng" algn="ctr">
+                      <a:solidFill>
+                        <a:schemeClr val="tx1"/>
+                      </a:solidFill>
+                      <a:prstDash val="solid"/>
+                      <a:round/>
+                      <a:headEnd type="none" w="med" len="med"/>
+                      <a:tailEnd type="none" w="med" len="med"/>
+                    </a:lnB>
+                    <a:noFill/>
+                  </a:tcPr>
+                </a:tc>
+                <a:extLst>
+                  <a:ext uri="{0D108BD9-81ED-4DB2-BD59-A6C34878D82A}">
+                    <a16:rowId xmlns:a16="http://schemas.microsoft.com/office/drawing/2014/main" val="1411856405"/>
+                  </a:ext>
+                </a:extLst>
+              </a:tr>
+              <a:tr h="370840">
+                <a:tc>
+                  <a:txBody>
+                    <a:bodyPr/>
+                    <a:lstStyle/>
+                    <a:p>
+                      <a:pPr algn="ctr" latinLnBrk="1"/>
+                      <a:r>
+                        <a:rPr lang="ko-KR" altLang="en-US" sz="1600" dirty="0">
+                          <a:solidFill>
+                            <a:schemeClr val="tx1"/>
+                          </a:solidFill>
+                        </a:rPr>
+                        <a:t>문서 명</a:t>
+                      </a:r>
+                    </a:p>
+                  </a:txBody>
+                  <a:tcPr>
+                    <a:lnL w="12700" cap="flat" cmpd="sng" algn="ctr">
+                      <a:solidFill>
+                        <a:schemeClr val="tx1"/>
+                      </a:solidFill>
+                      <a:prstDash val="solid"/>
+                      <a:round/>
+                      <a:headEnd type="none" w="med" len="med"/>
+                      <a:tailEnd type="none" w="med" len="med"/>
+                    </a:lnL>
+                    <a:lnR w="12700" cap="flat" cmpd="sng" algn="ctr">
+                      <a:solidFill>
+                        <a:schemeClr val="tx1"/>
+                      </a:solidFill>
+                      <a:prstDash val="solid"/>
+                      <a:round/>
+                      <a:headEnd type="none" w="med" len="med"/>
+                      <a:tailEnd type="none" w="med" len="med"/>
+                    </a:lnR>
+                    <a:lnT w="12700" cap="flat" cmpd="sng" algn="ctr">
+                      <a:solidFill>
+                        <a:schemeClr val="tx1"/>
+                      </a:solidFill>
+                      <a:prstDash val="solid"/>
+                      <a:round/>
+                      <a:headEnd type="none" w="med" len="med"/>
+                      <a:tailEnd type="none" w="med" len="med"/>
+                    </a:lnT>
+                    <a:lnB w="12700" cap="flat" cmpd="sng" algn="ctr">
+                      <a:solidFill>
+                        <a:schemeClr val="tx1"/>
+                      </a:solidFill>
+                      <a:prstDash val="solid"/>
+                      <a:round/>
+                      <a:headEnd type="none" w="med" len="med"/>
+                      <a:tailEnd type="none" w="med" len="med"/>
+                    </a:lnB>
+                    <a:noFill/>
+                  </a:tcPr>
+                </a:tc>
+                <a:tc>
+                  <a:txBody>
+                    <a:bodyPr/>
+                    <a:lstStyle/>
+                    <a:p>
+                      <a:pPr algn="ctr" latinLnBrk="1"/>
+                      <a:r>
+                        <a:rPr lang="ko-KR" altLang="en-US" sz="1600" dirty="0" smtClean="0">
+                          <a:solidFill>
+                            <a:schemeClr val="tx1"/>
+                          </a:solidFill>
+                        </a:rPr>
+                        <a:t>정보구조설계</a:t>
+                      </a:r>
+                      <a:r>
+                        <a:rPr lang="en-US" altLang="ko-KR" sz="1600" dirty="0" smtClean="0">
+                          <a:solidFill>
+                            <a:schemeClr val="tx1"/>
+                          </a:solidFill>
+                        </a:rPr>
+                        <a:t>(</a:t>
+                      </a:r>
+                      <a:r>
+                        <a:rPr lang="ko-KR" altLang="en-US" sz="1600" dirty="0" smtClean="0">
+                          <a:solidFill>
+                            <a:schemeClr val="tx1"/>
+                          </a:solidFill>
+                        </a:rPr>
+                        <a:t>흐름도</a:t>
+                      </a:r>
+                      <a:r>
+                        <a:rPr lang="en-US" altLang="ko-KR" sz="1600" dirty="0" smtClean="0">
+                          <a:solidFill>
+                            <a:schemeClr val="tx1"/>
+                          </a:solidFill>
+                        </a:rPr>
+                        <a:t>)</a:t>
+                      </a:r>
+                      <a:endParaRPr lang="ko-KR" altLang="en-US" sz="1600" dirty="0">
+                        <a:solidFill>
+                          <a:schemeClr val="tx1"/>
+                        </a:solidFill>
+                      </a:endParaRPr>
+                    </a:p>
+                  </a:txBody>
+                  <a:tcPr>
+                    <a:lnL w="12700" cap="flat" cmpd="sng" algn="ctr">
+                      <a:solidFill>
+                        <a:schemeClr val="tx1"/>
+                      </a:solidFill>
+                      <a:prstDash val="solid"/>
+                      <a:round/>
+                      <a:headEnd type="none" w="med" len="med"/>
+                      <a:tailEnd type="none" w="med" len="med"/>
+                    </a:lnL>
+                    <a:lnR w="12700" cap="flat" cmpd="sng" algn="ctr">
+                      <a:solidFill>
+                        <a:schemeClr val="tx1"/>
+                      </a:solidFill>
+                      <a:prstDash val="solid"/>
+                      <a:round/>
+                      <a:headEnd type="none" w="med" len="med"/>
+                      <a:tailEnd type="none" w="med" len="med"/>
+                    </a:lnR>
+                    <a:lnT w="12700" cap="flat" cmpd="sng" algn="ctr">
+                      <a:solidFill>
+                        <a:schemeClr val="tx1"/>
+                      </a:solidFill>
+                      <a:prstDash val="solid"/>
+                      <a:round/>
+                      <a:headEnd type="none" w="med" len="med"/>
+                      <a:tailEnd type="none" w="med" len="med"/>
+                    </a:lnT>
+                    <a:lnB w="12700" cap="flat" cmpd="sng" algn="ctr">
+                      <a:solidFill>
+                        <a:schemeClr val="tx1"/>
+                      </a:solidFill>
+                      <a:prstDash val="solid"/>
+                      <a:round/>
+                      <a:headEnd type="none" w="med" len="med"/>
+                      <a:tailEnd type="none" w="med" len="med"/>
+                    </a:lnB>
+                    <a:noFill/>
+                  </a:tcPr>
+                </a:tc>
+                <a:tc>
+                  <a:txBody>
+                    <a:bodyPr/>
+                    <a:lstStyle/>
+                    <a:p>
+                      <a:pPr algn="ctr" latinLnBrk="1"/>
+                      <a:r>
+                        <a:rPr lang="ko-KR" altLang="en-US" sz="1600" dirty="0">
+                          <a:solidFill>
+                            <a:schemeClr val="tx1"/>
+                          </a:solidFill>
+                        </a:rPr>
+                        <a:t>작성일</a:t>
+                      </a:r>
+                    </a:p>
+                  </a:txBody>
+                  <a:tcPr>
+                    <a:lnL w="12700" cap="flat" cmpd="sng" algn="ctr">
+                      <a:solidFill>
+                        <a:schemeClr val="tx1"/>
+                      </a:solidFill>
+                      <a:prstDash val="solid"/>
+                      <a:round/>
+                      <a:headEnd type="none" w="med" len="med"/>
+                      <a:tailEnd type="none" w="med" len="med"/>
+                    </a:lnL>
+                    <a:lnR w="12700" cap="flat" cmpd="sng" algn="ctr">
+                      <a:solidFill>
+                        <a:schemeClr val="tx1"/>
+                      </a:solidFill>
+                      <a:prstDash val="solid"/>
+                      <a:round/>
+                      <a:headEnd type="none" w="med" len="med"/>
+                      <a:tailEnd type="none" w="med" len="med"/>
+                    </a:lnR>
+                    <a:lnT w="12700" cap="flat" cmpd="sng" algn="ctr">
+                      <a:solidFill>
+                        <a:schemeClr val="tx1"/>
+                      </a:solidFill>
+                      <a:prstDash val="solid"/>
+                      <a:round/>
+                      <a:headEnd type="none" w="med" len="med"/>
+                      <a:tailEnd type="none" w="med" len="med"/>
+                    </a:lnT>
+                    <a:lnB w="12700" cap="flat" cmpd="sng" algn="ctr">
+                      <a:solidFill>
+                        <a:schemeClr val="tx1"/>
+                      </a:solidFill>
+                      <a:prstDash val="solid"/>
+                      <a:round/>
+                      <a:headEnd type="none" w="med" len="med"/>
+                      <a:tailEnd type="none" w="med" len="med"/>
+                    </a:lnB>
+                    <a:noFill/>
+                  </a:tcPr>
+                </a:tc>
+                <a:tc>
+                  <a:txBody>
+                    <a:bodyPr/>
+                    <a:lstStyle/>
+                    <a:p>
+                      <a:pPr algn="ctr" latinLnBrk="1"/>
+                      <a:r>
+                        <a:rPr lang="en-US" altLang="ko-KR" sz="1600" dirty="0" smtClean="0">
+                          <a:solidFill>
+                            <a:schemeClr val="tx1"/>
+                          </a:solidFill>
+                        </a:rPr>
+                        <a:t>2020-05-29</a:t>
+                      </a:r>
+                      <a:endParaRPr lang="ko-KR" altLang="en-US" sz="1600" dirty="0">
+                        <a:solidFill>
+                          <a:schemeClr val="tx1"/>
+                        </a:solidFill>
+                      </a:endParaRPr>
+                    </a:p>
+                  </a:txBody>
+                  <a:tcPr>
+                    <a:lnL w="12700" cap="flat" cmpd="sng" algn="ctr">
+                      <a:solidFill>
+                        <a:schemeClr val="tx1"/>
+                      </a:solidFill>
+                      <a:prstDash val="solid"/>
+                      <a:round/>
+                      <a:headEnd type="none" w="med" len="med"/>
+                      <a:tailEnd type="none" w="med" len="med"/>
+                    </a:lnL>
+                    <a:lnR w="12700" cap="flat" cmpd="sng" algn="ctr">
+                      <a:noFill/>
+                      <a:prstDash val="solid"/>
+                      <a:round/>
+                      <a:headEnd type="none" w="med" len="med"/>
+                      <a:tailEnd type="none" w="med" len="med"/>
+                    </a:lnR>
+                    <a:lnT w="12700" cap="flat" cmpd="sng" algn="ctr">
+                      <a:solidFill>
+                        <a:schemeClr val="tx1"/>
+                      </a:solidFill>
+                      <a:prstDash val="solid"/>
+                      <a:round/>
+                      <a:headEnd type="none" w="med" len="med"/>
+                      <a:tailEnd type="none" w="med" len="med"/>
+                    </a:lnT>
+                    <a:lnB w="12700" cap="flat" cmpd="sng" algn="ctr">
+                      <a:solidFill>
+                        <a:schemeClr val="tx1"/>
+                      </a:solidFill>
+                      <a:prstDash val="solid"/>
+                      <a:round/>
+                      <a:headEnd type="none" w="med" len="med"/>
+                      <a:tailEnd type="none" w="med" len="med"/>
+                    </a:lnB>
+                    <a:noFill/>
+                  </a:tcPr>
+                </a:tc>
+                <a:extLst>
+                  <a:ext uri="{0D108BD9-81ED-4DB2-BD59-A6C34878D82A}">
+                    <a16:rowId xmlns:a16="http://schemas.microsoft.com/office/drawing/2014/main" val="1508986795"/>
+                  </a:ext>
+                </a:extLst>
+              </a:tr>
+              <a:tr h="370840">
+                <a:tc>
+                  <a:txBody>
+                    <a:bodyPr/>
+                    <a:lstStyle/>
+                    <a:p>
+                      <a:pPr algn="ctr" latinLnBrk="1"/>
+                      <a:r>
+                        <a:rPr lang="ko-KR" altLang="en-US" sz="1600" dirty="0">
+                          <a:solidFill>
+                            <a:schemeClr val="tx1"/>
+                          </a:solidFill>
+                        </a:rPr>
+                        <a:t>문서번호</a:t>
+                      </a:r>
+                    </a:p>
+                  </a:txBody>
+                  <a:tcPr>
+                    <a:lnL w="12700" cap="flat" cmpd="sng" algn="ctr">
+                      <a:solidFill>
+                        <a:schemeClr val="tx1"/>
+                      </a:solidFill>
+                      <a:prstDash val="solid"/>
+                      <a:round/>
+                      <a:headEnd type="none" w="med" len="med"/>
+                      <a:tailEnd type="none" w="med" len="med"/>
+                    </a:lnL>
+                    <a:lnR w="12700" cap="flat" cmpd="sng" algn="ctr">
+                      <a:solidFill>
+                        <a:schemeClr val="tx1"/>
+                      </a:solidFill>
+                      <a:prstDash val="solid"/>
+                      <a:round/>
+                      <a:headEnd type="none" w="med" len="med"/>
+                      <a:tailEnd type="none" w="med" len="med"/>
+                    </a:lnR>
+                    <a:lnT w="12700" cap="flat" cmpd="sng" algn="ctr">
+                      <a:solidFill>
+                        <a:schemeClr val="tx1"/>
+                      </a:solidFill>
+                      <a:prstDash val="solid"/>
+                      <a:round/>
+                      <a:headEnd type="none" w="med" len="med"/>
+                      <a:tailEnd type="none" w="med" len="med"/>
+                    </a:lnT>
+                    <a:lnB w="12700" cap="flat" cmpd="sng" algn="ctr">
+                      <a:solidFill>
+                        <a:schemeClr val="tx1"/>
+                      </a:solidFill>
+                      <a:prstDash val="solid"/>
+                      <a:round/>
+                      <a:headEnd type="none" w="med" len="med"/>
+                      <a:tailEnd type="none" w="med" len="med"/>
+                    </a:lnB>
+                    <a:noFill/>
+                  </a:tcPr>
+                </a:tc>
+                <a:tc>
+                  <a:txBody>
+                    <a:bodyPr/>
+                    <a:lstStyle/>
+                    <a:p>
+                      <a:pPr algn="ctr" latinLnBrk="1"/>
+                      <a:endParaRPr lang="ko-KR" altLang="en-US" sz="1600" dirty="0">
+                        <a:solidFill>
+                          <a:schemeClr val="tx1"/>
+                        </a:solidFill>
+                      </a:endParaRPr>
+                    </a:p>
+                  </a:txBody>
+                  <a:tcPr>
+                    <a:lnL w="12700" cap="flat" cmpd="sng" algn="ctr">
+                      <a:solidFill>
+                        <a:schemeClr val="tx1"/>
+                      </a:solidFill>
+                      <a:prstDash val="solid"/>
+                      <a:round/>
+                      <a:headEnd type="none" w="med" len="med"/>
+                      <a:tailEnd type="none" w="med" len="med"/>
+                    </a:lnL>
+                    <a:lnR w="12700" cap="flat" cmpd="sng" algn="ctr">
+                      <a:solidFill>
+                        <a:schemeClr val="tx1"/>
+                      </a:solidFill>
+                      <a:prstDash val="solid"/>
+                      <a:round/>
+                      <a:headEnd type="none" w="med" len="med"/>
+                      <a:tailEnd type="none" w="med" len="med"/>
+                    </a:lnR>
+                    <a:lnT w="12700" cap="flat" cmpd="sng" algn="ctr">
+                      <a:solidFill>
+                        <a:schemeClr val="tx1"/>
+                      </a:solidFill>
+                      <a:prstDash val="solid"/>
+                      <a:round/>
+                      <a:headEnd type="none" w="med" len="med"/>
+                      <a:tailEnd type="none" w="med" len="med"/>
+                    </a:lnT>
+                    <a:lnB w="12700" cap="flat" cmpd="sng" algn="ctr">
+                      <a:solidFill>
+                        <a:schemeClr val="tx1"/>
+                      </a:solidFill>
+                      <a:prstDash val="solid"/>
+                      <a:round/>
+                      <a:headEnd type="none" w="med" len="med"/>
+                      <a:tailEnd type="none" w="med" len="med"/>
+                    </a:lnB>
+                    <a:noFill/>
+                  </a:tcPr>
+                </a:tc>
+                <a:tc>
+                  <a:txBody>
+                    <a:bodyPr/>
+                    <a:lstStyle/>
+                    <a:p>
+                      <a:pPr algn="ctr" latinLnBrk="1"/>
+                      <a:r>
+                        <a:rPr lang="ko-KR" altLang="en-US" sz="1600" dirty="0">
+                          <a:solidFill>
+                            <a:schemeClr val="tx1"/>
+                          </a:solidFill>
+                        </a:rPr>
+                        <a:t>버 전</a:t>
+                      </a:r>
+                    </a:p>
+                  </a:txBody>
+                  <a:tcPr>
+                    <a:lnL w="12700" cap="flat" cmpd="sng" algn="ctr">
+                      <a:solidFill>
+                        <a:schemeClr val="tx1"/>
+                      </a:solidFill>
+                      <a:prstDash val="solid"/>
+                      <a:round/>
+                      <a:headEnd type="none" w="med" len="med"/>
+                      <a:tailEnd type="none" w="med" len="med"/>
+                    </a:lnL>
+                    <a:lnR w="12700" cap="flat" cmpd="sng" algn="ctr">
+                      <a:solidFill>
+                        <a:schemeClr val="tx1"/>
+                      </a:solidFill>
+                      <a:prstDash val="solid"/>
+                      <a:round/>
+                      <a:headEnd type="none" w="med" len="med"/>
+                      <a:tailEnd type="none" w="med" len="med"/>
+                    </a:lnR>
+                    <a:lnT w="12700" cap="flat" cmpd="sng" algn="ctr">
+                      <a:solidFill>
+                        <a:schemeClr val="tx1"/>
+                      </a:solidFill>
+                      <a:prstDash val="solid"/>
+                      <a:round/>
+                      <a:headEnd type="none" w="med" len="med"/>
+                      <a:tailEnd type="none" w="med" len="med"/>
+                    </a:lnT>
+                    <a:lnB w="12700" cap="flat" cmpd="sng" algn="ctr">
+                      <a:solidFill>
+                        <a:schemeClr val="tx1"/>
+                      </a:solidFill>
+                      <a:prstDash val="solid"/>
+                      <a:round/>
+                      <a:headEnd type="none" w="med" len="med"/>
+                      <a:tailEnd type="none" w="med" len="med"/>
+                    </a:lnB>
+                    <a:noFill/>
+                  </a:tcPr>
+                </a:tc>
+                <a:tc>
+                  <a:txBody>
+                    <a:bodyPr/>
+                    <a:lstStyle/>
+                    <a:p>
+                      <a:pPr algn="ctr" latinLnBrk="1"/>
+                      <a:r>
+                        <a:rPr lang="en-US" altLang="ko-KR" sz="1600" dirty="0">
+                          <a:solidFill>
+                            <a:schemeClr val="tx1"/>
+                          </a:solidFill>
+                        </a:rPr>
+                        <a:t>0.2</a:t>
+                      </a:r>
+                      <a:endParaRPr lang="ko-KR" altLang="en-US" sz="1600" dirty="0">
+                        <a:solidFill>
+                          <a:schemeClr val="tx1"/>
+                        </a:solidFill>
+                      </a:endParaRPr>
+                    </a:p>
+                  </a:txBody>
+                  <a:tcPr>
+                    <a:lnL w="12700" cap="flat" cmpd="sng" algn="ctr">
+                      <a:solidFill>
+                        <a:schemeClr val="tx1"/>
+                      </a:solidFill>
+                      <a:prstDash val="solid"/>
+                      <a:round/>
+                      <a:headEnd type="none" w="med" len="med"/>
+                      <a:tailEnd type="none" w="med" len="med"/>
+                    </a:lnL>
+                    <a:lnR w="12700" cap="flat" cmpd="sng" algn="ctr">
+                      <a:noFill/>
+                      <a:prstDash val="solid"/>
+                      <a:round/>
+                      <a:headEnd type="none" w="med" len="med"/>
+                      <a:tailEnd type="none" w="med" len="med"/>
+                    </a:lnR>
+                    <a:lnT w="12700" cap="flat" cmpd="sng" algn="ctr">
+                      <a:solidFill>
+                        <a:schemeClr val="tx1"/>
+                      </a:solidFill>
+                      <a:prstDash val="solid"/>
+                      <a:round/>
+                      <a:headEnd type="none" w="med" len="med"/>
+                      <a:tailEnd type="none" w="med" len="med"/>
+                    </a:lnT>
+                    <a:lnB w="12700" cap="flat" cmpd="sng" algn="ctr">
+                      <a:solidFill>
+                        <a:schemeClr val="tx1"/>
+                      </a:solidFill>
+                      <a:prstDash val="solid"/>
+                      <a:round/>
+                      <a:headEnd type="none" w="med" len="med"/>
+                      <a:tailEnd type="none" w="med" len="med"/>
+                    </a:lnB>
+                    <a:noFill/>
+                  </a:tcPr>
+                </a:tc>
+                <a:extLst>
+                  <a:ext uri="{0D108BD9-81ED-4DB2-BD59-A6C34878D82A}">
+                    <a16:rowId xmlns:a16="http://schemas.microsoft.com/office/drawing/2014/main" val="3730392813"/>
+                  </a:ext>
+                </a:extLst>
+              </a:tr>
+            </a:tbl>
+          </a:graphicData>
+        </a:graphic>
+      </p:graphicFrame>
+      <p:graphicFrame>
+        <p:nvGraphicFramePr>
+          <p:cNvPr id="7" name="표 6"/>
+          <p:cNvGraphicFramePr>
+            <a:graphicFrameLocks noGrp="1"/>
+          </p:cNvGraphicFramePr>
+          <p:nvPr>
+            <p:extLst>
+              <p:ext uri="{D42A27DB-BD31-4B8C-83A1-F6EECF244321}">
+                <p14:modId xmlns:p14="http://schemas.microsoft.com/office/powerpoint/2010/main" val="1316632068"/>
+              </p:ext>
+            </p:extLst>
+          </p:nvPr>
+        </p:nvGraphicFramePr>
+        <p:xfrm>
+          <a:off x="219403" y="2714092"/>
+          <a:ext cx="11884673" cy="2110705"/>
+        </p:xfrm>
+        <a:graphic>
+          <a:graphicData uri="http://schemas.openxmlformats.org/drawingml/2006/table">
+            <a:tbl>
+              <a:tblPr firstRow="1" bandRow="1">
+                <a:tableStyleId>{5C22544A-7EE6-4342-B048-85BDC9FD1C3A}</a:tableStyleId>
+              </a:tblPr>
+              <a:tblGrid>
+                <a:gridCol w="1439873">
+                  <a:extLst>
+                    <a:ext uri="{9D8B030D-6E8A-4147-A177-3AD203B41FA5}">
+                      <a16:colId xmlns:a16="http://schemas.microsoft.com/office/drawing/2014/main" val="2587860644"/>
+                    </a:ext>
+                  </a:extLst>
+                </a:gridCol>
+                <a:gridCol w="1568434">
+                  <a:extLst>
+                    <a:ext uri="{9D8B030D-6E8A-4147-A177-3AD203B41FA5}">
+                      <a16:colId xmlns:a16="http://schemas.microsoft.com/office/drawing/2014/main" val="3077660191"/>
+                    </a:ext>
+                  </a:extLst>
+                </a:gridCol>
+                <a:gridCol w="7413638">
+                  <a:extLst>
+                    <a:ext uri="{9D8B030D-6E8A-4147-A177-3AD203B41FA5}">
+                      <a16:colId xmlns:a16="http://schemas.microsoft.com/office/drawing/2014/main" val="1147936979"/>
+                    </a:ext>
+                  </a:extLst>
+                </a:gridCol>
+                <a:gridCol w="1462728">
+                  <a:extLst>
+                    <a:ext uri="{9D8B030D-6E8A-4147-A177-3AD203B41FA5}">
+                      <a16:colId xmlns:a16="http://schemas.microsoft.com/office/drawing/2014/main" val="811645528"/>
+                    </a:ext>
+                  </a:extLst>
+                </a:gridCol>
+              </a:tblGrid>
+              <a:tr h="348989">
+                <a:tc>
+                  <a:txBody>
+                    <a:bodyPr/>
+                    <a:lstStyle/>
+                    <a:p>
+                      <a:pPr algn="ctr" latinLnBrk="1"/>
+                      <a:r>
+                        <a:rPr lang="ko-KR" altLang="en-US" dirty="0">
+                          <a:solidFill>
+                            <a:schemeClr val="tx1"/>
+                          </a:solidFill>
+                        </a:rPr>
+                        <a:t>버 전</a:t>
+                      </a:r>
+                    </a:p>
+                  </a:txBody>
+                  <a:tcPr>
+                    <a:lnL w="12700" cap="flat" cmpd="sng" algn="ctr">
+                      <a:noFill/>
+                      <a:prstDash val="solid"/>
+                      <a:round/>
+                      <a:headEnd type="none" w="med" len="med"/>
+                      <a:tailEnd type="none" w="med" len="med"/>
+                    </a:lnL>
+                    <a:lnR w="12700" cap="flat" cmpd="sng" algn="ctr">
+                      <a:solidFill>
+                        <a:schemeClr val="tx1"/>
+                      </a:solidFill>
+                      <a:prstDash val="solid"/>
+                      <a:round/>
+                      <a:headEnd type="none" w="med" len="med"/>
+                      <a:tailEnd type="none" w="med" len="med"/>
+                    </a:lnR>
+                    <a:lnT w="12700" cap="flat" cmpd="sng" algn="ctr">
+                      <a:solidFill>
+                        <a:schemeClr val="tx1"/>
+                      </a:solidFill>
+                      <a:prstDash val="solid"/>
+                      <a:round/>
+                      <a:headEnd type="none" w="med" len="med"/>
+                      <a:tailEnd type="none" w="med" len="med"/>
+                    </a:lnT>
+                    <a:lnB w="12700" cap="flat" cmpd="sng" algn="ctr">
+                      <a:solidFill>
+                        <a:schemeClr val="tx1"/>
+                      </a:solidFill>
+                      <a:prstDash val="solid"/>
+                      <a:round/>
+                      <a:headEnd type="none" w="med" len="med"/>
+                      <a:tailEnd type="none" w="med" len="med"/>
+                    </a:lnB>
+                    <a:solidFill>
+                      <a:schemeClr val="bg1">
+                        <a:lumMod val="85000"/>
+                      </a:schemeClr>
+                    </a:solidFill>
+                  </a:tcPr>
+                </a:tc>
+                <a:tc>
+                  <a:txBody>
+                    <a:bodyPr/>
+                    <a:lstStyle/>
+                    <a:p>
+                      <a:pPr algn="ctr" latinLnBrk="1"/>
+                      <a:r>
+                        <a:rPr lang="ko-KR" altLang="en-US" sz="1600" dirty="0">
+                          <a:solidFill>
+                            <a:schemeClr val="tx1"/>
+                          </a:solidFill>
+                        </a:rPr>
+                        <a:t>일 자</a:t>
+                      </a:r>
+                    </a:p>
+                  </a:txBody>
+                  <a:tcPr>
+                    <a:lnL w="12700" cap="flat" cmpd="sng" algn="ctr">
+                      <a:solidFill>
+                        <a:schemeClr val="tx1"/>
+                      </a:solidFill>
+                      <a:prstDash val="solid"/>
+                      <a:round/>
+                      <a:headEnd type="none" w="med" len="med"/>
+                      <a:tailEnd type="none" w="med" len="med"/>
+                    </a:lnL>
+                    <a:lnR w="12700" cap="flat" cmpd="sng" algn="ctr">
+                      <a:solidFill>
+                        <a:schemeClr val="tx1"/>
+                      </a:solidFill>
+                      <a:prstDash val="solid"/>
+                      <a:round/>
+                      <a:headEnd type="none" w="med" len="med"/>
+                      <a:tailEnd type="none" w="med" len="med"/>
+                    </a:lnR>
+                    <a:lnT w="12700" cap="flat" cmpd="sng" algn="ctr">
+                      <a:solidFill>
+                        <a:schemeClr val="tx1"/>
+                      </a:solidFill>
+                      <a:prstDash val="solid"/>
+                      <a:round/>
+                      <a:headEnd type="none" w="med" len="med"/>
+                      <a:tailEnd type="none" w="med" len="med"/>
+                    </a:lnT>
+                    <a:lnB w="12700" cap="flat" cmpd="sng" algn="ctr">
+                      <a:solidFill>
+                        <a:schemeClr val="tx1"/>
+                      </a:solidFill>
+                      <a:prstDash val="solid"/>
+                      <a:round/>
+                      <a:headEnd type="none" w="med" len="med"/>
+                      <a:tailEnd type="none" w="med" len="med"/>
+                    </a:lnB>
+                    <a:solidFill>
+                      <a:schemeClr val="bg1">
+                        <a:lumMod val="85000"/>
+                      </a:schemeClr>
+                    </a:solidFill>
+                  </a:tcPr>
+                </a:tc>
+                <a:tc>
+                  <a:txBody>
+                    <a:bodyPr/>
+                    <a:lstStyle/>
+                    <a:p>
+                      <a:pPr algn="ctr" latinLnBrk="1"/>
+                      <a:r>
+                        <a:rPr lang="ko-KR" altLang="en-US" dirty="0">
+                          <a:solidFill>
+                            <a:schemeClr val="tx1"/>
+                          </a:solidFill>
+                        </a:rPr>
+                        <a:t>설 명</a:t>
+                      </a:r>
+                    </a:p>
+                  </a:txBody>
+                  <a:tcPr>
+                    <a:lnL w="12700" cap="flat" cmpd="sng" algn="ctr">
+                      <a:solidFill>
+                        <a:schemeClr val="tx1"/>
+                      </a:solidFill>
+                      <a:prstDash val="solid"/>
+                      <a:round/>
+                      <a:headEnd type="none" w="med" len="med"/>
+                      <a:tailEnd type="none" w="med" len="med"/>
+                    </a:lnL>
+                    <a:lnR w="12700" cap="flat" cmpd="sng" algn="ctr">
+                      <a:solidFill>
+                        <a:schemeClr val="tx1"/>
+                      </a:solidFill>
+                      <a:prstDash val="solid"/>
+                      <a:round/>
+                      <a:headEnd type="none" w="med" len="med"/>
+                      <a:tailEnd type="none" w="med" len="med"/>
+                    </a:lnR>
+                    <a:lnT w="12700" cap="flat" cmpd="sng" algn="ctr">
+                      <a:solidFill>
+                        <a:schemeClr val="tx1"/>
+                      </a:solidFill>
+                      <a:prstDash val="solid"/>
+                      <a:round/>
+                      <a:headEnd type="none" w="med" len="med"/>
+                      <a:tailEnd type="none" w="med" len="med"/>
+                    </a:lnT>
+                    <a:lnB w="12700" cap="flat" cmpd="sng" algn="ctr">
+                      <a:solidFill>
+                        <a:schemeClr val="tx1"/>
+                      </a:solidFill>
+                      <a:prstDash val="solid"/>
+                      <a:round/>
+                      <a:headEnd type="none" w="med" len="med"/>
+                      <a:tailEnd type="none" w="med" len="med"/>
+                    </a:lnB>
+                    <a:solidFill>
+                      <a:schemeClr val="bg1">
+                        <a:lumMod val="85000"/>
+                      </a:schemeClr>
+                    </a:solidFill>
+                  </a:tcPr>
+                </a:tc>
+                <a:tc>
+                  <a:txBody>
+                    <a:bodyPr/>
+                    <a:lstStyle/>
+                    <a:p>
+                      <a:pPr algn="ctr" latinLnBrk="1"/>
+                      <a:r>
+                        <a:rPr lang="ko-KR" altLang="en-US" sz="1600" dirty="0">
+                          <a:solidFill>
+                            <a:schemeClr val="tx1"/>
+                          </a:solidFill>
+                        </a:rPr>
+                        <a:t>작성자</a:t>
+                      </a:r>
+                    </a:p>
+                  </a:txBody>
+                  <a:tcPr>
+                    <a:lnL w="12700" cap="flat" cmpd="sng" algn="ctr">
+                      <a:solidFill>
+                        <a:schemeClr val="tx1"/>
+                      </a:solidFill>
+                      <a:prstDash val="solid"/>
+                      <a:round/>
+                      <a:headEnd type="none" w="med" len="med"/>
+                      <a:tailEnd type="none" w="med" len="med"/>
+                    </a:lnL>
+                    <a:lnR w="12700" cap="flat" cmpd="sng" algn="ctr">
+                      <a:noFill/>
+                      <a:prstDash val="solid"/>
+                      <a:round/>
+                      <a:headEnd type="none" w="med" len="med"/>
+                      <a:tailEnd type="none" w="med" len="med"/>
+                    </a:lnR>
+                    <a:lnT w="12700" cap="flat" cmpd="sng" algn="ctr">
+                      <a:solidFill>
+                        <a:schemeClr val="tx1"/>
+                      </a:solidFill>
+                      <a:prstDash val="solid"/>
+                      <a:round/>
+                      <a:headEnd type="none" w="med" len="med"/>
+                      <a:tailEnd type="none" w="med" len="med"/>
+                    </a:lnT>
+                    <a:lnB w="12700" cap="flat" cmpd="sng" algn="ctr">
+                      <a:solidFill>
+                        <a:schemeClr val="tx1"/>
+                      </a:solidFill>
+                      <a:prstDash val="solid"/>
+                      <a:round/>
+                      <a:headEnd type="none" w="med" len="med"/>
+                      <a:tailEnd type="none" w="med" len="med"/>
+                    </a:lnB>
+                    <a:solidFill>
+                      <a:schemeClr val="bg1">
+                        <a:lumMod val="85000"/>
+                      </a:schemeClr>
+                    </a:solidFill>
+                  </a:tcPr>
+                </a:tc>
+                <a:extLst>
+                  <a:ext uri="{0D108BD9-81ED-4DB2-BD59-A6C34878D82A}">
+                    <a16:rowId xmlns:a16="http://schemas.microsoft.com/office/drawing/2014/main" val="3887869805"/>
+                  </a:ext>
+                </a:extLst>
+              </a:tr>
+              <a:tr h="348989">
+                <a:tc>
+                  <a:txBody>
+                    <a:bodyPr/>
+                    <a:lstStyle/>
+                    <a:p>
+                      <a:pPr algn="ctr" latinLnBrk="1"/>
+                      <a:r>
+                        <a:rPr lang="en-US" altLang="ko-KR" sz="1600" dirty="0">
+                          <a:solidFill>
+                            <a:schemeClr val="tx1"/>
+                          </a:solidFill>
+                        </a:rPr>
+                        <a:t>0.1</a:t>
+                      </a:r>
+                      <a:endParaRPr lang="ko-KR" altLang="en-US" sz="1600" dirty="0">
+                        <a:solidFill>
+                          <a:schemeClr val="tx1"/>
+                        </a:solidFill>
+                      </a:endParaRPr>
+                    </a:p>
+                  </a:txBody>
+                  <a:tcPr>
+                    <a:lnL w="12700" cap="flat" cmpd="sng" algn="ctr">
+                      <a:noFill/>
+                      <a:prstDash val="solid"/>
+                      <a:round/>
+                      <a:headEnd type="none" w="med" len="med"/>
+                      <a:tailEnd type="none" w="med" len="med"/>
+                    </a:lnL>
+                    <a:lnR w="12700" cap="flat" cmpd="sng" algn="ctr">
+                      <a:solidFill>
+                        <a:schemeClr val="tx1"/>
+                      </a:solidFill>
+                      <a:prstDash val="solid"/>
+                      <a:round/>
+                      <a:headEnd type="none" w="med" len="med"/>
+                      <a:tailEnd type="none" w="med" len="med"/>
+                    </a:lnR>
+                    <a:lnT w="12700" cap="flat" cmpd="sng" algn="ctr">
+                      <a:solidFill>
+                        <a:schemeClr val="tx1"/>
+                      </a:solidFill>
+                      <a:prstDash val="solid"/>
+                      <a:round/>
+                      <a:headEnd type="none" w="med" len="med"/>
+                      <a:tailEnd type="none" w="med" len="med"/>
+                    </a:lnT>
+                    <a:lnB w="12700" cap="flat" cmpd="sng" algn="ctr">
+                      <a:solidFill>
+                        <a:schemeClr val="tx1"/>
+                      </a:solidFill>
+                      <a:prstDash val="solid"/>
+                      <a:round/>
+                      <a:headEnd type="none" w="med" len="med"/>
+                      <a:tailEnd type="none" w="med" len="med"/>
+                    </a:lnB>
+                    <a:noFill/>
+                  </a:tcPr>
+                </a:tc>
+                <a:tc>
+                  <a:txBody>
+                    <a:bodyPr/>
+                    <a:lstStyle/>
+                    <a:p>
+                      <a:pPr algn="ctr" latinLnBrk="1"/>
+                      <a:r>
+                        <a:rPr lang="en-US" altLang="ko-KR" sz="1600" dirty="0" smtClean="0">
+                          <a:solidFill>
+                            <a:schemeClr val="tx1"/>
+                          </a:solidFill>
+                        </a:rPr>
+                        <a:t>2020-05-07</a:t>
+                      </a:r>
+                      <a:endParaRPr lang="ko-KR" altLang="en-US" sz="1600" dirty="0">
+                        <a:solidFill>
+                          <a:schemeClr val="tx1"/>
+                        </a:solidFill>
+                      </a:endParaRPr>
+                    </a:p>
+                  </a:txBody>
+                  <a:tcPr>
+                    <a:lnL w="12700" cap="flat" cmpd="sng" algn="ctr">
+                      <a:solidFill>
+                        <a:schemeClr val="tx1"/>
+                      </a:solidFill>
+                      <a:prstDash val="solid"/>
+                      <a:round/>
+                      <a:headEnd type="none" w="med" len="med"/>
+                      <a:tailEnd type="none" w="med" len="med"/>
+                    </a:lnL>
+                    <a:lnR w="12700" cap="flat" cmpd="sng" algn="ctr">
+                      <a:solidFill>
+                        <a:schemeClr val="tx1"/>
+                      </a:solidFill>
+                      <a:prstDash val="solid"/>
+                      <a:round/>
+                      <a:headEnd type="none" w="med" len="med"/>
+                      <a:tailEnd type="none" w="med" len="med"/>
+                    </a:lnR>
+                    <a:lnT w="12700" cap="flat" cmpd="sng" algn="ctr">
+                      <a:solidFill>
+                        <a:schemeClr val="tx1"/>
+                      </a:solidFill>
+                      <a:prstDash val="solid"/>
+                      <a:round/>
+                      <a:headEnd type="none" w="med" len="med"/>
+                      <a:tailEnd type="none" w="med" len="med"/>
+                    </a:lnT>
+                    <a:lnB w="12700" cap="flat" cmpd="sng" algn="ctr">
+                      <a:solidFill>
+                        <a:schemeClr val="tx1"/>
+                      </a:solidFill>
+                      <a:prstDash val="solid"/>
+                      <a:round/>
+                      <a:headEnd type="none" w="med" len="med"/>
+                      <a:tailEnd type="none" w="med" len="med"/>
+                    </a:lnB>
+                    <a:noFill/>
+                  </a:tcPr>
+                </a:tc>
+                <a:tc>
+                  <a:txBody>
+                    <a:bodyPr/>
+                    <a:lstStyle/>
+                    <a:p>
+                      <a:pPr marL="285750" indent="-285750" algn="l" latinLnBrk="1">
+                        <a:buFont typeface="Arial" panose="020B0604020202020204" pitchFamily="34" charset="0"/>
+                        <a:buChar char="•"/>
+                      </a:pPr>
+                      <a:r>
+                        <a:rPr lang="ko-KR" altLang="en-US" sz="1600" baseline="0" dirty="0" smtClean="0">
+                          <a:solidFill>
+                            <a:schemeClr val="tx1"/>
+                          </a:solidFill>
+                        </a:rPr>
+                        <a:t>정보구조설계</a:t>
+                      </a:r>
+                      <a:r>
+                        <a:rPr lang="en-US" altLang="ko-KR" sz="1600" baseline="0" dirty="0" smtClean="0">
+                          <a:solidFill>
+                            <a:schemeClr val="tx1"/>
+                          </a:solidFill>
+                        </a:rPr>
+                        <a:t>(</a:t>
+                      </a:r>
+                      <a:r>
+                        <a:rPr lang="ko-KR" altLang="en-US" sz="1600" baseline="0" dirty="0" smtClean="0">
+                          <a:solidFill>
+                            <a:schemeClr val="tx1"/>
+                          </a:solidFill>
+                        </a:rPr>
+                        <a:t>흐름도</a:t>
+                      </a:r>
+                      <a:r>
+                        <a:rPr lang="en-US" altLang="ko-KR" sz="1600" baseline="0" dirty="0" smtClean="0">
+                          <a:solidFill>
+                            <a:schemeClr val="tx1"/>
+                          </a:solidFill>
+                        </a:rPr>
+                        <a:t>)</a:t>
+                      </a:r>
+                      <a:r>
+                        <a:rPr lang="ko-KR" altLang="en-US" sz="1600" baseline="0" dirty="0" smtClean="0">
+                          <a:solidFill>
+                            <a:schemeClr val="tx1"/>
+                          </a:solidFill>
+                        </a:rPr>
+                        <a:t> </a:t>
+                      </a:r>
+                      <a:r>
+                        <a:rPr lang="ko-KR" altLang="en-US" sz="1600" dirty="0">
+                          <a:solidFill>
+                            <a:schemeClr val="tx1"/>
+                          </a:solidFill>
+                        </a:rPr>
+                        <a:t>작성</a:t>
+                      </a:r>
+                      <a:r>
+                        <a:rPr lang="en-US" altLang="ko-KR" sz="1600" dirty="0">
+                          <a:solidFill>
+                            <a:schemeClr val="tx1"/>
+                          </a:solidFill>
+                        </a:rPr>
+                        <a:t>.</a:t>
+                      </a:r>
+                      <a:endParaRPr lang="ko-KR" altLang="en-US" sz="1600" dirty="0">
+                        <a:solidFill>
+                          <a:schemeClr val="tx1"/>
+                        </a:solidFill>
+                      </a:endParaRPr>
+                    </a:p>
+                  </a:txBody>
+                  <a:tcPr>
+                    <a:lnL w="12700" cap="flat" cmpd="sng" algn="ctr">
+                      <a:solidFill>
+                        <a:schemeClr val="tx1"/>
+                      </a:solidFill>
+                      <a:prstDash val="solid"/>
+                      <a:round/>
+                      <a:headEnd type="none" w="med" len="med"/>
+                      <a:tailEnd type="none" w="med" len="med"/>
+                    </a:lnL>
+                    <a:lnR w="12700" cap="flat" cmpd="sng" algn="ctr">
+                      <a:solidFill>
+                        <a:schemeClr val="tx1"/>
+                      </a:solidFill>
+                      <a:prstDash val="solid"/>
+                      <a:round/>
+                      <a:headEnd type="none" w="med" len="med"/>
+                      <a:tailEnd type="none" w="med" len="med"/>
+                    </a:lnR>
+                    <a:lnT w="12700" cap="flat" cmpd="sng" algn="ctr">
+                      <a:solidFill>
+                        <a:schemeClr val="tx1"/>
+                      </a:solidFill>
+                      <a:prstDash val="solid"/>
+                      <a:round/>
+                      <a:headEnd type="none" w="med" len="med"/>
+                      <a:tailEnd type="none" w="med" len="med"/>
+                    </a:lnT>
+                    <a:lnB w="12700" cap="flat" cmpd="sng" algn="ctr">
+                      <a:solidFill>
+                        <a:schemeClr val="tx1"/>
+                      </a:solidFill>
+                      <a:prstDash val="solid"/>
+                      <a:round/>
+                      <a:headEnd type="none" w="med" len="med"/>
+                      <a:tailEnd type="none" w="med" len="med"/>
+                    </a:lnB>
+                    <a:noFill/>
+                  </a:tcPr>
+                </a:tc>
+                <a:tc>
+                  <a:txBody>
+                    <a:bodyPr/>
+                    <a:lstStyle/>
+                    <a:p>
+                      <a:pPr algn="ctr" latinLnBrk="1"/>
+                      <a:r>
+                        <a:rPr lang="ko-KR" altLang="en-US" sz="1600" dirty="0">
+                          <a:solidFill>
+                            <a:schemeClr val="tx1"/>
+                          </a:solidFill>
+                        </a:rPr>
+                        <a:t>하 태민</a:t>
+                      </a:r>
+                    </a:p>
+                  </a:txBody>
+                  <a:tcPr>
+                    <a:lnL w="12700" cap="flat" cmpd="sng" algn="ctr">
+                      <a:solidFill>
+                        <a:schemeClr val="tx1"/>
+                      </a:solidFill>
+                      <a:prstDash val="solid"/>
+                      <a:round/>
+                      <a:headEnd type="none" w="med" len="med"/>
+                      <a:tailEnd type="none" w="med" len="med"/>
+                    </a:lnL>
+                    <a:lnR w="12700" cap="flat" cmpd="sng" algn="ctr">
+                      <a:noFill/>
+                      <a:prstDash val="solid"/>
+                      <a:round/>
+                      <a:headEnd type="none" w="med" len="med"/>
+                      <a:tailEnd type="none" w="med" len="med"/>
+                    </a:lnR>
+                    <a:lnT w="12700" cap="flat" cmpd="sng" algn="ctr">
+                      <a:solidFill>
+                        <a:schemeClr val="tx1"/>
+                      </a:solidFill>
+                      <a:prstDash val="solid"/>
+                      <a:round/>
+                      <a:headEnd type="none" w="med" len="med"/>
+                      <a:tailEnd type="none" w="med" len="med"/>
+                    </a:lnT>
+                    <a:lnB w="12700" cap="flat" cmpd="sng" algn="ctr">
+                      <a:solidFill>
+                        <a:schemeClr val="tx1"/>
+                      </a:solidFill>
+                      <a:prstDash val="solid"/>
+                      <a:round/>
+                      <a:headEnd type="none" w="med" len="med"/>
+                      <a:tailEnd type="none" w="med" len="med"/>
+                    </a:lnB>
+                    <a:noFill/>
+                  </a:tcPr>
+                </a:tc>
+                <a:extLst>
+                  <a:ext uri="{0D108BD9-81ED-4DB2-BD59-A6C34878D82A}">
+                    <a16:rowId xmlns:a16="http://schemas.microsoft.com/office/drawing/2014/main" val="3262275596"/>
+                  </a:ext>
+                </a:extLst>
+              </a:tr>
+              <a:tr h="348989">
+                <a:tc>
+                  <a:txBody>
+                    <a:bodyPr/>
+                    <a:lstStyle/>
+                    <a:p>
+                      <a:pPr algn="ctr" latinLnBrk="1"/>
+                      <a:r>
+                        <a:rPr lang="en-US" altLang="ko-KR" sz="1600" dirty="0">
+                          <a:solidFill>
+                            <a:schemeClr val="tx1"/>
+                          </a:solidFill>
+                        </a:rPr>
+                        <a:t>0.2</a:t>
+                      </a:r>
+                      <a:endParaRPr lang="ko-KR" altLang="en-US" sz="1600" dirty="0">
+                        <a:solidFill>
+                          <a:schemeClr val="tx1"/>
+                        </a:solidFill>
+                      </a:endParaRPr>
+                    </a:p>
+                  </a:txBody>
+                  <a:tcPr>
+                    <a:lnL w="12700" cap="flat" cmpd="sng" algn="ctr">
+                      <a:noFill/>
+                      <a:prstDash val="solid"/>
+                      <a:round/>
+                      <a:headEnd type="none" w="med" len="med"/>
+                      <a:tailEnd type="none" w="med" len="med"/>
+                    </a:lnL>
+                    <a:lnR w="12700" cap="flat" cmpd="sng" algn="ctr">
+                      <a:solidFill>
+                        <a:schemeClr val="tx1"/>
+                      </a:solidFill>
+                      <a:prstDash val="solid"/>
+                      <a:round/>
+                      <a:headEnd type="none" w="med" len="med"/>
+                      <a:tailEnd type="none" w="med" len="med"/>
+                    </a:lnR>
+                    <a:lnT w="12700" cap="flat" cmpd="sng" algn="ctr">
+                      <a:solidFill>
+                        <a:schemeClr val="tx1"/>
+                      </a:solidFill>
+                      <a:prstDash val="solid"/>
+                      <a:round/>
+                      <a:headEnd type="none" w="med" len="med"/>
+                      <a:tailEnd type="none" w="med" len="med"/>
+                    </a:lnT>
+                    <a:lnB w="12700" cap="flat" cmpd="sng" algn="ctr">
+                      <a:solidFill>
+                        <a:schemeClr val="tx1"/>
+                      </a:solidFill>
+                      <a:prstDash val="solid"/>
+                      <a:round/>
+                      <a:headEnd type="none" w="med" len="med"/>
+                      <a:tailEnd type="none" w="med" len="med"/>
+                    </a:lnB>
+                    <a:noFill/>
+                  </a:tcPr>
+                </a:tc>
+                <a:tc>
+                  <a:txBody>
+                    <a:bodyPr/>
+                    <a:lstStyle/>
+                    <a:p>
+                      <a:pPr algn="ctr" latinLnBrk="1"/>
+                      <a:r>
+                        <a:rPr lang="en-US" altLang="ko-KR" sz="1600" dirty="0" smtClean="0">
+                          <a:solidFill>
+                            <a:schemeClr val="tx1"/>
+                          </a:solidFill>
+                        </a:rPr>
+                        <a:t>2020-05-29</a:t>
+                      </a:r>
+                      <a:endParaRPr lang="ko-KR" altLang="en-US" sz="1600" dirty="0">
+                        <a:solidFill>
+                          <a:schemeClr val="tx1"/>
+                        </a:solidFill>
+                      </a:endParaRPr>
+                    </a:p>
+                  </a:txBody>
+                  <a:tcPr>
+                    <a:lnL w="12700" cap="flat" cmpd="sng" algn="ctr">
+                      <a:solidFill>
+                        <a:schemeClr val="tx1"/>
+                      </a:solidFill>
+                      <a:prstDash val="solid"/>
+                      <a:round/>
+                      <a:headEnd type="none" w="med" len="med"/>
+                      <a:tailEnd type="none" w="med" len="med"/>
+                    </a:lnL>
+                    <a:lnR w="12700" cap="flat" cmpd="sng" algn="ctr">
+                      <a:solidFill>
+                        <a:schemeClr val="tx1"/>
+                      </a:solidFill>
+                      <a:prstDash val="solid"/>
+                      <a:round/>
+                      <a:headEnd type="none" w="med" len="med"/>
+                      <a:tailEnd type="none" w="med" len="med"/>
+                    </a:lnR>
+                    <a:lnT w="12700" cap="flat" cmpd="sng" algn="ctr">
+                      <a:solidFill>
+                        <a:schemeClr val="tx1"/>
+                      </a:solidFill>
+                      <a:prstDash val="solid"/>
+                      <a:round/>
+                      <a:headEnd type="none" w="med" len="med"/>
+                      <a:tailEnd type="none" w="med" len="med"/>
+                    </a:lnT>
+                    <a:lnB w="12700" cap="flat" cmpd="sng" algn="ctr">
+                      <a:solidFill>
+                        <a:schemeClr val="tx1"/>
+                      </a:solidFill>
+                      <a:prstDash val="solid"/>
+                      <a:round/>
+                      <a:headEnd type="none" w="med" len="med"/>
+                      <a:tailEnd type="none" w="med" len="med"/>
+                    </a:lnB>
+                    <a:noFill/>
+                  </a:tcPr>
+                </a:tc>
+                <a:tc>
+                  <a:txBody>
+                    <a:bodyPr/>
+                    <a:lstStyle/>
+                    <a:p>
+                      <a:pPr marL="285750" indent="-285750" algn="l" latinLnBrk="1">
+                        <a:buFont typeface="Arial" panose="020B0604020202020204" pitchFamily="34" charset="0"/>
+                        <a:buChar char="•"/>
+                      </a:pPr>
+                      <a:r>
+                        <a:rPr lang="ko-KR" altLang="en-US" sz="1600" dirty="0" smtClean="0">
+                          <a:solidFill>
+                            <a:schemeClr val="tx1"/>
+                          </a:solidFill>
+                        </a:rPr>
+                        <a:t>온라인 다이어그램 툴</a:t>
+                      </a:r>
+                      <a:r>
+                        <a:rPr lang="en-US" altLang="ko-KR" sz="1600" dirty="0" smtClean="0">
+                          <a:solidFill>
+                            <a:schemeClr val="tx1"/>
+                          </a:solidFill>
+                        </a:rPr>
+                        <a:t>(draw.io)</a:t>
+                      </a:r>
+                      <a:r>
+                        <a:rPr lang="ko-KR" altLang="en-US" sz="1600" dirty="0" smtClean="0">
+                          <a:solidFill>
+                            <a:schemeClr val="tx1"/>
+                          </a:solidFill>
+                        </a:rPr>
+                        <a:t>을 활용하여 </a:t>
+                      </a:r>
+                      <a:r>
+                        <a:rPr lang="ko-KR" altLang="en-US" sz="1600" dirty="0" err="1" smtClean="0">
+                          <a:solidFill>
+                            <a:schemeClr val="tx1"/>
+                          </a:solidFill>
+                        </a:rPr>
+                        <a:t>재작성</a:t>
+                      </a:r>
+                      <a:r>
+                        <a:rPr lang="en-US" altLang="ko-KR" sz="1600" dirty="0" smtClean="0">
+                          <a:solidFill>
+                            <a:schemeClr val="tx1"/>
+                          </a:solidFill>
+                        </a:rPr>
+                        <a:t>.</a:t>
+                      </a:r>
+                    </a:p>
+                  </a:txBody>
+                  <a:tcPr>
+                    <a:lnL w="12700" cap="flat" cmpd="sng" algn="ctr">
+                      <a:solidFill>
+                        <a:schemeClr val="tx1"/>
+                      </a:solidFill>
+                      <a:prstDash val="solid"/>
+                      <a:round/>
+                      <a:headEnd type="none" w="med" len="med"/>
+                      <a:tailEnd type="none" w="med" len="med"/>
+                    </a:lnL>
+                    <a:lnR w="12700" cap="flat" cmpd="sng" algn="ctr">
+                      <a:solidFill>
+                        <a:schemeClr val="tx1"/>
+                      </a:solidFill>
+                      <a:prstDash val="solid"/>
+                      <a:round/>
+                      <a:headEnd type="none" w="med" len="med"/>
+                      <a:tailEnd type="none" w="med" len="med"/>
+                    </a:lnR>
+                    <a:lnT w="12700" cap="flat" cmpd="sng" algn="ctr">
+                      <a:solidFill>
+                        <a:schemeClr val="tx1"/>
+                      </a:solidFill>
+                      <a:prstDash val="solid"/>
+                      <a:round/>
+                      <a:headEnd type="none" w="med" len="med"/>
+                      <a:tailEnd type="none" w="med" len="med"/>
+                    </a:lnT>
+                    <a:lnB w="12700" cap="flat" cmpd="sng" algn="ctr">
+                      <a:solidFill>
+                        <a:schemeClr val="tx1"/>
+                      </a:solidFill>
+                      <a:prstDash val="solid"/>
+                      <a:round/>
+                      <a:headEnd type="none" w="med" len="med"/>
+                      <a:tailEnd type="none" w="med" len="med"/>
+                    </a:lnB>
+                    <a:noFill/>
+                  </a:tcPr>
+                </a:tc>
+                <a:tc>
+                  <a:txBody>
+                    <a:bodyPr/>
+                    <a:lstStyle/>
+                    <a:p>
+                      <a:pPr algn="ctr" latinLnBrk="1"/>
+                      <a:r>
+                        <a:rPr lang="ko-KR" altLang="en-US" sz="1600" dirty="0">
+                          <a:solidFill>
+                            <a:schemeClr val="tx1"/>
+                          </a:solidFill>
+                        </a:rPr>
+                        <a:t>하 태민</a:t>
+                      </a:r>
+                    </a:p>
+                  </a:txBody>
+                  <a:tcPr>
+                    <a:lnL w="12700" cap="flat" cmpd="sng" algn="ctr">
+                      <a:solidFill>
+                        <a:schemeClr val="tx1"/>
+                      </a:solidFill>
+                      <a:prstDash val="solid"/>
+                      <a:round/>
+                      <a:headEnd type="none" w="med" len="med"/>
+                      <a:tailEnd type="none" w="med" len="med"/>
+                    </a:lnL>
+                    <a:lnR w="12700" cap="flat" cmpd="sng" algn="ctr">
+                      <a:noFill/>
+                      <a:prstDash val="solid"/>
+                      <a:round/>
+                      <a:headEnd type="none" w="med" len="med"/>
+                      <a:tailEnd type="none" w="med" len="med"/>
+                    </a:lnR>
+                    <a:lnT w="12700" cap="flat" cmpd="sng" algn="ctr">
+                      <a:solidFill>
+                        <a:schemeClr val="tx1"/>
+                      </a:solidFill>
+                      <a:prstDash val="solid"/>
+                      <a:round/>
+                      <a:headEnd type="none" w="med" len="med"/>
+                      <a:tailEnd type="none" w="med" len="med"/>
+                    </a:lnT>
+                    <a:lnB w="12700" cap="flat" cmpd="sng" algn="ctr">
+                      <a:solidFill>
+                        <a:schemeClr val="tx1"/>
+                      </a:solidFill>
+                      <a:prstDash val="solid"/>
+                      <a:round/>
+                      <a:headEnd type="none" w="med" len="med"/>
+                      <a:tailEnd type="none" w="med" len="med"/>
+                    </a:lnB>
+                    <a:noFill/>
+                  </a:tcPr>
+                </a:tc>
+                <a:extLst>
+                  <a:ext uri="{0D108BD9-81ED-4DB2-BD59-A6C34878D82A}">
+                    <a16:rowId xmlns:a16="http://schemas.microsoft.com/office/drawing/2014/main" val="595913625"/>
+                  </a:ext>
+                </a:extLst>
+              </a:tr>
+              <a:tr h="348989">
+                <a:tc>
+                  <a:txBody>
+                    <a:bodyPr/>
+                    <a:lstStyle/>
+                    <a:p>
+                      <a:pPr algn="ctr" latinLnBrk="1"/>
+                      <a:endParaRPr lang="ko-KR" altLang="en-US" sz="1600" dirty="0">
+                        <a:solidFill>
+                          <a:schemeClr val="tx1"/>
+                        </a:solidFill>
+                      </a:endParaRPr>
+                    </a:p>
+                  </a:txBody>
+                  <a:tcPr>
+                    <a:lnL w="12700" cap="flat" cmpd="sng" algn="ctr">
+                      <a:noFill/>
+                      <a:prstDash val="solid"/>
+                      <a:round/>
+                      <a:headEnd type="none" w="med" len="med"/>
+                      <a:tailEnd type="none" w="med" len="med"/>
+                    </a:lnL>
+                    <a:lnR w="12700" cap="flat" cmpd="sng" algn="ctr">
+                      <a:solidFill>
+                        <a:schemeClr val="tx1"/>
+                      </a:solidFill>
+                      <a:prstDash val="solid"/>
+                      <a:round/>
+                      <a:headEnd type="none" w="med" len="med"/>
+                      <a:tailEnd type="none" w="med" len="med"/>
+                    </a:lnR>
+                    <a:lnT w="12700" cap="flat" cmpd="sng" algn="ctr">
+                      <a:solidFill>
+                        <a:schemeClr val="tx1"/>
+                      </a:solidFill>
+                      <a:prstDash val="solid"/>
+                      <a:round/>
+                      <a:headEnd type="none" w="med" len="med"/>
+                      <a:tailEnd type="none" w="med" len="med"/>
+                    </a:lnT>
+                    <a:lnB w="12700" cap="flat" cmpd="sng" algn="ctr">
+                      <a:solidFill>
+                        <a:schemeClr val="tx1"/>
+                      </a:solidFill>
+                      <a:prstDash val="solid"/>
+                      <a:round/>
+                      <a:headEnd type="none" w="med" len="med"/>
+                      <a:tailEnd type="none" w="med" len="med"/>
+                    </a:lnB>
+                    <a:noFill/>
+                  </a:tcPr>
+                </a:tc>
+                <a:tc>
+                  <a:txBody>
+                    <a:bodyPr/>
+                    <a:lstStyle/>
+                    <a:p>
+                      <a:pPr algn="ctr" latinLnBrk="1"/>
+                      <a:endParaRPr lang="ko-KR" altLang="en-US" sz="1600" dirty="0">
+                        <a:solidFill>
+                          <a:schemeClr val="tx1"/>
+                        </a:solidFill>
+                      </a:endParaRPr>
+                    </a:p>
+                  </a:txBody>
+                  <a:tcPr>
+                    <a:lnL w="12700" cap="flat" cmpd="sng" algn="ctr">
+                      <a:solidFill>
+                        <a:schemeClr val="tx1"/>
+                      </a:solidFill>
+                      <a:prstDash val="solid"/>
+                      <a:round/>
+                      <a:headEnd type="none" w="med" len="med"/>
+                      <a:tailEnd type="none" w="med" len="med"/>
+                    </a:lnL>
+                    <a:lnR w="12700" cap="flat" cmpd="sng" algn="ctr">
+                      <a:solidFill>
+                        <a:schemeClr val="tx1"/>
+                      </a:solidFill>
+                      <a:prstDash val="solid"/>
+                      <a:round/>
+                      <a:headEnd type="none" w="med" len="med"/>
+                      <a:tailEnd type="none" w="med" len="med"/>
+                    </a:lnR>
+                    <a:lnT w="12700" cap="flat" cmpd="sng" algn="ctr">
+                      <a:solidFill>
+                        <a:schemeClr val="tx1"/>
+                      </a:solidFill>
+                      <a:prstDash val="solid"/>
+                      <a:round/>
+                      <a:headEnd type="none" w="med" len="med"/>
+                      <a:tailEnd type="none" w="med" len="med"/>
+                    </a:lnT>
+                    <a:lnB w="12700" cap="flat" cmpd="sng" algn="ctr">
+                      <a:solidFill>
+                        <a:schemeClr val="tx1"/>
+                      </a:solidFill>
+                      <a:prstDash val="solid"/>
+                      <a:round/>
+                      <a:headEnd type="none" w="med" len="med"/>
+                      <a:tailEnd type="none" w="med" len="med"/>
+                    </a:lnB>
+                    <a:noFill/>
+                  </a:tcPr>
+                </a:tc>
+                <a:tc>
+                  <a:txBody>
+                    <a:bodyPr/>
+                    <a:lstStyle/>
+                    <a:p>
+                      <a:pPr algn="l" latinLnBrk="1"/>
+                      <a:endParaRPr lang="ko-KR" altLang="en-US" sz="1600" dirty="0">
+                        <a:solidFill>
+                          <a:schemeClr val="tx1"/>
+                        </a:solidFill>
+                      </a:endParaRPr>
+                    </a:p>
+                  </a:txBody>
+                  <a:tcPr>
+                    <a:lnL w="12700" cap="flat" cmpd="sng" algn="ctr">
+                      <a:solidFill>
+                        <a:schemeClr val="tx1"/>
+                      </a:solidFill>
+                      <a:prstDash val="solid"/>
+                      <a:round/>
+                      <a:headEnd type="none" w="med" len="med"/>
+                      <a:tailEnd type="none" w="med" len="med"/>
+                    </a:lnL>
+                    <a:lnR w="12700" cap="flat" cmpd="sng" algn="ctr">
+                      <a:solidFill>
+                        <a:schemeClr val="tx1"/>
+                      </a:solidFill>
+                      <a:prstDash val="solid"/>
+                      <a:round/>
+                      <a:headEnd type="none" w="med" len="med"/>
+                      <a:tailEnd type="none" w="med" len="med"/>
+                    </a:lnR>
+                    <a:lnT w="12700" cap="flat" cmpd="sng" algn="ctr">
+                      <a:solidFill>
+                        <a:schemeClr val="tx1"/>
+                      </a:solidFill>
+                      <a:prstDash val="solid"/>
+                      <a:round/>
+                      <a:headEnd type="none" w="med" len="med"/>
+                      <a:tailEnd type="none" w="med" len="med"/>
+                    </a:lnT>
+                    <a:lnB w="12700" cap="flat" cmpd="sng" algn="ctr">
+                      <a:solidFill>
+                        <a:schemeClr val="tx1"/>
+                      </a:solidFill>
+                      <a:prstDash val="solid"/>
+                      <a:round/>
+                      <a:headEnd type="none" w="med" len="med"/>
+                      <a:tailEnd type="none" w="med" len="med"/>
+                    </a:lnB>
+                    <a:noFill/>
+                  </a:tcPr>
+                </a:tc>
+                <a:tc>
+                  <a:txBody>
+                    <a:bodyPr/>
+                    <a:lstStyle/>
+                    <a:p>
+                      <a:pPr algn="ctr" latinLnBrk="1"/>
+                      <a:endParaRPr lang="ko-KR" altLang="en-US" sz="1600" dirty="0">
+                        <a:solidFill>
+                          <a:schemeClr val="tx1"/>
+                        </a:solidFill>
+                      </a:endParaRPr>
+                    </a:p>
+                  </a:txBody>
+                  <a:tcPr>
+                    <a:lnL w="12700" cap="flat" cmpd="sng" algn="ctr">
+                      <a:solidFill>
+                        <a:schemeClr val="tx1"/>
+                      </a:solidFill>
+                      <a:prstDash val="solid"/>
+                      <a:round/>
+                      <a:headEnd type="none" w="med" len="med"/>
+                      <a:tailEnd type="none" w="med" len="med"/>
+                    </a:lnL>
+                    <a:lnR w="12700" cap="flat" cmpd="sng" algn="ctr">
+                      <a:noFill/>
+                      <a:prstDash val="solid"/>
+                      <a:round/>
+                      <a:headEnd type="none" w="med" len="med"/>
+                      <a:tailEnd type="none" w="med" len="med"/>
+                    </a:lnR>
+                    <a:lnT w="12700" cap="flat" cmpd="sng" algn="ctr">
+                      <a:solidFill>
+                        <a:schemeClr val="tx1"/>
+                      </a:solidFill>
+                      <a:prstDash val="solid"/>
+                      <a:round/>
+                      <a:headEnd type="none" w="med" len="med"/>
+                      <a:tailEnd type="none" w="med" len="med"/>
+                    </a:lnT>
+                    <a:lnB w="12700" cap="flat" cmpd="sng" algn="ctr">
+                      <a:solidFill>
+                        <a:schemeClr val="tx1"/>
+                      </a:solidFill>
+                      <a:prstDash val="solid"/>
+                      <a:round/>
+                      <a:headEnd type="none" w="med" len="med"/>
+                      <a:tailEnd type="none" w="med" len="med"/>
+                    </a:lnB>
+                    <a:noFill/>
+                  </a:tcPr>
+                </a:tc>
+                <a:extLst>
+                  <a:ext uri="{0D108BD9-81ED-4DB2-BD59-A6C34878D82A}">
+                    <a16:rowId xmlns:a16="http://schemas.microsoft.com/office/drawing/2014/main" val="2474558192"/>
+                  </a:ext>
+                </a:extLst>
+              </a:tr>
+              <a:tr h="348989">
+                <a:tc>
+                  <a:txBody>
+                    <a:bodyPr/>
+                    <a:lstStyle/>
+                    <a:p>
+                      <a:pPr algn="ctr" latinLnBrk="1"/>
+                      <a:endParaRPr lang="ko-KR" altLang="en-US" sz="1600" dirty="0">
+                        <a:solidFill>
+                          <a:schemeClr val="tx1"/>
+                        </a:solidFill>
+                      </a:endParaRPr>
+                    </a:p>
+                  </a:txBody>
+                  <a:tcPr>
+                    <a:lnL w="12700" cap="flat" cmpd="sng" algn="ctr">
+                      <a:noFill/>
+                      <a:prstDash val="solid"/>
+                      <a:round/>
+                      <a:headEnd type="none" w="med" len="med"/>
+                      <a:tailEnd type="none" w="med" len="med"/>
+                    </a:lnL>
+                    <a:lnR w="12700" cap="flat" cmpd="sng" algn="ctr">
+                      <a:solidFill>
+                        <a:schemeClr val="tx1"/>
+                      </a:solidFill>
+                      <a:prstDash val="solid"/>
+                      <a:round/>
+                      <a:headEnd type="none" w="med" len="med"/>
+                      <a:tailEnd type="none" w="med" len="med"/>
+                    </a:lnR>
+                    <a:lnT w="12700" cap="flat" cmpd="sng" algn="ctr">
+                      <a:solidFill>
+                        <a:schemeClr val="tx1"/>
+                      </a:solidFill>
+                      <a:prstDash val="solid"/>
+                      <a:round/>
+                      <a:headEnd type="none" w="med" len="med"/>
+                      <a:tailEnd type="none" w="med" len="med"/>
+                    </a:lnT>
+                    <a:lnB w="12700" cap="flat" cmpd="sng" algn="ctr">
+                      <a:solidFill>
+                        <a:schemeClr val="tx1"/>
+                      </a:solidFill>
+                      <a:prstDash val="solid"/>
+                      <a:round/>
+                      <a:headEnd type="none" w="med" len="med"/>
+                      <a:tailEnd type="none" w="med" len="med"/>
+                    </a:lnB>
+                    <a:noFill/>
+                  </a:tcPr>
+                </a:tc>
+                <a:tc>
+                  <a:txBody>
+                    <a:bodyPr/>
+                    <a:lstStyle/>
+                    <a:p>
+                      <a:pPr algn="ctr" latinLnBrk="1"/>
+                      <a:endParaRPr lang="ko-KR" altLang="en-US" sz="1600" dirty="0">
+                        <a:solidFill>
+                          <a:schemeClr val="tx1"/>
+                        </a:solidFill>
+                      </a:endParaRPr>
+                    </a:p>
+                  </a:txBody>
+                  <a:tcPr>
+                    <a:lnL w="12700" cap="flat" cmpd="sng" algn="ctr">
+                      <a:solidFill>
+                        <a:schemeClr val="tx1"/>
+                      </a:solidFill>
+                      <a:prstDash val="solid"/>
+                      <a:round/>
+                      <a:headEnd type="none" w="med" len="med"/>
+                      <a:tailEnd type="none" w="med" len="med"/>
+                    </a:lnL>
+                    <a:lnR w="12700" cap="flat" cmpd="sng" algn="ctr">
+                      <a:solidFill>
+                        <a:schemeClr val="tx1"/>
+                      </a:solidFill>
+                      <a:prstDash val="solid"/>
+                      <a:round/>
+                      <a:headEnd type="none" w="med" len="med"/>
+                      <a:tailEnd type="none" w="med" len="med"/>
+                    </a:lnR>
+                    <a:lnT w="12700" cap="flat" cmpd="sng" algn="ctr">
+                      <a:solidFill>
+                        <a:schemeClr val="tx1"/>
+                      </a:solidFill>
+                      <a:prstDash val="solid"/>
+                      <a:round/>
+                      <a:headEnd type="none" w="med" len="med"/>
+                      <a:tailEnd type="none" w="med" len="med"/>
+                    </a:lnT>
+                    <a:lnB w="12700" cap="flat" cmpd="sng" algn="ctr">
+                      <a:solidFill>
+                        <a:schemeClr val="tx1"/>
+                      </a:solidFill>
+                      <a:prstDash val="solid"/>
+                      <a:round/>
+                      <a:headEnd type="none" w="med" len="med"/>
+                      <a:tailEnd type="none" w="med" len="med"/>
+                    </a:lnB>
+                    <a:noFill/>
+                  </a:tcPr>
+                </a:tc>
+                <a:tc>
+                  <a:txBody>
+                    <a:bodyPr/>
+                    <a:lstStyle/>
+                    <a:p>
+                      <a:pPr algn="l" latinLnBrk="1"/>
+                      <a:endParaRPr lang="ko-KR" altLang="en-US" sz="1600" dirty="0">
+                        <a:solidFill>
+                          <a:schemeClr val="tx1"/>
+                        </a:solidFill>
+                      </a:endParaRPr>
+                    </a:p>
+                  </a:txBody>
+                  <a:tcPr>
+                    <a:lnL w="12700" cap="flat" cmpd="sng" algn="ctr">
+                      <a:solidFill>
+                        <a:schemeClr val="tx1"/>
+                      </a:solidFill>
+                      <a:prstDash val="solid"/>
+                      <a:round/>
+                      <a:headEnd type="none" w="med" len="med"/>
+                      <a:tailEnd type="none" w="med" len="med"/>
+                    </a:lnL>
+                    <a:lnR w="12700" cap="flat" cmpd="sng" algn="ctr">
+                      <a:solidFill>
+                        <a:schemeClr val="tx1"/>
+                      </a:solidFill>
+                      <a:prstDash val="solid"/>
+                      <a:round/>
+                      <a:headEnd type="none" w="med" len="med"/>
+                      <a:tailEnd type="none" w="med" len="med"/>
+                    </a:lnR>
+                    <a:lnT w="12700" cap="flat" cmpd="sng" algn="ctr">
+                      <a:solidFill>
+                        <a:schemeClr val="tx1"/>
+                      </a:solidFill>
+                      <a:prstDash val="solid"/>
+                      <a:round/>
+                      <a:headEnd type="none" w="med" len="med"/>
+                      <a:tailEnd type="none" w="med" len="med"/>
+                    </a:lnT>
+                    <a:lnB w="12700" cap="flat" cmpd="sng" algn="ctr">
+                      <a:solidFill>
+                        <a:schemeClr val="tx1"/>
+                      </a:solidFill>
+                      <a:prstDash val="solid"/>
+                      <a:round/>
+                      <a:headEnd type="none" w="med" len="med"/>
+                      <a:tailEnd type="none" w="med" len="med"/>
+                    </a:lnB>
+                    <a:noFill/>
+                  </a:tcPr>
+                </a:tc>
+                <a:tc>
+                  <a:txBody>
+                    <a:bodyPr/>
+                    <a:lstStyle/>
+                    <a:p>
+                      <a:pPr algn="ctr" latinLnBrk="1"/>
+                      <a:endParaRPr lang="ko-KR" altLang="en-US" sz="1600" dirty="0">
+                        <a:solidFill>
+                          <a:schemeClr val="tx1"/>
+                        </a:solidFill>
+                      </a:endParaRPr>
+                    </a:p>
+                  </a:txBody>
+                  <a:tcPr>
+                    <a:lnL w="12700" cap="flat" cmpd="sng" algn="ctr">
+                      <a:solidFill>
+                        <a:schemeClr val="tx1"/>
+                      </a:solidFill>
+                      <a:prstDash val="solid"/>
+                      <a:round/>
+                      <a:headEnd type="none" w="med" len="med"/>
+                      <a:tailEnd type="none" w="med" len="med"/>
+                    </a:lnL>
+                    <a:lnR w="12700" cap="flat" cmpd="sng" algn="ctr">
+                      <a:noFill/>
+                      <a:prstDash val="solid"/>
+                      <a:round/>
+                      <a:headEnd type="none" w="med" len="med"/>
+                      <a:tailEnd type="none" w="med" len="med"/>
+                    </a:lnR>
+                    <a:lnT w="12700" cap="flat" cmpd="sng" algn="ctr">
+                      <a:solidFill>
+                        <a:schemeClr val="tx1"/>
+                      </a:solidFill>
+                      <a:prstDash val="solid"/>
+                      <a:round/>
+                      <a:headEnd type="none" w="med" len="med"/>
+                      <a:tailEnd type="none" w="med" len="med"/>
+                    </a:lnT>
+                    <a:lnB w="12700" cap="flat" cmpd="sng" algn="ctr">
+                      <a:solidFill>
+                        <a:schemeClr val="tx1"/>
+                      </a:solidFill>
+                      <a:prstDash val="solid"/>
+                      <a:round/>
+                      <a:headEnd type="none" w="med" len="med"/>
+                      <a:tailEnd type="none" w="med" len="med"/>
+                    </a:lnB>
+                    <a:noFill/>
+                  </a:tcPr>
+                </a:tc>
+                <a:extLst>
+                  <a:ext uri="{0D108BD9-81ED-4DB2-BD59-A6C34878D82A}">
+                    <a16:rowId xmlns:a16="http://schemas.microsoft.com/office/drawing/2014/main" val="1389568577"/>
+                  </a:ext>
+                </a:extLst>
+              </a:tr>
+              <a:tr h="348989">
+                <a:tc>
+                  <a:txBody>
+                    <a:bodyPr/>
+                    <a:lstStyle/>
+                    <a:p>
+                      <a:pPr algn="ctr" latinLnBrk="1"/>
+                      <a:endParaRPr lang="ko-KR" altLang="en-US" sz="1600" dirty="0">
+                        <a:solidFill>
+                          <a:schemeClr val="tx1"/>
+                        </a:solidFill>
+                      </a:endParaRPr>
+                    </a:p>
+                  </a:txBody>
+                  <a:tcPr>
+                    <a:lnL w="12700" cap="flat" cmpd="sng" algn="ctr">
+                      <a:noFill/>
+                      <a:prstDash val="solid"/>
+                      <a:round/>
+                      <a:headEnd type="none" w="med" len="med"/>
+                      <a:tailEnd type="none" w="med" len="med"/>
+                    </a:lnL>
+                    <a:lnR w="12700" cap="flat" cmpd="sng" algn="ctr">
+                      <a:solidFill>
+                        <a:schemeClr val="tx1"/>
+                      </a:solidFill>
+                      <a:prstDash val="solid"/>
+                      <a:round/>
+                      <a:headEnd type="none" w="med" len="med"/>
+                      <a:tailEnd type="none" w="med" len="med"/>
+                    </a:lnR>
+                    <a:lnT w="12700" cap="flat" cmpd="sng" algn="ctr">
+                      <a:solidFill>
+                        <a:schemeClr val="tx1"/>
+                      </a:solidFill>
+                      <a:prstDash val="solid"/>
+                      <a:round/>
+                      <a:headEnd type="none" w="med" len="med"/>
+                      <a:tailEnd type="none" w="med" len="med"/>
+                    </a:lnT>
+                    <a:lnB w="12700" cap="flat" cmpd="sng" algn="ctr">
+                      <a:solidFill>
+                        <a:schemeClr val="tx1"/>
+                      </a:solidFill>
+                      <a:prstDash val="solid"/>
+                      <a:round/>
+                      <a:headEnd type="none" w="med" len="med"/>
+                      <a:tailEnd type="none" w="med" len="med"/>
+                    </a:lnB>
+                    <a:noFill/>
+                  </a:tcPr>
+                </a:tc>
+                <a:tc>
+                  <a:txBody>
+                    <a:bodyPr/>
+                    <a:lstStyle/>
+                    <a:p>
+                      <a:pPr algn="ctr" latinLnBrk="1"/>
+                      <a:endParaRPr lang="ko-KR" altLang="en-US" sz="1600" dirty="0">
+                        <a:solidFill>
+                          <a:schemeClr val="tx1"/>
+                        </a:solidFill>
+                      </a:endParaRPr>
+                    </a:p>
+                  </a:txBody>
+                  <a:tcPr>
+                    <a:lnL w="12700" cap="flat" cmpd="sng" algn="ctr">
+                      <a:solidFill>
+                        <a:schemeClr val="tx1"/>
+                      </a:solidFill>
+                      <a:prstDash val="solid"/>
+                      <a:round/>
+                      <a:headEnd type="none" w="med" len="med"/>
+                      <a:tailEnd type="none" w="med" len="med"/>
+                    </a:lnL>
+                    <a:lnR w="12700" cap="flat" cmpd="sng" algn="ctr">
+                      <a:solidFill>
+                        <a:schemeClr val="tx1"/>
+                      </a:solidFill>
+                      <a:prstDash val="solid"/>
+                      <a:round/>
+                      <a:headEnd type="none" w="med" len="med"/>
+                      <a:tailEnd type="none" w="med" len="med"/>
+                    </a:lnR>
+                    <a:lnT w="12700" cap="flat" cmpd="sng" algn="ctr">
+                      <a:solidFill>
+                        <a:schemeClr val="tx1"/>
+                      </a:solidFill>
+                      <a:prstDash val="solid"/>
+                      <a:round/>
+                      <a:headEnd type="none" w="med" len="med"/>
+                      <a:tailEnd type="none" w="med" len="med"/>
+                    </a:lnT>
+                    <a:lnB w="12700" cap="flat" cmpd="sng" algn="ctr">
+                      <a:solidFill>
+                        <a:schemeClr val="tx1"/>
+                      </a:solidFill>
+                      <a:prstDash val="solid"/>
+                      <a:round/>
+                      <a:headEnd type="none" w="med" len="med"/>
+                      <a:tailEnd type="none" w="med" len="med"/>
+                    </a:lnB>
+                    <a:noFill/>
+                  </a:tcPr>
+                </a:tc>
+                <a:tc>
+                  <a:txBody>
+                    <a:bodyPr/>
+                    <a:lstStyle/>
+                    <a:p>
+                      <a:pPr algn="l" latinLnBrk="1"/>
+                      <a:endParaRPr lang="ko-KR" altLang="en-US" sz="1600" dirty="0">
+                        <a:solidFill>
+                          <a:schemeClr val="tx1"/>
+                        </a:solidFill>
+                      </a:endParaRPr>
+                    </a:p>
+                  </a:txBody>
+                  <a:tcPr>
+                    <a:lnL w="12700" cap="flat" cmpd="sng" algn="ctr">
+                      <a:solidFill>
+                        <a:schemeClr val="tx1"/>
+                      </a:solidFill>
+                      <a:prstDash val="solid"/>
+                      <a:round/>
+                      <a:headEnd type="none" w="med" len="med"/>
+                      <a:tailEnd type="none" w="med" len="med"/>
+                    </a:lnL>
+                    <a:lnR w="12700" cap="flat" cmpd="sng" algn="ctr">
+                      <a:solidFill>
+                        <a:schemeClr val="tx1"/>
+                      </a:solidFill>
+                      <a:prstDash val="solid"/>
+                      <a:round/>
+                      <a:headEnd type="none" w="med" len="med"/>
+                      <a:tailEnd type="none" w="med" len="med"/>
+                    </a:lnR>
+                    <a:lnT w="12700" cap="flat" cmpd="sng" algn="ctr">
+                      <a:solidFill>
+                        <a:schemeClr val="tx1"/>
+                      </a:solidFill>
+                      <a:prstDash val="solid"/>
+                      <a:round/>
+                      <a:headEnd type="none" w="med" len="med"/>
+                      <a:tailEnd type="none" w="med" len="med"/>
+                    </a:lnT>
+                    <a:lnB w="12700" cap="flat" cmpd="sng" algn="ctr">
+                      <a:solidFill>
+                        <a:schemeClr val="tx1"/>
+                      </a:solidFill>
+                      <a:prstDash val="solid"/>
+                      <a:round/>
+                      <a:headEnd type="none" w="med" len="med"/>
+                      <a:tailEnd type="none" w="med" len="med"/>
+                    </a:lnB>
+                    <a:noFill/>
+                  </a:tcPr>
+                </a:tc>
+                <a:tc>
+                  <a:txBody>
+                    <a:bodyPr/>
+                    <a:lstStyle/>
+                    <a:p>
+                      <a:pPr algn="ctr" latinLnBrk="1"/>
+                      <a:endParaRPr lang="ko-KR" altLang="en-US" sz="1600" dirty="0">
+                        <a:solidFill>
+                          <a:schemeClr val="tx1"/>
+                        </a:solidFill>
+                      </a:endParaRPr>
+                    </a:p>
+                  </a:txBody>
+                  <a:tcPr>
+                    <a:lnL w="12700" cap="flat" cmpd="sng" algn="ctr">
+                      <a:solidFill>
+                        <a:schemeClr val="tx1"/>
+                      </a:solidFill>
+                      <a:prstDash val="solid"/>
+                      <a:round/>
+                      <a:headEnd type="none" w="med" len="med"/>
+                      <a:tailEnd type="none" w="med" len="med"/>
+                    </a:lnL>
+                    <a:lnR w="12700" cap="flat" cmpd="sng" algn="ctr">
+                      <a:noFill/>
+                      <a:prstDash val="solid"/>
+                      <a:round/>
+                      <a:headEnd type="none" w="med" len="med"/>
+                      <a:tailEnd type="none" w="med" len="med"/>
+                    </a:lnR>
+                    <a:lnT w="12700" cap="flat" cmpd="sng" algn="ctr">
+                      <a:solidFill>
+                        <a:schemeClr val="tx1"/>
+                      </a:solidFill>
+                      <a:prstDash val="solid"/>
+                      <a:round/>
+                      <a:headEnd type="none" w="med" len="med"/>
+                      <a:tailEnd type="none" w="med" len="med"/>
+                    </a:lnT>
+                    <a:lnB w="12700" cap="flat" cmpd="sng" algn="ctr">
+                      <a:solidFill>
+                        <a:schemeClr val="tx1"/>
+                      </a:solidFill>
+                      <a:prstDash val="solid"/>
+                      <a:round/>
+                      <a:headEnd type="none" w="med" len="med"/>
+                      <a:tailEnd type="none" w="med" len="med"/>
+                    </a:lnB>
+                    <a:noFill/>
+                  </a:tcPr>
+                </a:tc>
+                <a:extLst>
+                  <a:ext uri="{0D108BD9-81ED-4DB2-BD59-A6C34878D82A}">
+                    <a16:rowId xmlns:a16="http://schemas.microsoft.com/office/drawing/2014/main" val="1657820915"/>
+                  </a:ext>
+                </a:extLst>
+              </a:tr>
+            </a:tbl>
+          </a:graphicData>
+        </a:graphic>
+      </p:graphicFrame>
     </p:spTree>
     <p:extLst>
       <p:ext uri="{BB962C8B-B14F-4D97-AF65-F5344CB8AC3E}">
-        <p14:creationId xmlns:p14="http://schemas.microsoft.com/office/powerpoint/2010/main" val="2074811451"/>
+        <p14:creationId xmlns:p14="http://schemas.microsoft.com/office/powerpoint/2010/main" val="1831575514"/>
       </p:ext>
     </p:extLst>
   </p:cSld>
@@ -5525,16 +6066,14 @@
         </p:nvSpPr>
         <p:spPr>
           <a:xfrm>
-            <a:off x="0" y="0"/>
-            <a:ext cx="12192000" cy="685800"/>
+            <a:off x="1227993" y="1081453"/>
+            <a:ext cx="10964007" cy="79131"/>
           </a:xfrm>
           <a:prstGeom prst="rect">
             <a:avLst/>
           </a:prstGeom>
           <a:solidFill>
-            <a:schemeClr val="bg1">
-              <a:lumMod val="85000"/>
-            </a:schemeClr>
+            <a:srgbClr val="FF0000"/>
           </a:solidFill>
           <a:ln>
             <a:noFill/>
@@ -5567,14 +6106,14 @@
       </p:sp>
       <p:sp>
         <p:nvSpPr>
-          <p:cNvPr id="5" name="TextBox 4"/>
+          <p:cNvPr id="8" name="TextBox 7"/>
           <p:cNvSpPr txBox="1"/>
           <p:nvPr/>
         </p:nvSpPr>
         <p:spPr>
           <a:xfrm>
-            <a:off x="5161816" y="50512"/>
-            <a:ext cx="1868366" cy="584775"/>
+            <a:off x="1227993" y="237392"/>
+            <a:ext cx="4749121" cy="707886"/>
           </a:xfrm>
           <a:prstGeom prst="rect">
             <a:avLst/>
@@ -5588,71 +6127,93 @@
           <a:lstStyle/>
           <a:p>
             <a:r>
-              <a:rPr lang="ko-KR" altLang="en-US" sz="3200" smtClean="0"/>
-              <a:t>커뮤니티</a:t>
-            </a:r>
-            <a:endParaRPr lang="ko-KR" altLang="en-US" sz="3200" dirty="0"/>
-          </a:p>
-        </p:txBody>
-      </p:sp>
-      <p:sp>
-        <p:nvSpPr>
-          <p:cNvPr id="2" name="모서리가 둥근 직사각형 1"/>
-          <p:cNvSpPr/>
+              <a:rPr lang="ko-KR" altLang="en-US" sz="4000" b="1" dirty="0" smtClean="0"/>
+              <a:t>로그인</a:t>
+            </a:r>
+            <a:endParaRPr lang="ko-KR" altLang="en-US" sz="4000" b="1" dirty="0"/>
+          </a:p>
+        </p:txBody>
+      </p:sp>
+      <p:pic>
+        <p:nvPicPr>
+          <p:cNvPr id="3" name="그림 2"/>
+          <p:cNvPicPr>
+            <a:picLocks noChangeAspect="1"/>
+          </p:cNvPicPr>
           <p:nvPr/>
-        </p:nvSpPr>
+        </p:nvPicPr>
+        <p:blipFill>
+          <a:blip r:embed="rId2">
+            <a:extLst>
+              <a:ext uri="{28A0092B-C50C-407E-A947-70E740481C1C}">
+                <a14:useLocalDpi xmlns:a14="http://schemas.microsoft.com/office/drawing/2010/main" val="0"/>
+              </a:ext>
+            </a:extLst>
+          </a:blip>
+          <a:stretch>
+            <a:fillRect/>
+          </a:stretch>
+        </p:blipFill>
         <p:spPr>
           <a:xfrm>
-            <a:off x="5440972" y="949568"/>
-            <a:ext cx="1310054" cy="615462"/>
+            <a:off x="1227993" y="1555187"/>
+            <a:ext cx="10058400" cy="4963233"/>
           </a:xfrm>
-          <a:prstGeom prst="roundRect">
+          <a:prstGeom prst="rect">
             <a:avLst/>
           </a:prstGeom>
         </p:spPr>
-        <p:style>
-          <a:lnRef idx="2">
-            <a:schemeClr val="accent2">
-              <a:shade val="50000"/>
-            </a:schemeClr>
-          </a:lnRef>
-          <a:fillRef idx="1">
-            <a:schemeClr val="accent2"/>
-          </a:fillRef>
-          <a:effectRef idx="0">
-            <a:schemeClr val="accent2"/>
-          </a:effectRef>
-          <a:fontRef idx="minor">
-            <a:schemeClr val="lt1"/>
-          </a:fontRef>
-        </p:style>
-        <p:txBody>
-          <a:bodyPr rtlCol="0" anchor="ctr"/>
-          <a:lstStyle/>
-          <a:p>
-            <a:pPr algn="ctr"/>
-            <a:r>
-              <a:rPr lang="ko-KR" altLang="en-US" dirty="0" smtClean="0"/>
-              <a:t>커뮤니티</a:t>
-            </a:r>
-            <a:endParaRPr lang="ko-KR" altLang="en-US" dirty="0"/>
-          </a:p>
-        </p:txBody>
-      </p:sp>
-      <p:sp>
-        <p:nvSpPr>
-          <p:cNvPr id="6" name="모서리가 둥근 직사각형 5"/>
+      </p:pic>
+    </p:spTree>
+    <p:extLst>
+      <p:ext uri="{BB962C8B-B14F-4D97-AF65-F5344CB8AC3E}">
+        <p14:creationId xmlns:p14="http://schemas.microsoft.com/office/powerpoint/2010/main" val="1741502194"/>
+      </p:ext>
+    </p:extLst>
+  </p:cSld>
+  <p:clrMapOvr>
+    <a:masterClrMapping/>
+  </p:clrMapOvr>
+</p:sld>
+</file>
+
+<file path=ppt/slides/slide4.xml><?xml version="1.0" encoding="utf-8"?>
+<p:sld xmlns:a="http://schemas.openxmlformats.org/drawingml/2006/main" xmlns:r="http://schemas.openxmlformats.org/officeDocument/2006/relationships" xmlns:p="http://schemas.openxmlformats.org/presentationml/2006/main">
+  <p:cSld>
+    <p:spTree>
+      <p:nvGrpSpPr>
+        <p:cNvPr id="1" name=""/>
+        <p:cNvGrpSpPr/>
+        <p:nvPr/>
+      </p:nvGrpSpPr>
+      <p:grpSpPr>
+        <a:xfrm>
+          <a:off x="0" y="0"/>
+          <a:ext cx="0" cy="0"/>
+          <a:chOff x="0" y="0"/>
+          <a:chExt cx="0" cy="0"/>
+        </a:xfrm>
+      </p:grpSpPr>
+      <p:sp>
+        <p:nvSpPr>
+          <p:cNvPr id="4" name="직사각형 3"/>
           <p:cNvSpPr/>
           <p:nvPr/>
         </p:nvSpPr>
         <p:spPr>
           <a:xfrm>
-            <a:off x="1510810" y="2209798"/>
-            <a:ext cx="1310054" cy="615462"/>
+            <a:off x="1227993" y="1081453"/>
+            <a:ext cx="10964007" cy="79131"/>
           </a:xfrm>
-          <a:prstGeom prst="roundRect">
+          <a:prstGeom prst="rect">
             <a:avLst/>
           </a:prstGeom>
+          <a:solidFill>
+            <a:srgbClr val="FF0000"/>
+          </a:solidFill>
+          <a:ln>
+            <a:noFill/>
+          </a:ln>
         </p:spPr>
         <p:style>
           <a:lnRef idx="2">
@@ -5675,36 +6236,120 @@
           <a:lstStyle/>
           <a:p>
             <a:pPr algn="ctr"/>
-            <a:r>
-              <a:rPr lang="ko-KR" altLang="en-US" dirty="0" smtClean="0"/>
-              <a:t>공지사항</a:t>
-            </a:r>
-            <a:r>
-              <a:rPr lang="en-US" altLang="ko-KR" dirty="0" smtClean="0"/>
-              <a:t>/</a:t>
-            </a:r>
-            <a:r>
-              <a:rPr lang="ko-KR" altLang="en-US" dirty="0" smtClean="0"/>
-              <a:t>이벤트</a:t>
-            </a:r>
-            <a:endParaRPr lang="ko-KR" altLang="en-US" dirty="0"/>
-          </a:p>
-        </p:txBody>
-      </p:sp>
-      <p:sp>
-        <p:nvSpPr>
-          <p:cNvPr id="7" name="모서리가 둥근 직사각형 6"/>
+            <a:endParaRPr lang="ko-KR" altLang="en-US"/>
+          </a:p>
+        </p:txBody>
+      </p:sp>
+      <p:sp>
+        <p:nvSpPr>
+          <p:cNvPr id="8" name="TextBox 7"/>
+          <p:cNvSpPr txBox="1"/>
+          <p:nvPr/>
+        </p:nvSpPr>
+        <p:spPr>
+          <a:xfrm>
+            <a:off x="1227993" y="237392"/>
+            <a:ext cx="4749121" cy="707886"/>
+          </a:xfrm>
+          <a:prstGeom prst="rect">
+            <a:avLst/>
+          </a:prstGeom>
+          <a:noFill/>
+        </p:spPr>
+        <p:txBody>
+          <a:bodyPr wrap="square" rtlCol="0">
+            <a:spAutoFit/>
+          </a:bodyPr>
+          <a:lstStyle/>
+          <a:p>
+            <a:r>
+              <a:rPr lang="ko-KR" altLang="en-US" sz="4000" b="1" dirty="0" smtClean="0"/>
+              <a:t>회원가입</a:t>
+            </a:r>
+            <a:endParaRPr lang="ko-KR" altLang="en-US" sz="4000" b="1" dirty="0"/>
+          </a:p>
+        </p:txBody>
+      </p:sp>
+      <p:pic>
+        <p:nvPicPr>
+          <p:cNvPr id="3" name="그림 2"/>
+          <p:cNvPicPr>
+            <a:picLocks noChangeAspect="1"/>
+          </p:cNvPicPr>
+          <p:nvPr/>
+        </p:nvPicPr>
+        <p:blipFill>
+          <a:blip r:embed="rId2">
+            <a:extLst>
+              <a:ext uri="{28A0092B-C50C-407E-A947-70E740481C1C}">
+                <a14:useLocalDpi xmlns:a14="http://schemas.microsoft.com/office/drawing/2010/main" val="0"/>
+              </a:ext>
+            </a:extLst>
+          </a:blip>
+          <a:stretch>
+            <a:fillRect/>
+          </a:stretch>
+        </p:blipFill>
+        <p:spPr>
+          <a:xfrm>
+            <a:off x="1227993" y="1529862"/>
+            <a:ext cx="10058400" cy="4958862"/>
+          </a:xfrm>
+          <a:prstGeom prst="rect">
+            <a:avLst/>
+          </a:prstGeom>
+        </p:spPr>
+      </p:pic>
+    </p:spTree>
+    <p:extLst>
+      <p:ext uri="{BB962C8B-B14F-4D97-AF65-F5344CB8AC3E}">
+        <p14:creationId xmlns:p14="http://schemas.microsoft.com/office/powerpoint/2010/main" val="2382770198"/>
+      </p:ext>
+    </p:extLst>
+  </p:cSld>
+  <p:clrMapOvr>
+    <a:masterClrMapping/>
+  </p:clrMapOvr>
+</p:sld>
+</file>
+
+<file path=ppt/slides/slide5.xml><?xml version="1.0" encoding="utf-8"?>
+<p:sld xmlns:a="http://schemas.openxmlformats.org/drawingml/2006/main" xmlns:r="http://schemas.openxmlformats.org/officeDocument/2006/relationships" xmlns:p="http://schemas.openxmlformats.org/presentationml/2006/main">
+  <p:cSld>
+    <p:spTree>
+      <p:nvGrpSpPr>
+        <p:cNvPr id="1" name=""/>
+        <p:cNvGrpSpPr/>
+        <p:nvPr/>
+      </p:nvGrpSpPr>
+      <p:grpSpPr>
+        <a:xfrm>
+          <a:off x="0" y="0"/>
+          <a:ext cx="0" cy="0"/>
+          <a:chOff x="0" y="0"/>
+          <a:chExt cx="0" cy="0"/>
+        </a:xfrm>
+      </p:grpSpPr>
+      <p:sp>
+        <p:nvSpPr>
+          <p:cNvPr id="4" name="직사각형 3"/>
           <p:cNvSpPr/>
           <p:nvPr/>
         </p:nvSpPr>
         <p:spPr>
           <a:xfrm>
-            <a:off x="4130918" y="2209798"/>
-            <a:ext cx="1310054" cy="615462"/>
+            <a:off x="1227993" y="1081453"/>
+            <a:ext cx="10964007" cy="79131"/>
           </a:xfrm>
-          <a:prstGeom prst="roundRect">
+          <a:prstGeom prst="rect">
             <a:avLst/>
           </a:prstGeom>
+          <a:solidFill>
+            <a:srgbClr val="FF0000"/>
+          </a:solidFill>
+          <a:ln>
+            <a:noFill/>
+          </a:ln>
         </p:spPr>
         <p:style>
           <a:lnRef idx="2">
@@ -5727,28 +6372,120 @@
           <a:lstStyle/>
           <a:p>
             <a:pPr algn="ctr"/>
-            <a:r>
-              <a:rPr lang="ko-KR" altLang="en-US" dirty="0" smtClean="0"/>
-              <a:t>자료실</a:t>
-            </a:r>
-            <a:endParaRPr lang="ko-KR" altLang="en-US" dirty="0"/>
-          </a:p>
-        </p:txBody>
-      </p:sp>
-      <p:sp>
-        <p:nvSpPr>
-          <p:cNvPr id="8" name="모서리가 둥근 직사각형 7"/>
+            <a:endParaRPr lang="ko-KR" altLang="en-US"/>
+          </a:p>
+        </p:txBody>
+      </p:sp>
+      <p:sp>
+        <p:nvSpPr>
+          <p:cNvPr id="8" name="TextBox 7"/>
+          <p:cNvSpPr txBox="1"/>
+          <p:nvPr/>
+        </p:nvSpPr>
+        <p:spPr>
+          <a:xfrm>
+            <a:off x="1227993" y="237392"/>
+            <a:ext cx="4749121" cy="707886"/>
+          </a:xfrm>
+          <a:prstGeom prst="rect">
+            <a:avLst/>
+          </a:prstGeom>
+          <a:noFill/>
+        </p:spPr>
+        <p:txBody>
+          <a:bodyPr wrap="square" rtlCol="0">
+            <a:spAutoFit/>
+          </a:bodyPr>
+          <a:lstStyle/>
+          <a:p>
+            <a:r>
+              <a:rPr lang="ko-KR" altLang="en-US" sz="4000" b="1" dirty="0" smtClean="0"/>
+              <a:t>도서</a:t>
+            </a:r>
+            <a:endParaRPr lang="ko-KR" altLang="en-US" sz="4000" b="1" dirty="0"/>
+          </a:p>
+        </p:txBody>
+      </p:sp>
+      <p:pic>
+        <p:nvPicPr>
+          <p:cNvPr id="5" name="그림 4"/>
+          <p:cNvPicPr>
+            <a:picLocks noChangeAspect="1"/>
+          </p:cNvPicPr>
+          <p:nvPr/>
+        </p:nvPicPr>
+        <p:blipFill>
+          <a:blip r:embed="rId2">
+            <a:extLst>
+              <a:ext uri="{28A0092B-C50C-407E-A947-70E740481C1C}">
+                <a14:useLocalDpi xmlns:a14="http://schemas.microsoft.com/office/drawing/2010/main" val="0"/>
+              </a:ext>
+            </a:extLst>
+          </a:blip>
+          <a:stretch>
+            <a:fillRect/>
+          </a:stretch>
+        </p:blipFill>
+        <p:spPr>
+          <a:xfrm>
+            <a:off x="1227993" y="1680065"/>
+            <a:ext cx="10058400" cy="4701412"/>
+          </a:xfrm>
+          <a:prstGeom prst="rect">
+            <a:avLst/>
+          </a:prstGeom>
+        </p:spPr>
+      </p:pic>
+    </p:spTree>
+    <p:extLst>
+      <p:ext uri="{BB962C8B-B14F-4D97-AF65-F5344CB8AC3E}">
+        <p14:creationId xmlns:p14="http://schemas.microsoft.com/office/powerpoint/2010/main" val="2654930641"/>
+      </p:ext>
+    </p:extLst>
+  </p:cSld>
+  <p:clrMapOvr>
+    <a:masterClrMapping/>
+  </p:clrMapOvr>
+</p:sld>
+</file>
+
+<file path=ppt/slides/slide6.xml><?xml version="1.0" encoding="utf-8"?>
+<p:sld xmlns:a="http://schemas.openxmlformats.org/drawingml/2006/main" xmlns:r="http://schemas.openxmlformats.org/officeDocument/2006/relationships" xmlns:p="http://schemas.openxmlformats.org/presentationml/2006/main">
+  <p:cSld>
+    <p:spTree>
+      <p:nvGrpSpPr>
+        <p:cNvPr id="1" name=""/>
+        <p:cNvGrpSpPr/>
+        <p:nvPr/>
+      </p:nvGrpSpPr>
+      <p:grpSpPr>
+        <a:xfrm>
+          <a:off x="0" y="0"/>
+          <a:ext cx="0" cy="0"/>
+          <a:chOff x="0" y="0"/>
+          <a:chExt cx="0" cy="0"/>
+        </a:xfrm>
+      </p:grpSpPr>
+      <p:sp>
+        <p:nvSpPr>
+          <p:cNvPr id="4" name="직사각형 3"/>
           <p:cNvSpPr/>
           <p:nvPr/>
         </p:nvSpPr>
         <p:spPr>
           <a:xfrm>
-            <a:off x="6751026" y="2209798"/>
-            <a:ext cx="1310054" cy="615462"/>
+            <a:off x="1227993" y="1081453"/>
+            <a:ext cx="10964007" cy="79131"/>
           </a:xfrm>
-          <a:prstGeom prst="roundRect">
+          <a:prstGeom prst="rect">
             <a:avLst/>
           </a:prstGeom>
+          <a:solidFill>
+            <a:srgbClr val="FF0000"/>
+          </a:solidFill>
+          <a:ln>
+            <a:noFill/>
+          </a:ln>
         </p:spPr>
         <p:style>
           <a:lnRef idx="2">
@@ -5771,36 +6508,120 @@
           <a:lstStyle/>
           <a:p>
             <a:pPr algn="ctr"/>
-            <a:r>
-              <a:rPr lang="ko-KR" altLang="en-US" dirty="0" smtClean="0"/>
-              <a:t>동영상</a:t>
-            </a:r>
-            <a:endParaRPr lang="en-US" altLang="ko-KR" dirty="0" smtClean="0"/>
-          </a:p>
-          <a:p>
-            <a:pPr algn="ctr"/>
-            <a:r>
-              <a:rPr lang="ko-KR" altLang="en-US" dirty="0" smtClean="0"/>
-              <a:t>강의</a:t>
-            </a:r>
-            <a:endParaRPr lang="ko-KR" altLang="en-US" dirty="0"/>
-          </a:p>
-        </p:txBody>
-      </p:sp>
-      <p:sp>
-        <p:nvSpPr>
-          <p:cNvPr id="9" name="모서리가 둥근 직사각형 8"/>
+            <a:endParaRPr lang="ko-KR" altLang="en-US"/>
+          </a:p>
+        </p:txBody>
+      </p:sp>
+      <p:sp>
+        <p:nvSpPr>
+          <p:cNvPr id="8" name="TextBox 7"/>
+          <p:cNvSpPr txBox="1"/>
+          <p:nvPr/>
+        </p:nvSpPr>
+        <p:spPr>
+          <a:xfrm>
+            <a:off x="1227993" y="237392"/>
+            <a:ext cx="4749121" cy="707886"/>
+          </a:xfrm>
+          <a:prstGeom prst="rect">
+            <a:avLst/>
+          </a:prstGeom>
+          <a:noFill/>
+        </p:spPr>
+        <p:txBody>
+          <a:bodyPr wrap="square" rtlCol="0">
+            <a:spAutoFit/>
+          </a:bodyPr>
+          <a:lstStyle/>
+          <a:p>
+            <a:r>
+              <a:rPr lang="ko-KR" altLang="en-US" sz="4000" b="1" dirty="0" smtClean="0"/>
+              <a:t>자료실</a:t>
+            </a:r>
+            <a:endParaRPr lang="ko-KR" altLang="en-US" sz="4000" b="1" dirty="0"/>
+          </a:p>
+        </p:txBody>
+      </p:sp>
+      <p:pic>
+        <p:nvPicPr>
+          <p:cNvPr id="3" name="그림 2"/>
+          <p:cNvPicPr>
+            <a:picLocks noChangeAspect="1"/>
+          </p:cNvPicPr>
+          <p:nvPr/>
+        </p:nvPicPr>
+        <p:blipFill>
+          <a:blip r:embed="rId2">
+            <a:extLst>
+              <a:ext uri="{28A0092B-C50C-407E-A947-70E740481C1C}">
+                <a14:useLocalDpi xmlns:a14="http://schemas.microsoft.com/office/drawing/2010/main" val="0"/>
+              </a:ext>
+            </a:extLst>
+          </a:blip>
+          <a:stretch>
+            <a:fillRect/>
+          </a:stretch>
+        </p:blipFill>
+        <p:spPr>
+          <a:xfrm>
+            <a:off x="1227993" y="1521069"/>
+            <a:ext cx="9514142" cy="4985239"/>
+          </a:xfrm>
+          <a:prstGeom prst="rect">
+            <a:avLst/>
+          </a:prstGeom>
+        </p:spPr>
+      </p:pic>
+    </p:spTree>
+    <p:extLst>
+      <p:ext uri="{BB962C8B-B14F-4D97-AF65-F5344CB8AC3E}">
+        <p14:creationId xmlns:p14="http://schemas.microsoft.com/office/powerpoint/2010/main" val="2019160509"/>
+      </p:ext>
+    </p:extLst>
+  </p:cSld>
+  <p:clrMapOvr>
+    <a:masterClrMapping/>
+  </p:clrMapOvr>
+</p:sld>
+</file>
+
+<file path=ppt/slides/slide7.xml><?xml version="1.0" encoding="utf-8"?>
+<p:sld xmlns:a="http://schemas.openxmlformats.org/drawingml/2006/main" xmlns:r="http://schemas.openxmlformats.org/officeDocument/2006/relationships" xmlns:p="http://schemas.openxmlformats.org/presentationml/2006/main">
+  <p:cSld>
+    <p:spTree>
+      <p:nvGrpSpPr>
+        <p:cNvPr id="1" name=""/>
+        <p:cNvGrpSpPr/>
+        <p:nvPr/>
+      </p:nvGrpSpPr>
+      <p:grpSpPr>
+        <a:xfrm>
+          <a:off x="0" y="0"/>
+          <a:ext cx="0" cy="0"/>
+          <a:chOff x="0" y="0"/>
+          <a:chExt cx="0" cy="0"/>
+        </a:xfrm>
+      </p:grpSpPr>
+      <p:sp>
+        <p:nvSpPr>
+          <p:cNvPr id="4" name="직사각형 3"/>
           <p:cNvSpPr/>
           <p:nvPr/>
         </p:nvSpPr>
         <p:spPr>
           <a:xfrm>
-            <a:off x="9371134" y="2212727"/>
-            <a:ext cx="1310054" cy="615462"/>
+            <a:off x="1227993" y="1081453"/>
+            <a:ext cx="10964007" cy="79131"/>
           </a:xfrm>
-          <a:prstGeom prst="roundRect">
+          <a:prstGeom prst="rect">
             <a:avLst/>
           </a:prstGeom>
+          <a:solidFill>
+            <a:srgbClr val="FF0000"/>
+          </a:solidFill>
+          <a:ln>
+            <a:noFill/>
+          </a:ln>
         </p:spPr>
         <p:style>
           <a:lnRef idx="2">
@@ -5823,256 +6644,120 @@
           <a:lstStyle/>
           <a:p>
             <a:pPr algn="ctr"/>
-            <a:r>
-              <a:rPr lang="ko-KR" altLang="en-US" dirty="0" smtClean="0"/>
-              <a:t>질문답변</a:t>
-            </a:r>
-            <a:endParaRPr lang="ko-KR" altLang="en-US" dirty="0"/>
-          </a:p>
-        </p:txBody>
-      </p:sp>
-      <p:cxnSp>
-        <p:nvCxnSpPr>
-          <p:cNvPr id="10" name="직선 연결선 9"/>
-          <p:cNvCxnSpPr>
-            <a:stCxn id="2" idx="2"/>
-          </p:cNvCxnSpPr>
+            <a:endParaRPr lang="ko-KR" altLang="en-US"/>
+          </a:p>
+        </p:txBody>
+      </p:sp>
+      <p:sp>
+        <p:nvSpPr>
+          <p:cNvPr id="8" name="TextBox 7"/>
+          <p:cNvSpPr txBox="1"/>
           <p:nvPr/>
-        </p:nvCxnSpPr>
+        </p:nvSpPr>
         <p:spPr>
           <a:xfrm>
-            <a:off x="6095999" y="1565030"/>
-            <a:ext cx="0" cy="202223"/>
+            <a:off x="1227993" y="237392"/>
+            <a:ext cx="4749121" cy="707886"/>
           </a:xfrm>
-          <a:prstGeom prst="line">
+          <a:prstGeom prst="rect">
+            <a:avLst/>
+          </a:prstGeom>
+          <a:noFill/>
+        </p:spPr>
+        <p:txBody>
+          <a:bodyPr wrap="square" rtlCol="0">
+            <a:spAutoFit/>
+          </a:bodyPr>
+          <a:lstStyle/>
+          <a:p>
+            <a:r>
+              <a:rPr lang="ko-KR" altLang="en-US" sz="4000" b="1" dirty="0" smtClean="0"/>
+              <a:t>질문답변</a:t>
+            </a:r>
+            <a:endParaRPr lang="ko-KR" altLang="en-US" sz="4000" b="1" dirty="0"/>
+          </a:p>
+        </p:txBody>
+      </p:sp>
+      <p:pic>
+        <p:nvPicPr>
+          <p:cNvPr id="3" name="그림 2"/>
+          <p:cNvPicPr>
+            <a:picLocks noChangeAspect="1"/>
+          </p:cNvPicPr>
+          <p:nvPr/>
+        </p:nvPicPr>
+        <p:blipFill>
+          <a:blip r:embed="rId2">
+            <a:extLst>
+              <a:ext uri="{28A0092B-C50C-407E-A947-70E740481C1C}">
+                <a14:useLocalDpi xmlns:a14="http://schemas.microsoft.com/office/drawing/2010/main" val="0"/>
+              </a:ext>
+            </a:extLst>
+          </a:blip>
+          <a:stretch>
+            <a:fillRect/>
+          </a:stretch>
+        </p:blipFill>
+        <p:spPr>
+          <a:xfrm>
+            <a:off x="1227993" y="1502017"/>
+            <a:ext cx="10058400" cy="4987016"/>
+          </a:xfrm>
+          <a:prstGeom prst="rect">
             <a:avLst/>
           </a:prstGeom>
         </p:spPr>
-        <p:style>
-          <a:lnRef idx="1">
-            <a:schemeClr val="dk1"/>
-          </a:lnRef>
-          <a:fillRef idx="0">
-            <a:schemeClr val="dk1"/>
-          </a:fillRef>
-          <a:effectRef idx="0">
-            <a:schemeClr val="dk1"/>
-          </a:effectRef>
-          <a:fontRef idx="minor">
-            <a:schemeClr val="tx1"/>
-          </a:fontRef>
-        </p:style>
-      </p:cxnSp>
-      <p:cxnSp>
-        <p:nvCxnSpPr>
-          <p:cNvPr id="12" name="직선 연결선 11"/>
-          <p:cNvCxnSpPr/>
+      </p:pic>
+    </p:spTree>
+    <p:extLst>
+      <p:ext uri="{BB962C8B-B14F-4D97-AF65-F5344CB8AC3E}">
+        <p14:creationId xmlns:p14="http://schemas.microsoft.com/office/powerpoint/2010/main" val="2297079194"/>
+      </p:ext>
+    </p:extLst>
+  </p:cSld>
+  <p:clrMapOvr>
+    <a:masterClrMapping/>
+  </p:clrMapOvr>
+</p:sld>
+</file>
+
+<file path=ppt/slides/slide8.xml><?xml version="1.0" encoding="utf-8"?>
+<p:sld xmlns:a="http://schemas.openxmlformats.org/drawingml/2006/main" xmlns:r="http://schemas.openxmlformats.org/officeDocument/2006/relationships" xmlns:p="http://schemas.openxmlformats.org/presentationml/2006/main">
+  <p:cSld>
+    <p:spTree>
+      <p:nvGrpSpPr>
+        <p:cNvPr id="1" name=""/>
+        <p:cNvGrpSpPr/>
+        <p:nvPr/>
+      </p:nvGrpSpPr>
+      <p:grpSpPr>
+        <a:xfrm>
+          <a:off x="0" y="0"/>
+          <a:ext cx="0" cy="0"/>
+          <a:chOff x="0" y="0"/>
+          <a:chExt cx="0" cy="0"/>
+        </a:xfrm>
+      </p:grpSpPr>
+      <p:sp>
+        <p:nvSpPr>
+          <p:cNvPr id="4" name="직사각형 3"/>
+          <p:cNvSpPr/>
           <p:nvPr/>
-        </p:nvCxnSpPr>
+        </p:nvSpPr>
         <p:spPr>
           <a:xfrm>
-            <a:off x="2165837" y="1767253"/>
-            <a:ext cx="7860324" cy="0"/>
+            <a:off x="1227993" y="1081453"/>
+            <a:ext cx="10964007" cy="79131"/>
           </a:xfrm>
-          <a:prstGeom prst="line">
+          <a:prstGeom prst="rect">
             <a:avLst/>
           </a:prstGeom>
-        </p:spPr>
-        <p:style>
-          <a:lnRef idx="1">
-            <a:schemeClr val="dk1"/>
-          </a:lnRef>
-          <a:fillRef idx="0">
-            <a:schemeClr val="dk1"/>
-          </a:fillRef>
-          <a:effectRef idx="0">
-            <a:schemeClr val="dk1"/>
-          </a:effectRef>
-          <a:fontRef idx="minor">
-            <a:schemeClr val="tx1"/>
-          </a:fontRef>
-        </p:style>
-      </p:cxnSp>
-      <p:cxnSp>
-        <p:nvCxnSpPr>
-          <p:cNvPr id="14" name="직선 화살표 연결선 13"/>
-          <p:cNvCxnSpPr>
-            <a:endCxn id="6" idx="0"/>
-          </p:cNvCxnSpPr>
-          <p:nvPr/>
-        </p:nvCxnSpPr>
-        <p:spPr>
-          <a:xfrm>
-            <a:off x="2165837" y="1767253"/>
-            <a:ext cx="0" cy="442545"/>
-          </a:xfrm>
-          <a:prstGeom prst="straightConnector1">
-            <a:avLst/>
-          </a:prstGeom>
+          <a:solidFill>
+            <a:srgbClr val="FF0000"/>
+          </a:solidFill>
           <a:ln>
-            <a:tailEnd type="triangle"/>
+            <a:noFill/>
           </a:ln>
-        </p:spPr>
-        <p:style>
-          <a:lnRef idx="1">
-            <a:schemeClr val="dk1"/>
-          </a:lnRef>
-          <a:fillRef idx="0">
-            <a:schemeClr val="dk1"/>
-          </a:fillRef>
-          <a:effectRef idx="0">
-            <a:schemeClr val="dk1"/>
-          </a:effectRef>
-          <a:fontRef idx="minor">
-            <a:schemeClr val="tx1"/>
-          </a:fontRef>
-        </p:style>
-      </p:cxnSp>
-      <p:cxnSp>
-        <p:nvCxnSpPr>
-          <p:cNvPr id="16" name="직선 화살표 연결선 15"/>
-          <p:cNvCxnSpPr>
-            <a:endCxn id="9" idx="0"/>
-          </p:cNvCxnSpPr>
-          <p:nvPr/>
-        </p:nvCxnSpPr>
-        <p:spPr>
-          <a:xfrm>
-            <a:off x="10026161" y="1767253"/>
-            <a:ext cx="0" cy="445474"/>
-          </a:xfrm>
-          <a:prstGeom prst="straightConnector1">
-            <a:avLst/>
-          </a:prstGeom>
-          <a:ln>
-            <a:tailEnd type="triangle"/>
-          </a:ln>
-        </p:spPr>
-        <p:style>
-          <a:lnRef idx="1">
-            <a:schemeClr val="dk1"/>
-          </a:lnRef>
-          <a:fillRef idx="0">
-            <a:schemeClr val="dk1"/>
-          </a:fillRef>
-          <a:effectRef idx="0">
-            <a:schemeClr val="dk1"/>
-          </a:effectRef>
-          <a:fontRef idx="minor">
-            <a:schemeClr val="tx1"/>
-          </a:fontRef>
-        </p:style>
-      </p:cxnSp>
-      <p:cxnSp>
-        <p:nvCxnSpPr>
-          <p:cNvPr id="13" name="직선 화살표 연결선 12"/>
-          <p:cNvCxnSpPr/>
-          <p:nvPr/>
-        </p:nvCxnSpPr>
-        <p:spPr>
-          <a:xfrm>
-            <a:off x="4780083" y="1767253"/>
-            <a:ext cx="0" cy="442545"/>
-          </a:xfrm>
-          <a:prstGeom prst="straightConnector1">
-            <a:avLst/>
-          </a:prstGeom>
-          <a:ln>
-            <a:tailEnd type="triangle"/>
-          </a:ln>
-        </p:spPr>
-        <p:style>
-          <a:lnRef idx="1">
-            <a:schemeClr val="dk1"/>
-          </a:lnRef>
-          <a:fillRef idx="0">
-            <a:schemeClr val="dk1"/>
-          </a:fillRef>
-          <a:effectRef idx="0">
-            <a:schemeClr val="dk1"/>
-          </a:effectRef>
-          <a:fontRef idx="minor">
-            <a:schemeClr val="tx1"/>
-          </a:fontRef>
-        </p:style>
-      </p:cxnSp>
-      <p:cxnSp>
-        <p:nvCxnSpPr>
-          <p:cNvPr id="15" name="직선 화살표 연결선 14"/>
-          <p:cNvCxnSpPr/>
-          <p:nvPr/>
-        </p:nvCxnSpPr>
-        <p:spPr>
-          <a:xfrm>
-            <a:off x="7391398" y="1767253"/>
-            <a:ext cx="0" cy="442545"/>
-          </a:xfrm>
-          <a:prstGeom prst="straightConnector1">
-            <a:avLst/>
-          </a:prstGeom>
-          <a:ln>
-            <a:tailEnd type="triangle"/>
-          </a:ln>
-        </p:spPr>
-        <p:style>
-          <a:lnRef idx="1">
-            <a:schemeClr val="dk1"/>
-          </a:lnRef>
-          <a:fillRef idx="0">
-            <a:schemeClr val="dk1"/>
-          </a:fillRef>
-          <a:effectRef idx="0">
-            <a:schemeClr val="dk1"/>
-          </a:effectRef>
-          <a:fontRef idx="minor">
-            <a:schemeClr val="tx1"/>
-          </a:fontRef>
-        </p:style>
-      </p:cxnSp>
-      <p:cxnSp>
-        <p:nvCxnSpPr>
-          <p:cNvPr id="22" name="직선 연결선 21"/>
-          <p:cNvCxnSpPr/>
-          <p:nvPr/>
-        </p:nvCxnSpPr>
-        <p:spPr>
-          <a:xfrm>
-            <a:off x="4780083" y="3341077"/>
-            <a:ext cx="5246078" cy="0"/>
-          </a:xfrm>
-          <a:prstGeom prst="line">
-            <a:avLst/>
-          </a:prstGeom>
-        </p:spPr>
-        <p:style>
-          <a:lnRef idx="1">
-            <a:schemeClr val="dk1"/>
-          </a:lnRef>
-          <a:fillRef idx="0">
-            <a:schemeClr val="dk1"/>
-          </a:fillRef>
-          <a:effectRef idx="0">
-            <a:schemeClr val="dk1"/>
-          </a:effectRef>
-          <a:fontRef idx="minor">
-            <a:schemeClr val="tx1"/>
-          </a:fontRef>
-        </p:style>
-      </p:cxnSp>
-      <p:sp>
-        <p:nvSpPr>
-          <p:cNvPr id="28" name="모서리가 둥근 직사각형 27"/>
-          <p:cNvSpPr/>
-          <p:nvPr/>
-        </p:nvSpPr>
-        <p:spPr>
-          <a:xfrm>
-            <a:off x="1510810" y="5533291"/>
-            <a:ext cx="1310054" cy="615462"/>
-          </a:xfrm>
-          <a:prstGeom prst="roundRect">
-            <a:avLst/>
-          </a:prstGeom>
         </p:spPr>
         <p:style>
           <a:lnRef idx="2">
@@ -6095,28 +6780,120 @@
           <a:lstStyle/>
           <a:p>
             <a:pPr algn="ctr"/>
-            <a:r>
-              <a:rPr lang="ko-KR" altLang="en-US" dirty="0" smtClean="0"/>
-              <a:t>읽기</a:t>
-            </a:r>
-            <a:endParaRPr lang="ko-KR" altLang="en-US" dirty="0"/>
-          </a:p>
-        </p:txBody>
-      </p:sp>
-      <p:sp>
-        <p:nvSpPr>
-          <p:cNvPr id="29" name="모서리가 둥근 직사각형 28"/>
+            <a:endParaRPr lang="ko-KR" altLang="en-US"/>
+          </a:p>
+        </p:txBody>
+      </p:sp>
+      <p:sp>
+        <p:nvSpPr>
+          <p:cNvPr id="8" name="TextBox 7"/>
+          <p:cNvSpPr txBox="1"/>
+          <p:nvPr/>
+        </p:nvSpPr>
+        <p:spPr>
+          <a:xfrm>
+            <a:off x="1227993" y="237392"/>
+            <a:ext cx="4749121" cy="707886"/>
+          </a:xfrm>
+          <a:prstGeom prst="rect">
+            <a:avLst/>
+          </a:prstGeom>
+          <a:noFill/>
+        </p:spPr>
+        <p:txBody>
+          <a:bodyPr wrap="square" rtlCol="0">
+            <a:spAutoFit/>
+          </a:bodyPr>
+          <a:lstStyle/>
+          <a:p>
+            <a:r>
+              <a:rPr lang="ko-KR" altLang="en-US" sz="4000" b="1" dirty="0" smtClean="0"/>
+              <a:t>동영상 강의</a:t>
+            </a:r>
+            <a:endParaRPr lang="ko-KR" altLang="en-US" sz="4000" b="1" dirty="0"/>
+          </a:p>
+        </p:txBody>
+      </p:sp>
+      <p:pic>
+        <p:nvPicPr>
+          <p:cNvPr id="6" name="그림 5"/>
+          <p:cNvPicPr>
+            <a:picLocks noChangeAspect="1"/>
+          </p:cNvPicPr>
+          <p:nvPr/>
+        </p:nvPicPr>
+        <p:blipFill>
+          <a:blip r:embed="rId2">
+            <a:extLst>
+              <a:ext uri="{28A0092B-C50C-407E-A947-70E740481C1C}">
+                <a14:useLocalDpi xmlns:a14="http://schemas.microsoft.com/office/drawing/2010/main" val="0"/>
+              </a:ext>
+            </a:extLst>
+          </a:blip>
+          <a:stretch>
+            <a:fillRect/>
+          </a:stretch>
+        </p:blipFill>
+        <p:spPr>
+          <a:xfrm>
+            <a:off x="1227993" y="1537189"/>
+            <a:ext cx="10058400" cy="4987016"/>
+          </a:xfrm>
+          <a:prstGeom prst="rect">
+            <a:avLst/>
+          </a:prstGeom>
+        </p:spPr>
+      </p:pic>
+    </p:spTree>
+    <p:extLst>
+      <p:ext uri="{BB962C8B-B14F-4D97-AF65-F5344CB8AC3E}">
+        <p14:creationId xmlns:p14="http://schemas.microsoft.com/office/powerpoint/2010/main" val="4215750598"/>
+      </p:ext>
+    </p:extLst>
+  </p:cSld>
+  <p:clrMapOvr>
+    <a:masterClrMapping/>
+  </p:clrMapOvr>
+</p:sld>
+</file>
+
+<file path=ppt/slides/slide9.xml><?xml version="1.0" encoding="utf-8"?>
+<p:sld xmlns:a="http://schemas.openxmlformats.org/drawingml/2006/main" xmlns:r="http://schemas.openxmlformats.org/officeDocument/2006/relationships" xmlns:p="http://schemas.openxmlformats.org/presentationml/2006/main">
+  <p:cSld>
+    <p:spTree>
+      <p:nvGrpSpPr>
+        <p:cNvPr id="1" name=""/>
+        <p:cNvGrpSpPr/>
+        <p:nvPr/>
+      </p:nvGrpSpPr>
+      <p:grpSpPr>
+        <a:xfrm>
+          <a:off x="0" y="0"/>
+          <a:ext cx="0" cy="0"/>
+          <a:chOff x="0" y="0"/>
+          <a:chExt cx="0" cy="0"/>
+        </a:xfrm>
+      </p:grpSpPr>
+      <p:sp>
+        <p:nvSpPr>
+          <p:cNvPr id="4" name="직사각형 3"/>
           <p:cNvSpPr/>
           <p:nvPr/>
         </p:nvSpPr>
         <p:spPr>
           <a:xfrm>
-            <a:off x="6751026" y="5533290"/>
-            <a:ext cx="1310054" cy="615462"/>
+            <a:off x="1227993" y="1081453"/>
+            <a:ext cx="10964007" cy="79131"/>
           </a:xfrm>
-          <a:prstGeom prst="roundRect">
+          <a:prstGeom prst="rect">
             <a:avLst/>
           </a:prstGeom>
+          <a:solidFill>
+            <a:srgbClr val="FF0000"/>
+          </a:solidFill>
+          <a:ln>
+            <a:noFill/>
+          </a:ln>
         </p:spPr>
         <p:style>
           <a:lnRef idx="2">
@@ -6139,314 +6916,20 @@
           <a:lstStyle/>
           <a:p>
             <a:pPr algn="ctr"/>
-            <a:r>
-              <a:rPr lang="ko-KR" altLang="en-US" dirty="0" smtClean="0"/>
-              <a:t>수정</a:t>
-            </a:r>
-            <a:endParaRPr lang="ko-KR" altLang="en-US" dirty="0"/>
-          </a:p>
-        </p:txBody>
-      </p:sp>
-      <p:sp>
-        <p:nvSpPr>
-          <p:cNvPr id="30" name="모서리가 둥근 직사각형 29"/>
-          <p:cNvSpPr/>
+            <a:endParaRPr lang="ko-KR" altLang="en-US"/>
+          </a:p>
+        </p:txBody>
+      </p:sp>
+      <p:sp>
+        <p:nvSpPr>
+          <p:cNvPr id="8" name="TextBox 7"/>
+          <p:cNvSpPr txBox="1"/>
           <p:nvPr/>
         </p:nvSpPr>
         <p:spPr>
           <a:xfrm>
-            <a:off x="9371134" y="5533291"/>
-            <a:ext cx="1310054" cy="615462"/>
-          </a:xfrm>
-          <a:prstGeom prst="roundRect">
-            <a:avLst/>
-          </a:prstGeom>
-        </p:spPr>
-        <p:style>
-          <a:lnRef idx="2">
-            <a:schemeClr val="accent1">
-              <a:shade val="50000"/>
-            </a:schemeClr>
-          </a:lnRef>
-          <a:fillRef idx="1">
-            <a:schemeClr val="accent1"/>
-          </a:fillRef>
-          <a:effectRef idx="0">
-            <a:schemeClr val="accent1"/>
-          </a:effectRef>
-          <a:fontRef idx="minor">
-            <a:schemeClr val="lt1"/>
-          </a:fontRef>
-        </p:style>
-        <p:txBody>
-          <a:bodyPr rtlCol="0" anchor="ctr"/>
-          <a:lstStyle/>
-          <a:p>
-            <a:pPr algn="ctr"/>
-            <a:r>
-              <a:rPr lang="ko-KR" altLang="en-US" dirty="0" smtClean="0"/>
-              <a:t>삭제</a:t>
-            </a:r>
-            <a:endParaRPr lang="en-US" altLang="ko-KR" dirty="0" smtClean="0"/>
-          </a:p>
-        </p:txBody>
-      </p:sp>
-      <p:cxnSp>
-        <p:nvCxnSpPr>
-          <p:cNvPr id="32" name="직선 화살표 연결선 31"/>
-          <p:cNvCxnSpPr/>
-          <p:nvPr/>
-        </p:nvCxnSpPr>
-        <p:spPr>
-          <a:xfrm>
-            <a:off x="7406053" y="5090745"/>
-            <a:ext cx="0" cy="442545"/>
-          </a:xfrm>
-          <a:prstGeom prst="straightConnector1">
-            <a:avLst/>
-          </a:prstGeom>
-          <a:ln>
-            <a:tailEnd type="triangle"/>
-          </a:ln>
-        </p:spPr>
-        <p:style>
-          <a:lnRef idx="1">
-            <a:schemeClr val="dk1"/>
-          </a:lnRef>
-          <a:fillRef idx="0">
-            <a:schemeClr val="dk1"/>
-          </a:fillRef>
-          <a:effectRef idx="0">
-            <a:schemeClr val="dk1"/>
-          </a:effectRef>
-          <a:fontRef idx="minor">
-            <a:schemeClr val="tx1"/>
-          </a:fontRef>
-        </p:style>
-      </p:cxnSp>
-      <p:cxnSp>
-        <p:nvCxnSpPr>
-          <p:cNvPr id="33" name="직선 화살표 연결선 32"/>
-          <p:cNvCxnSpPr>
-            <a:stCxn id="9" idx="2"/>
-          </p:cNvCxnSpPr>
-          <p:nvPr/>
-        </p:nvCxnSpPr>
-        <p:spPr>
-          <a:xfrm flipH="1">
-            <a:off x="9990988" y="2828189"/>
-            <a:ext cx="35173" cy="2705102"/>
-          </a:xfrm>
-          <a:prstGeom prst="straightConnector1">
-            <a:avLst/>
-          </a:prstGeom>
-          <a:ln>
-            <a:tailEnd type="triangle"/>
-          </a:ln>
-        </p:spPr>
-        <p:style>
-          <a:lnRef idx="1">
-            <a:schemeClr val="dk1"/>
-          </a:lnRef>
-          <a:fillRef idx="0">
-            <a:schemeClr val="dk1"/>
-          </a:fillRef>
-          <a:effectRef idx="0">
-            <a:schemeClr val="dk1"/>
-          </a:effectRef>
-          <a:fontRef idx="minor">
-            <a:schemeClr val="tx1"/>
-          </a:fontRef>
-        </p:style>
-      </p:cxnSp>
-      <p:cxnSp>
-        <p:nvCxnSpPr>
-          <p:cNvPr id="36" name="직선 화살표 연결선 35"/>
-          <p:cNvCxnSpPr>
-            <a:endCxn id="28" idx="0"/>
-          </p:cNvCxnSpPr>
-          <p:nvPr/>
-        </p:nvCxnSpPr>
-        <p:spPr>
-          <a:xfrm flipH="1">
-            <a:off x="2165837" y="2825260"/>
-            <a:ext cx="2932" cy="2708031"/>
-          </a:xfrm>
-          <a:prstGeom prst="straightConnector1">
-            <a:avLst/>
-          </a:prstGeom>
-          <a:ln>
-            <a:tailEnd type="triangle"/>
-          </a:ln>
-        </p:spPr>
-        <p:style>
-          <a:lnRef idx="1">
-            <a:schemeClr val="dk1"/>
-          </a:lnRef>
-          <a:fillRef idx="0">
-            <a:schemeClr val="dk1"/>
-          </a:fillRef>
-          <a:effectRef idx="0">
-            <a:schemeClr val="dk1"/>
-          </a:effectRef>
-          <a:fontRef idx="minor">
-            <a:schemeClr val="tx1"/>
-          </a:fontRef>
-        </p:style>
-      </p:cxnSp>
-      <p:cxnSp>
-        <p:nvCxnSpPr>
-          <p:cNvPr id="38" name="직선 화살표 연결선 37"/>
-          <p:cNvCxnSpPr/>
-          <p:nvPr/>
-        </p:nvCxnSpPr>
-        <p:spPr>
-          <a:xfrm>
-            <a:off x="4780083" y="2825260"/>
-            <a:ext cx="0" cy="515817"/>
-          </a:xfrm>
-          <a:prstGeom prst="straightConnector1">
-            <a:avLst/>
-          </a:prstGeom>
-          <a:ln>
-            <a:tailEnd type="triangle"/>
-          </a:ln>
-        </p:spPr>
-        <p:style>
-          <a:lnRef idx="1">
-            <a:schemeClr val="dk1"/>
-          </a:lnRef>
-          <a:fillRef idx="0">
-            <a:schemeClr val="dk1"/>
-          </a:fillRef>
-          <a:effectRef idx="0">
-            <a:schemeClr val="dk1"/>
-          </a:effectRef>
-          <a:fontRef idx="minor">
-            <a:schemeClr val="tx1"/>
-          </a:fontRef>
-        </p:style>
-      </p:cxnSp>
-      <p:cxnSp>
-        <p:nvCxnSpPr>
-          <p:cNvPr id="39" name="직선 화살표 연결선 38"/>
-          <p:cNvCxnSpPr/>
-          <p:nvPr/>
-        </p:nvCxnSpPr>
-        <p:spPr>
-          <a:xfrm>
-            <a:off x="7391398" y="2825260"/>
-            <a:ext cx="0" cy="515817"/>
-          </a:xfrm>
-          <a:prstGeom prst="straightConnector1">
-            <a:avLst/>
-          </a:prstGeom>
-          <a:ln>
-            <a:tailEnd type="triangle"/>
-          </a:ln>
-        </p:spPr>
-        <p:style>
-          <a:lnRef idx="1">
-            <a:schemeClr val="dk1"/>
-          </a:lnRef>
-          <a:fillRef idx="0">
-            <a:schemeClr val="dk1"/>
-          </a:fillRef>
-          <a:effectRef idx="0">
-            <a:schemeClr val="dk1"/>
-          </a:effectRef>
-          <a:fontRef idx="minor">
-            <a:schemeClr val="tx1"/>
-          </a:fontRef>
-        </p:style>
-      </p:cxnSp>
-      <p:cxnSp>
-        <p:nvCxnSpPr>
-          <p:cNvPr id="41" name="직선 화살표 연결선 40"/>
-          <p:cNvCxnSpPr/>
-          <p:nvPr/>
-        </p:nvCxnSpPr>
-        <p:spPr>
-          <a:xfrm>
-            <a:off x="4785945" y="5090745"/>
-            <a:ext cx="0" cy="442545"/>
-          </a:xfrm>
-          <a:prstGeom prst="straightConnector1">
-            <a:avLst/>
-          </a:prstGeom>
-          <a:ln>
-            <a:tailEnd type="triangle"/>
-          </a:ln>
-        </p:spPr>
-        <p:style>
-          <a:lnRef idx="1">
-            <a:schemeClr val="dk1"/>
-          </a:lnRef>
-          <a:fillRef idx="0">
-            <a:schemeClr val="dk1"/>
-          </a:fillRef>
-          <a:effectRef idx="0">
-            <a:schemeClr val="dk1"/>
-          </a:effectRef>
-          <a:fontRef idx="minor">
-            <a:schemeClr val="tx1"/>
-          </a:fontRef>
-        </p:style>
-      </p:cxnSp>
-      <p:sp>
-        <p:nvSpPr>
-          <p:cNvPr id="42" name="모서리가 둥근 직사각형 41"/>
-          <p:cNvSpPr/>
-          <p:nvPr/>
-        </p:nvSpPr>
-        <p:spPr>
-          <a:xfrm>
-            <a:off x="4130918" y="5533290"/>
-            <a:ext cx="1310054" cy="615462"/>
-          </a:xfrm>
-          <a:prstGeom prst="roundRect">
-            <a:avLst/>
-          </a:prstGeom>
-        </p:spPr>
-        <p:style>
-          <a:lnRef idx="2">
-            <a:schemeClr val="accent1">
-              <a:shade val="50000"/>
-            </a:schemeClr>
-          </a:lnRef>
-          <a:fillRef idx="1">
-            <a:schemeClr val="accent1"/>
-          </a:fillRef>
-          <a:effectRef idx="0">
-            <a:schemeClr val="accent1"/>
-          </a:effectRef>
-          <a:fontRef idx="minor">
-            <a:schemeClr val="lt1"/>
-          </a:fontRef>
-        </p:style>
-        <p:txBody>
-          <a:bodyPr rtlCol="0" anchor="ctr"/>
-          <a:lstStyle/>
-          <a:p>
-            <a:pPr algn="ctr"/>
-            <a:r>
-              <a:rPr lang="ko-KR" altLang="en-US" dirty="0" smtClean="0"/>
-              <a:t>쓰기</a:t>
-            </a:r>
-            <a:endParaRPr lang="ko-KR" altLang="en-US" dirty="0"/>
-          </a:p>
-        </p:txBody>
-      </p:sp>
-      <p:sp>
-        <p:nvSpPr>
-          <p:cNvPr id="37" name="TextBox 36"/>
-          <p:cNvSpPr txBox="1"/>
-          <p:nvPr/>
-        </p:nvSpPr>
-        <p:spPr>
-          <a:xfrm>
-            <a:off x="6882284" y="213173"/>
-            <a:ext cx="1018227" cy="369332"/>
+            <a:off x="1227993" y="237392"/>
+            <a:ext cx="4749121" cy="707886"/>
           </a:xfrm>
           <a:prstGeom prst="rect">
             <a:avLst/>
@@ -6454,172 +6937,61 @@
           <a:noFill/>
         </p:spPr>
         <p:txBody>
-          <a:bodyPr wrap="none" rtlCol="0">
+          <a:bodyPr wrap="square" rtlCol="0">
             <a:spAutoFit/>
           </a:bodyPr>
           <a:lstStyle/>
           <a:p>
             <a:r>
-              <a:rPr lang="en-US" altLang="ko-KR" dirty="0" smtClean="0"/>
-              <a:t>[</a:t>
-            </a:r>
-            <a:r>
-              <a:rPr lang="ko-KR" altLang="en-US" dirty="0" smtClean="0"/>
-              <a:t>사용자</a:t>
-            </a:r>
-            <a:r>
-              <a:rPr lang="en-US" altLang="ko-KR" dirty="0" smtClean="0"/>
-              <a:t>]</a:t>
-            </a:r>
-            <a:endParaRPr lang="ko-KR" altLang="en-US" dirty="0"/>
-          </a:p>
-        </p:txBody>
-      </p:sp>
-      <p:sp>
-        <p:nvSpPr>
-          <p:cNvPr id="43" name="TextBox 42"/>
-          <p:cNvSpPr txBox="1"/>
+              <a:rPr lang="ko-KR" altLang="en-US" sz="4000" b="1" dirty="0" smtClean="0"/>
+              <a:t>공지사항</a:t>
+            </a:r>
+            <a:r>
+              <a:rPr lang="en-US" altLang="ko-KR" sz="4000" b="1" dirty="0" smtClean="0"/>
+              <a:t>/</a:t>
+            </a:r>
+            <a:r>
+              <a:rPr lang="ko-KR" altLang="en-US" sz="4000" b="1" dirty="0" smtClean="0"/>
+              <a:t>이벤트</a:t>
+            </a:r>
+            <a:endParaRPr lang="ko-KR" altLang="en-US" sz="4000" b="1" dirty="0"/>
+          </a:p>
+        </p:txBody>
+      </p:sp>
+      <p:pic>
+        <p:nvPicPr>
+          <p:cNvPr id="5" name="그림 4"/>
+          <p:cNvPicPr>
+            <a:picLocks noChangeAspect="1"/>
+          </p:cNvPicPr>
           <p:nvPr/>
-        </p:nvSpPr>
+        </p:nvPicPr>
+        <p:blipFill>
+          <a:blip r:embed="rId2">
+            <a:extLst>
+              <a:ext uri="{28A0092B-C50C-407E-A947-70E740481C1C}">
+                <a14:useLocalDpi xmlns:a14="http://schemas.microsoft.com/office/drawing/2010/main" val="0"/>
+              </a:ext>
+            </a:extLst>
+          </a:blip>
+          <a:stretch>
+            <a:fillRect/>
+          </a:stretch>
+        </p:blipFill>
         <p:spPr>
           <a:xfrm>
-            <a:off x="5297589" y="4586648"/>
-            <a:ext cx="1561646" cy="369332"/>
+            <a:off x="1227993" y="1545981"/>
+            <a:ext cx="10058400" cy="4886820"/>
           </a:xfrm>
           <a:prstGeom prst="rect">
             <a:avLst/>
           </a:prstGeom>
-          <a:noFill/>
         </p:spPr>
-        <p:txBody>
-          <a:bodyPr wrap="none" rtlCol="0">
-            <a:spAutoFit/>
-          </a:bodyPr>
-          <a:lstStyle/>
-          <a:p>
-            <a:r>
-              <a:rPr lang="en-US" altLang="ko-KR" dirty="0" smtClean="0">
-                <a:solidFill>
-                  <a:srgbClr val="FF0000"/>
-                </a:solidFill>
-              </a:rPr>
-              <a:t>(</a:t>
-            </a:r>
-            <a:r>
-              <a:rPr lang="ko-KR" altLang="en-US" dirty="0" smtClean="0">
-                <a:solidFill>
-                  <a:srgbClr val="FF0000"/>
-                </a:solidFill>
-              </a:rPr>
-              <a:t>로그인 상태</a:t>
-            </a:r>
-            <a:r>
-              <a:rPr lang="en-US" altLang="ko-KR" dirty="0" smtClean="0">
-                <a:solidFill>
-                  <a:srgbClr val="FF0000"/>
-                </a:solidFill>
-              </a:rPr>
-              <a:t>)</a:t>
-            </a:r>
-            <a:endParaRPr lang="ko-KR" altLang="en-US" dirty="0">
-              <a:solidFill>
-                <a:srgbClr val="FF0000"/>
-              </a:solidFill>
-            </a:endParaRPr>
-          </a:p>
-        </p:txBody>
-      </p:sp>
-      <p:sp>
-        <p:nvSpPr>
-          <p:cNvPr id="49" name="TextBox 48"/>
-          <p:cNvSpPr txBox="1"/>
-          <p:nvPr/>
-        </p:nvSpPr>
-        <p:spPr>
-          <a:xfrm>
-            <a:off x="252463" y="3959440"/>
-            <a:ext cx="1792478" cy="369332"/>
-          </a:xfrm>
-          <a:prstGeom prst="rect">
-            <a:avLst/>
-          </a:prstGeom>
-          <a:noFill/>
-        </p:spPr>
-        <p:txBody>
-          <a:bodyPr wrap="none" rtlCol="0">
-            <a:spAutoFit/>
-          </a:bodyPr>
-          <a:lstStyle/>
-          <a:p>
-            <a:r>
-              <a:rPr lang="en-US" altLang="ko-KR" smtClean="0">
-                <a:solidFill>
-                  <a:srgbClr val="FF0000"/>
-                </a:solidFill>
-              </a:rPr>
-              <a:t>(</a:t>
-            </a:r>
-            <a:r>
-              <a:rPr lang="ko-KR" altLang="en-US" dirty="0" smtClean="0">
-                <a:solidFill>
-                  <a:srgbClr val="FF0000"/>
-                </a:solidFill>
-              </a:rPr>
-              <a:t>로그아웃 상태</a:t>
-            </a:r>
-            <a:r>
-              <a:rPr lang="en-US" altLang="ko-KR" dirty="0" smtClean="0">
-                <a:solidFill>
-                  <a:srgbClr val="FF0000"/>
-                </a:solidFill>
-              </a:rPr>
-              <a:t>)</a:t>
-            </a:r>
-            <a:endParaRPr lang="ko-KR" altLang="en-US" dirty="0">
-              <a:solidFill>
-                <a:srgbClr val="FF0000"/>
-              </a:solidFill>
-            </a:endParaRPr>
-          </a:p>
-        </p:txBody>
-      </p:sp>
-      <p:cxnSp>
-        <p:nvCxnSpPr>
-          <p:cNvPr id="17" name="직선 화살표 연결선 16"/>
-          <p:cNvCxnSpPr/>
-          <p:nvPr/>
-        </p:nvCxnSpPr>
-        <p:spPr>
-          <a:xfrm flipH="1">
-            <a:off x="2168769" y="5090745"/>
-            <a:ext cx="7822219" cy="0"/>
-          </a:xfrm>
-          <a:prstGeom prst="straightConnector1">
-            <a:avLst/>
-          </a:prstGeom>
-          <a:ln>
-            <a:tailEnd type="triangle"/>
-          </a:ln>
-        </p:spPr>
-        <p:style>
-          <a:lnRef idx="1">
-            <a:schemeClr val="dk1"/>
-          </a:lnRef>
-          <a:fillRef idx="0">
-            <a:schemeClr val="dk1"/>
-          </a:fillRef>
-          <a:effectRef idx="0">
-            <a:schemeClr val="dk1"/>
-          </a:effectRef>
-          <a:fontRef idx="minor">
-            <a:schemeClr val="tx1"/>
-          </a:fontRef>
-        </p:style>
-      </p:cxnSp>
+      </p:pic>
     </p:spTree>
     <p:extLst>
       <p:ext uri="{BB962C8B-B14F-4D97-AF65-F5344CB8AC3E}">
-        <p14:creationId xmlns:p14="http://schemas.microsoft.com/office/powerpoint/2010/main" val="1768203170"/>
+        <p14:creationId xmlns:p14="http://schemas.microsoft.com/office/powerpoint/2010/main" val="3077971197"/>
       </p:ext>
     </p:extLst>
   </p:cSld>

--- a/Documents/정보구조설계(흐름도).pptx
+++ b/Documents/정보구조설계(흐름도).pptx
@@ -4526,7 +4526,7 @@
           <p:nvPr>
             <p:extLst>
               <p:ext uri="{D42A27DB-BD31-4B8C-83A1-F6EECF244321}">
-                <p14:modId xmlns:p14="http://schemas.microsoft.com/office/powerpoint/2010/main" val="1316632068"/>
+                <p14:modId xmlns:p14="http://schemas.microsoft.com/office/powerpoint/2010/main" val="1277038762"/>
               </p:ext>
             </p:extLst>
           </p:nvPr>
@@ -5277,6 +5277,11 @@
                         </a:rPr>
                         <a:t>.</a:t>
                       </a:r>
+                      <a:endParaRPr lang="en-US" altLang="ko-KR" sz="1600" dirty="0" smtClean="0">
+                        <a:solidFill>
+                          <a:schemeClr val="tx1"/>
+                        </a:solidFill>
+                      </a:endParaRPr>
                     </a:p>
                   </a:txBody>
                   <a:tcPr>

--- a/Documents/정보구조설계(흐름도).pptx
+++ b/Documents/정보구조설계(흐름도).pptx
@@ -162,10 +162,9 @@
           </a:lstStyle>
           <a:p>
             <a:r>
-              <a:rPr lang="ko-KR" altLang="en-US" smtClean="0"/>
+              <a:rPr lang="ko-KR" altLang="en-US"/>
               <a:t>마스터 제목 스타일 편집</a:t>
             </a:r>
-            <a:endParaRPr lang="ko-KR" altLang="en-US"/>
           </a:p>
         </p:txBody>
       </p:sp>
@@ -227,10 +226,9 @@
           </a:lstStyle>
           <a:p>
             <a:r>
-              <a:rPr lang="ko-KR" altLang="en-US" smtClean="0"/>
+              <a:rPr lang="ko-KR" altLang="en-US"/>
               <a:t>클릭하여 마스터 부제목 스타일 편집</a:t>
             </a:r>
-            <a:endParaRPr lang="ko-KR" altLang="en-US"/>
           </a:p>
         </p:txBody>
       </p:sp>
@@ -251,7 +249,7 @@
           <a:p>
             <a:fld id="{7738FE3C-1C26-43E1-BFCC-467E05BDA6F5}" type="datetimeFigureOut">
               <a:rPr lang="ko-KR" altLang="en-US" smtClean="0"/>
-              <a:t>2020-05-29</a:t>
+              <a:t>2020-06-02</a:t>
             </a:fld>
             <a:endParaRPr lang="ko-KR" altLang="en-US"/>
           </a:p>
@@ -345,10 +343,9 @@
           <a:lstStyle/>
           <a:p>
             <a:r>
-              <a:rPr lang="ko-KR" altLang="en-US" smtClean="0"/>
+              <a:rPr lang="ko-KR" altLang="en-US"/>
               <a:t>마스터 제목 스타일 편집</a:t>
             </a:r>
-            <a:endParaRPr lang="ko-KR" altLang="en-US"/>
           </a:p>
         </p:txBody>
       </p:sp>
@@ -369,38 +366,37 @@
           <a:p>
             <a:pPr lvl="0"/>
             <a:r>
-              <a:rPr lang="ko-KR" altLang="en-US" smtClean="0"/>
+              <a:rPr lang="ko-KR" altLang="en-US"/>
               <a:t>마스터 텍스트 스타일 편집</a:t>
             </a:r>
           </a:p>
           <a:p>
             <a:pPr lvl="1"/>
             <a:r>
-              <a:rPr lang="ko-KR" altLang="en-US" smtClean="0"/>
+              <a:rPr lang="ko-KR" altLang="en-US"/>
               <a:t>둘째 수준</a:t>
             </a:r>
           </a:p>
           <a:p>
             <a:pPr lvl="2"/>
             <a:r>
-              <a:rPr lang="ko-KR" altLang="en-US" smtClean="0"/>
+              <a:rPr lang="ko-KR" altLang="en-US"/>
               <a:t>셋째 수준</a:t>
             </a:r>
           </a:p>
           <a:p>
             <a:pPr lvl="3"/>
             <a:r>
-              <a:rPr lang="ko-KR" altLang="en-US" smtClean="0"/>
+              <a:rPr lang="ko-KR" altLang="en-US"/>
               <a:t>넷째 수준</a:t>
             </a:r>
           </a:p>
           <a:p>
             <a:pPr lvl="4"/>
             <a:r>
-              <a:rPr lang="ko-KR" altLang="en-US" smtClean="0"/>
+              <a:rPr lang="ko-KR" altLang="en-US"/>
               <a:t>다섯째 수준</a:t>
             </a:r>
-            <a:endParaRPr lang="ko-KR" altLang="en-US"/>
           </a:p>
         </p:txBody>
       </p:sp>
@@ -421,7 +417,7 @@
           <a:p>
             <a:fld id="{7738FE3C-1C26-43E1-BFCC-467E05BDA6F5}" type="datetimeFigureOut">
               <a:rPr lang="ko-KR" altLang="en-US" smtClean="0"/>
-              <a:t>2020-05-29</a:t>
+              <a:t>2020-06-02</a:t>
             </a:fld>
             <a:endParaRPr lang="ko-KR" altLang="en-US"/>
           </a:p>
@@ -520,10 +516,9 @@
           <a:lstStyle/>
           <a:p>
             <a:r>
-              <a:rPr lang="ko-KR" altLang="en-US" smtClean="0"/>
+              <a:rPr lang="ko-KR" altLang="en-US"/>
               <a:t>마스터 제목 스타일 편집</a:t>
             </a:r>
-            <a:endParaRPr lang="ko-KR" altLang="en-US"/>
           </a:p>
         </p:txBody>
       </p:sp>
@@ -549,38 +544,37 @@
           <a:p>
             <a:pPr lvl="0"/>
             <a:r>
-              <a:rPr lang="ko-KR" altLang="en-US" smtClean="0"/>
+              <a:rPr lang="ko-KR" altLang="en-US"/>
               <a:t>마스터 텍스트 스타일 편집</a:t>
             </a:r>
           </a:p>
           <a:p>
             <a:pPr lvl="1"/>
             <a:r>
-              <a:rPr lang="ko-KR" altLang="en-US" smtClean="0"/>
+              <a:rPr lang="ko-KR" altLang="en-US"/>
               <a:t>둘째 수준</a:t>
             </a:r>
           </a:p>
           <a:p>
             <a:pPr lvl="2"/>
             <a:r>
-              <a:rPr lang="ko-KR" altLang="en-US" smtClean="0"/>
+              <a:rPr lang="ko-KR" altLang="en-US"/>
               <a:t>셋째 수준</a:t>
             </a:r>
           </a:p>
           <a:p>
             <a:pPr lvl="3"/>
             <a:r>
-              <a:rPr lang="ko-KR" altLang="en-US" smtClean="0"/>
+              <a:rPr lang="ko-KR" altLang="en-US"/>
               <a:t>넷째 수준</a:t>
             </a:r>
           </a:p>
           <a:p>
             <a:pPr lvl="4"/>
             <a:r>
-              <a:rPr lang="ko-KR" altLang="en-US" smtClean="0"/>
+              <a:rPr lang="ko-KR" altLang="en-US"/>
               <a:t>다섯째 수준</a:t>
             </a:r>
-            <a:endParaRPr lang="ko-KR" altLang="en-US"/>
           </a:p>
         </p:txBody>
       </p:sp>
@@ -601,7 +595,7 @@
           <a:p>
             <a:fld id="{7738FE3C-1C26-43E1-BFCC-467E05BDA6F5}" type="datetimeFigureOut">
               <a:rPr lang="ko-KR" altLang="en-US" smtClean="0"/>
-              <a:t>2020-05-29</a:t>
+              <a:t>2020-06-02</a:t>
             </a:fld>
             <a:endParaRPr lang="ko-KR" altLang="en-US"/>
           </a:p>
@@ -695,10 +689,9 @@
           <a:lstStyle/>
           <a:p>
             <a:r>
-              <a:rPr lang="ko-KR" altLang="en-US" smtClean="0"/>
+              <a:rPr lang="ko-KR" altLang="en-US"/>
               <a:t>마스터 제목 스타일 편집</a:t>
             </a:r>
-            <a:endParaRPr lang="ko-KR" altLang="en-US"/>
           </a:p>
         </p:txBody>
       </p:sp>
@@ -719,38 +712,37 @@
           <a:p>
             <a:pPr lvl="0"/>
             <a:r>
-              <a:rPr lang="ko-KR" altLang="en-US" smtClean="0"/>
+              <a:rPr lang="ko-KR" altLang="en-US"/>
               <a:t>마스터 텍스트 스타일 편집</a:t>
             </a:r>
           </a:p>
           <a:p>
             <a:pPr lvl="1"/>
             <a:r>
-              <a:rPr lang="ko-KR" altLang="en-US" smtClean="0"/>
+              <a:rPr lang="ko-KR" altLang="en-US"/>
               <a:t>둘째 수준</a:t>
             </a:r>
           </a:p>
           <a:p>
             <a:pPr lvl="2"/>
             <a:r>
-              <a:rPr lang="ko-KR" altLang="en-US" smtClean="0"/>
+              <a:rPr lang="ko-KR" altLang="en-US"/>
               <a:t>셋째 수준</a:t>
             </a:r>
           </a:p>
           <a:p>
             <a:pPr lvl="3"/>
             <a:r>
-              <a:rPr lang="ko-KR" altLang="en-US" smtClean="0"/>
+              <a:rPr lang="ko-KR" altLang="en-US"/>
               <a:t>넷째 수준</a:t>
             </a:r>
           </a:p>
           <a:p>
             <a:pPr lvl="4"/>
             <a:r>
-              <a:rPr lang="ko-KR" altLang="en-US" smtClean="0"/>
+              <a:rPr lang="ko-KR" altLang="en-US"/>
               <a:t>다섯째 수준</a:t>
             </a:r>
-            <a:endParaRPr lang="ko-KR" altLang="en-US"/>
           </a:p>
         </p:txBody>
       </p:sp>
@@ -771,7 +763,7 @@
           <a:p>
             <a:fld id="{7738FE3C-1C26-43E1-BFCC-467E05BDA6F5}" type="datetimeFigureOut">
               <a:rPr lang="ko-KR" altLang="en-US" smtClean="0"/>
-              <a:t>2020-05-29</a:t>
+              <a:t>2020-06-02</a:t>
             </a:fld>
             <a:endParaRPr lang="ko-KR" altLang="en-US"/>
           </a:p>
@@ -874,10 +866,9 @@
           </a:lstStyle>
           <a:p>
             <a:r>
-              <a:rPr lang="ko-KR" altLang="en-US" smtClean="0"/>
+              <a:rPr lang="ko-KR" altLang="en-US"/>
               <a:t>마스터 제목 스타일 편집</a:t>
             </a:r>
-            <a:endParaRPr lang="ko-KR" altLang="en-US"/>
           </a:p>
         </p:txBody>
       </p:sp>
@@ -994,7 +985,7 @@
           <a:p>
             <a:pPr lvl="0"/>
             <a:r>
-              <a:rPr lang="ko-KR" altLang="en-US" smtClean="0"/>
+              <a:rPr lang="ko-KR" altLang="en-US"/>
               <a:t>마스터 텍스트 스타일 편집</a:t>
             </a:r>
           </a:p>
@@ -1017,7 +1008,7 @@
           <a:p>
             <a:fld id="{7738FE3C-1C26-43E1-BFCC-467E05BDA6F5}" type="datetimeFigureOut">
               <a:rPr lang="ko-KR" altLang="en-US" smtClean="0"/>
-              <a:t>2020-05-29</a:t>
+              <a:t>2020-06-02</a:t>
             </a:fld>
             <a:endParaRPr lang="ko-KR" altLang="en-US"/>
           </a:p>
@@ -1111,10 +1102,9 @@
           <a:lstStyle/>
           <a:p>
             <a:r>
-              <a:rPr lang="ko-KR" altLang="en-US" smtClean="0"/>
+              <a:rPr lang="ko-KR" altLang="en-US"/>
               <a:t>마스터 제목 스타일 편집</a:t>
             </a:r>
-            <a:endParaRPr lang="ko-KR" altLang="en-US"/>
           </a:p>
         </p:txBody>
       </p:sp>
@@ -1140,38 +1130,37 @@
           <a:p>
             <a:pPr lvl="0"/>
             <a:r>
-              <a:rPr lang="ko-KR" altLang="en-US" smtClean="0"/>
+              <a:rPr lang="ko-KR" altLang="en-US"/>
               <a:t>마스터 텍스트 스타일 편집</a:t>
             </a:r>
           </a:p>
           <a:p>
             <a:pPr lvl="1"/>
             <a:r>
-              <a:rPr lang="ko-KR" altLang="en-US" smtClean="0"/>
+              <a:rPr lang="ko-KR" altLang="en-US"/>
               <a:t>둘째 수준</a:t>
             </a:r>
           </a:p>
           <a:p>
             <a:pPr lvl="2"/>
             <a:r>
-              <a:rPr lang="ko-KR" altLang="en-US" smtClean="0"/>
+              <a:rPr lang="ko-KR" altLang="en-US"/>
               <a:t>셋째 수준</a:t>
             </a:r>
           </a:p>
           <a:p>
             <a:pPr lvl="3"/>
             <a:r>
-              <a:rPr lang="ko-KR" altLang="en-US" smtClean="0"/>
+              <a:rPr lang="ko-KR" altLang="en-US"/>
               <a:t>넷째 수준</a:t>
             </a:r>
           </a:p>
           <a:p>
             <a:pPr lvl="4"/>
             <a:r>
-              <a:rPr lang="ko-KR" altLang="en-US" smtClean="0"/>
+              <a:rPr lang="ko-KR" altLang="en-US"/>
               <a:t>다섯째 수준</a:t>
             </a:r>
-            <a:endParaRPr lang="ko-KR" altLang="en-US"/>
           </a:p>
         </p:txBody>
       </p:sp>
@@ -1197,38 +1186,37 @@
           <a:p>
             <a:pPr lvl="0"/>
             <a:r>
-              <a:rPr lang="ko-KR" altLang="en-US" smtClean="0"/>
+              <a:rPr lang="ko-KR" altLang="en-US"/>
               <a:t>마스터 텍스트 스타일 편집</a:t>
             </a:r>
           </a:p>
           <a:p>
             <a:pPr lvl="1"/>
             <a:r>
-              <a:rPr lang="ko-KR" altLang="en-US" smtClean="0"/>
+              <a:rPr lang="ko-KR" altLang="en-US"/>
               <a:t>둘째 수준</a:t>
             </a:r>
           </a:p>
           <a:p>
             <a:pPr lvl="2"/>
             <a:r>
-              <a:rPr lang="ko-KR" altLang="en-US" smtClean="0"/>
+              <a:rPr lang="ko-KR" altLang="en-US"/>
               <a:t>셋째 수준</a:t>
             </a:r>
           </a:p>
           <a:p>
             <a:pPr lvl="3"/>
             <a:r>
-              <a:rPr lang="ko-KR" altLang="en-US" smtClean="0"/>
+              <a:rPr lang="ko-KR" altLang="en-US"/>
               <a:t>넷째 수준</a:t>
             </a:r>
           </a:p>
           <a:p>
             <a:pPr lvl="4"/>
             <a:r>
-              <a:rPr lang="ko-KR" altLang="en-US" smtClean="0"/>
+              <a:rPr lang="ko-KR" altLang="en-US"/>
               <a:t>다섯째 수준</a:t>
             </a:r>
-            <a:endParaRPr lang="ko-KR" altLang="en-US"/>
           </a:p>
         </p:txBody>
       </p:sp>
@@ -1249,7 +1237,7 @@
           <a:p>
             <a:fld id="{7738FE3C-1C26-43E1-BFCC-467E05BDA6F5}" type="datetimeFigureOut">
               <a:rPr lang="ko-KR" altLang="en-US" smtClean="0"/>
-              <a:t>2020-05-29</a:t>
+              <a:t>2020-06-02</a:t>
             </a:fld>
             <a:endParaRPr lang="ko-KR" altLang="en-US"/>
           </a:p>
@@ -1348,10 +1336,9 @@
           <a:lstStyle/>
           <a:p>
             <a:r>
-              <a:rPr lang="ko-KR" altLang="en-US" smtClean="0"/>
+              <a:rPr lang="ko-KR" altLang="en-US"/>
               <a:t>마스터 제목 스타일 편집</a:t>
             </a:r>
-            <a:endParaRPr lang="ko-KR" altLang="en-US"/>
           </a:p>
         </p:txBody>
       </p:sp>
@@ -1414,7 +1401,7 @@
           <a:p>
             <a:pPr lvl="0"/>
             <a:r>
-              <a:rPr lang="ko-KR" altLang="en-US" smtClean="0"/>
+              <a:rPr lang="ko-KR" altLang="en-US"/>
               <a:t>마스터 텍스트 스타일 편집</a:t>
             </a:r>
           </a:p>
@@ -1442,38 +1429,37 @@
           <a:p>
             <a:pPr lvl="0"/>
             <a:r>
-              <a:rPr lang="ko-KR" altLang="en-US" smtClean="0"/>
+              <a:rPr lang="ko-KR" altLang="en-US"/>
               <a:t>마스터 텍스트 스타일 편집</a:t>
             </a:r>
           </a:p>
           <a:p>
             <a:pPr lvl="1"/>
             <a:r>
-              <a:rPr lang="ko-KR" altLang="en-US" smtClean="0"/>
+              <a:rPr lang="ko-KR" altLang="en-US"/>
               <a:t>둘째 수준</a:t>
             </a:r>
           </a:p>
           <a:p>
             <a:pPr lvl="2"/>
             <a:r>
-              <a:rPr lang="ko-KR" altLang="en-US" smtClean="0"/>
+              <a:rPr lang="ko-KR" altLang="en-US"/>
               <a:t>셋째 수준</a:t>
             </a:r>
           </a:p>
           <a:p>
             <a:pPr lvl="3"/>
             <a:r>
-              <a:rPr lang="ko-KR" altLang="en-US" smtClean="0"/>
+              <a:rPr lang="ko-KR" altLang="en-US"/>
               <a:t>넷째 수준</a:t>
             </a:r>
           </a:p>
           <a:p>
             <a:pPr lvl="4"/>
             <a:r>
-              <a:rPr lang="ko-KR" altLang="en-US" smtClean="0"/>
+              <a:rPr lang="ko-KR" altLang="en-US"/>
               <a:t>다섯째 수준</a:t>
             </a:r>
-            <a:endParaRPr lang="ko-KR" altLang="en-US"/>
           </a:p>
         </p:txBody>
       </p:sp>
@@ -1536,7 +1522,7 @@
           <a:p>
             <a:pPr lvl="0"/>
             <a:r>
-              <a:rPr lang="ko-KR" altLang="en-US" smtClean="0"/>
+              <a:rPr lang="ko-KR" altLang="en-US"/>
               <a:t>마스터 텍스트 스타일 편집</a:t>
             </a:r>
           </a:p>
@@ -1564,38 +1550,37 @@
           <a:p>
             <a:pPr lvl="0"/>
             <a:r>
-              <a:rPr lang="ko-KR" altLang="en-US" smtClean="0"/>
+              <a:rPr lang="ko-KR" altLang="en-US"/>
               <a:t>마스터 텍스트 스타일 편집</a:t>
             </a:r>
           </a:p>
           <a:p>
             <a:pPr lvl="1"/>
             <a:r>
-              <a:rPr lang="ko-KR" altLang="en-US" smtClean="0"/>
+              <a:rPr lang="ko-KR" altLang="en-US"/>
               <a:t>둘째 수준</a:t>
             </a:r>
           </a:p>
           <a:p>
             <a:pPr lvl="2"/>
             <a:r>
-              <a:rPr lang="ko-KR" altLang="en-US" smtClean="0"/>
+              <a:rPr lang="ko-KR" altLang="en-US"/>
               <a:t>셋째 수준</a:t>
             </a:r>
           </a:p>
           <a:p>
             <a:pPr lvl="3"/>
             <a:r>
-              <a:rPr lang="ko-KR" altLang="en-US" smtClean="0"/>
+              <a:rPr lang="ko-KR" altLang="en-US"/>
               <a:t>넷째 수준</a:t>
             </a:r>
           </a:p>
           <a:p>
             <a:pPr lvl="4"/>
             <a:r>
-              <a:rPr lang="ko-KR" altLang="en-US" smtClean="0"/>
+              <a:rPr lang="ko-KR" altLang="en-US"/>
               <a:t>다섯째 수준</a:t>
             </a:r>
-            <a:endParaRPr lang="ko-KR" altLang="en-US"/>
           </a:p>
         </p:txBody>
       </p:sp>
@@ -1616,7 +1601,7 @@
           <a:p>
             <a:fld id="{7738FE3C-1C26-43E1-BFCC-467E05BDA6F5}" type="datetimeFigureOut">
               <a:rPr lang="ko-KR" altLang="en-US" smtClean="0"/>
-              <a:t>2020-05-29</a:t>
+              <a:t>2020-06-02</a:t>
             </a:fld>
             <a:endParaRPr lang="ko-KR" altLang="en-US"/>
           </a:p>
@@ -1710,10 +1695,9 @@
           <a:lstStyle/>
           <a:p>
             <a:r>
-              <a:rPr lang="ko-KR" altLang="en-US" smtClean="0"/>
+              <a:rPr lang="ko-KR" altLang="en-US"/>
               <a:t>마스터 제목 스타일 편집</a:t>
             </a:r>
-            <a:endParaRPr lang="ko-KR" altLang="en-US"/>
           </a:p>
         </p:txBody>
       </p:sp>
@@ -1734,7 +1718,7 @@
           <a:p>
             <a:fld id="{7738FE3C-1C26-43E1-BFCC-467E05BDA6F5}" type="datetimeFigureOut">
               <a:rPr lang="ko-KR" altLang="en-US" smtClean="0"/>
-              <a:t>2020-05-29</a:t>
+              <a:t>2020-06-02</a:t>
             </a:fld>
             <a:endParaRPr lang="ko-KR" altLang="en-US"/>
           </a:p>
@@ -1829,7 +1813,7 @@
           <a:p>
             <a:fld id="{7738FE3C-1C26-43E1-BFCC-467E05BDA6F5}" type="datetimeFigureOut">
               <a:rPr lang="ko-KR" altLang="en-US" smtClean="0"/>
-              <a:t>2020-05-29</a:t>
+              <a:t>2020-06-02</a:t>
             </a:fld>
             <a:endParaRPr lang="ko-KR" altLang="en-US"/>
           </a:p>
@@ -1932,10 +1916,9 @@
           </a:lstStyle>
           <a:p>
             <a:r>
-              <a:rPr lang="ko-KR" altLang="en-US" smtClean="0"/>
+              <a:rPr lang="ko-KR" altLang="en-US"/>
               <a:t>마스터 제목 스타일 편집</a:t>
             </a:r>
-            <a:endParaRPr lang="ko-KR" altLang="en-US"/>
           </a:p>
         </p:txBody>
       </p:sp>
@@ -1989,38 +1972,37 @@
           <a:p>
             <a:pPr lvl="0"/>
             <a:r>
-              <a:rPr lang="ko-KR" altLang="en-US" smtClean="0"/>
+              <a:rPr lang="ko-KR" altLang="en-US"/>
               <a:t>마스터 텍스트 스타일 편집</a:t>
             </a:r>
           </a:p>
           <a:p>
             <a:pPr lvl="1"/>
             <a:r>
-              <a:rPr lang="ko-KR" altLang="en-US" smtClean="0"/>
+              <a:rPr lang="ko-KR" altLang="en-US"/>
               <a:t>둘째 수준</a:t>
             </a:r>
           </a:p>
           <a:p>
             <a:pPr lvl="2"/>
             <a:r>
-              <a:rPr lang="ko-KR" altLang="en-US" smtClean="0"/>
+              <a:rPr lang="ko-KR" altLang="en-US"/>
               <a:t>셋째 수준</a:t>
             </a:r>
           </a:p>
           <a:p>
             <a:pPr lvl="3"/>
             <a:r>
-              <a:rPr lang="ko-KR" altLang="en-US" smtClean="0"/>
+              <a:rPr lang="ko-KR" altLang="en-US"/>
               <a:t>넷째 수준</a:t>
             </a:r>
           </a:p>
           <a:p>
             <a:pPr lvl="4"/>
             <a:r>
-              <a:rPr lang="ko-KR" altLang="en-US" smtClean="0"/>
+              <a:rPr lang="ko-KR" altLang="en-US"/>
               <a:t>다섯째 수준</a:t>
             </a:r>
-            <a:endParaRPr lang="ko-KR" altLang="en-US"/>
           </a:p>
         </p:txBody>
       </p:sp>
@@ -2083,7 +2065,7 @@
           <a:p>
             <a:pPr lvl="0"/>
             <a:r>
-              <a:rPr lang="ko-KR" altLang="en-US" smtClean="0"/>
+              <a:rPr lang="ko-KR" altLang="en-US"/>
               <a:t>마스터 텍스트 스타일 편집</a:t>
             </a:r>
           </a:p>
@@ -2106,7 +2088,7 @@
           <a:p>
             <a:fld id="{7738FE3C-1C26-43E1-BFCC-467E05BDA6F5}" type="datetimeFigureOut">
               <a:rPr lang="ko-KR" altLang="en-US" smtClean="0"/>
-              <a:t>2020-05-29</a:t>
+              <a:t>2020-06-02</a:t>
             </a:fld>
             <a:endParaRPr lang="ko-KR" altLang="en-US"/>
           </a:p>
@@ -2209,10 +2191,9 @@
           </a:lstStyle>
           <a:p>
             <a:r>
-              <a:rPr lang="ko-KR" altLang="en-US" smtClean="0"/>
+              <a:rPr lang="ko-KR" altLang="en-US"/>
               <a:t>마스터 제목 스타일 편집</a:t>
             </a:r>
-            <a:endParaRPr lang="ko-KR" altLang="en-US"/>
           </a:p>
         </p:txBody>
       </p:sp>
@@ -2336,7 +2317,7 @@
           <a:p>
             <a:pPr lvl="0"/>
             <a:r>
-              <a:rPr lang="ko-KR" altLang="en-US" smtClean="0"/>
+              <a:rPr lang="ko-KR" altLang="en-US"/>
               <a:t>마스터 텍스트 스타일 편집</a:t>
             </a:r>
           </a:p>
@@ -2359,7 +2340,7 @@
           <a:p>
             <a:fld id="{7738FE3C-1C26-43E1-BFCC-467E05BDA6F5}" type="datetimeFigureOut">
               <a:rPr lang="ko-KR" altLang="en-US" smtClean="0"/>
-              <a:t>2020-05-29</a:t>
+              <a:t>2020-06-02</a:t>
             </a:fld>
             <a:endParaRPr lang="ko-KR" altLang="en-US"/>
           </a:p>
@@ -2468,10 +2449,9 @@
           <a:lstStyle/>
           <a:p>
             <a:r>
-              <a:rPr lang="ko-KR" altLang="en-US" smtClean="0"/>
+              <a:rPr lang="ko-KR" altLang="en-US"/>
               <a:t>마스터 제목 스타일 편집</a:t>
             </a:r>
-            <a:endParaRPr lang="ko-KR" altLang="en-US"/>
           </a:p>
         </p:txBody>
       </p:sp>
@@ -2502,38 +2482,37 @@
           <a:p>
             <a:pPr lvl="0"/>
             <a:r>
-              <a:rPr lang="ko-KR" altLang="en-US" smtClean="0"/>
+              <a:rPr lang="ko-KR" altLang="en-US"/>
               <a:t>마스터 텍스트 스타일 편집</a:t>
             </a:r>
           </a:p>
           <a:p>
             <a:pPr lvl="1"/>
             <a:r>
-              <a:rPr lang="ko-KR" altLang="en-US" smtClean="0"/>
+              <a:rPr lang="ko-KR" altLang="en-US"/>
               <a:t>둘째 수준</a:t>
             </a:r>
           </a:p>
           <a:p>
             <a:pPr lvl="2"/>
             <a:r>
-              <a:rPr lang="ko-KR" altLang="en-US" smtClean="0"/>
+              <a:rPr lang="ko-KR" altLang="en-US"/>
               <a:t>셋째 수준</a:t>
             </a:r>
           </a:p>
           <a:p>
             <a:pPr lvl="3"/>
             <a:r>
-              <a:rPr lang="ko-KR" altLang="en-US" smtClean="0"/>
+              <a:rPr lang="ko-KR" altLang="en-US"/>
               <a:t>넷째 수준</a:t>
             </a:r>
           </a:p>
           <a:p>
             <a:pPr lvl="4"/>
             <a:r>
-              <a:rPr lang="ko-KR" altLang="en-US" smtClean="0"/>
+              <a:rPr lang="ko-KR" altLang="en-US"/>
               <a:t>다섯째 수준</a:t>
             </a:r>
-            <a:endParaRPr lang="ko-KR" altLang="en-US"/>
           </a:p>
         </p:txBody>
       </p:sp>
@@ -2572,7 +2551,7 @@
           <a:p>
             <a:fld id="{7738FE3C-1C26-43E1-BFCC-467E05BDA6F5}" type="datetimeFigureOut">
               <a:rPr lang="ko-KR" altLang="en-US" smtClean="0"/>
-              <a:t>2020-05-29</a:t>
+              <a:t>2020-06-02</a:t>
             </a:fld>
             <a:endParaRPr lang="ko-KR" altLang="en-US"/>
           </a:p>
@@ -3390,19 +3369,19 @@
                     <a:p>
                       <a:pPr algn="ctr" latinLnBrk="1"/>
                       <a:r>
-                        <a:rPr lang="ko-KR" altLang="en-US" dirty="0" smtClean="0"/>
+                        <a:rPr lang="ko-KR" altLang="en-US" dirty="0"/>
                         <a:t>정보구조설계</a:t>
                       </a:r>
                       <a:r>
-                        <a:rPr lang="en-US" altLang="ko-KR" dirty="0" smtClean="0"/>
+                        <a:rPr lang="en-US" altLang="ko-KR" dirty="0"/>
                         <a:t>(</a:t>
                       </a:r>
                       <a:r>
-                        <a:rPr lang="ko-KR" altLang="en-US" dirty="0" smtClean="0"/>
+                        <a:rPr lang="ko-KR" altLang="en-US" dirty="0"/>
                         <a:t>흐름도</a:t>
                       </a:r>
                       <a:r>
-                        <a:rPr lang="en-US" altLang="ko-KR" dirty="0" smtClean="0"/>
+                        <a:rPr lang="en-US" altLang="ko-KR" dirty="0"/>
                         <a:t>)</a:t>
                       </a:r>
                       <a:endParaRPr lang="ko-KR" altLang="en-US" dirty="0"/>
@@ -3506,7 +3485,7 @@
                     <a:p>
                       <a:pPr algn="ctr" latinLnBrk="1"/>
                       <a:r>
-                        <a:rPr lang="en-US" altLang="ko-KR" dirty="0" smtClean="0"/>
+                        <a:rPr lang="en-US" altLang="ko-KR" dirty="0"/>
                         <a:t>2020-05-29</a:t>
                       </a:r>
                       <a:endParaRPr lang="ko-KR" altLang="en-US" dirty="0"/>
@@ -3621,6 +3600,42 @@
         <p:spPr>
           <a:xfrm>
             <a:off x="3488890" y="2026732"/>
+            <a:ext cx="4341573" cy="523220"/>
+          </a:xfrm>
+          <a:prstGeom prst="rect">
+            <a:avLst/>
+          </a:prstGeom>
+          <a:noFill/>
+        </p:spPr>
+        <p:txBody>
+          <a:bodyPr wrap="none" rtlCol="0">
+            <a:spAutoFit/>
+          </a:bodyPr>
+          <a:lstStyle/>
+          <a:p>
+            <a:r>
+              <a:rPr lang="en-US" altLang="ko-KR" sz="2800" dirty="0"/>
+              <a:t>Publisher Website Project</a:t>
+            </a:r>
+            <a:endParaRPr lang="ko-KR" altLang="en-US" sz="2800" dirty="0"/>
+          </a:p>
+        </p:txBody>
+      </p:sp>
+      <p:sp>
+        <p:nvSpPr>
+          <p:cNvPr id="8" name="TextBox 7">
+            <a:extLst>
+              <a:ext uri="{FF2B5EF4-FFF2-40B4-BE49-F238E27FC236}">
+                <a16:creationId xmlns:a16="http://schemas.microsoft.com/office/drawing/2014/main" id="{5E5047AB-9C2D-44E1-ACFB-E5C70F4DD101}"/>
+              </a:ext>
+            </a:extLst>
+          </p:cNvPr>
+          <p:cNvSpPr txBox="1"/>
+          <p:nvPr/>
+        </p:nvSpPr>
+        <p:spPr>
+          <a:xfrm>
+            <a:off x="7850427" y="538451"/>
             <a:ext cx="4341573" cy="523220"/>
           </a:xfrm>
           <a:prstGeom prst="rect">
@@ -4083,7 +4098,7 @@
                     <a:p>
                       <a:pPr algn="ctr" latinLnBrk="1"/>
                       <a:r>
-                        <a:rPr lang="ko-KR" altLang="en-US" sz="1600" dirty="0" smtClean="0">
+                        <a:rPr lang="ko-KR" altLang="en-US" sz="1600" dirty="0">
                           <a:solidFill>
                             <a:schemeClr val="tx1"/>
                           </a:solidFill>
@@ -4091,7 +4106,7 @@
                         <a:t>정보구조설계</a:t>
                       </a:r>
                       <a:r>
-                        <a:rPr lang="en-US" altLang="ko-KR" sz="1600" dirty="0" smtClean="0">
+                        <a:rPr lang="en-US" altLang="ko-KR" sz="1600" dirty="0">
                           <a:solidFill>
                             <a:schemeClr val="tx1"/>
                           </a:solidFill>
@@ -4099,7 +4114,7 @@
                         <a:t>(</a:t>
                       </a:r>
                       <a:r>
-                        <a:rPr lang="ko-KR" altLang="en-US" sz="1600" dirty="0" smtClean="0">
+                        <a:rPr lang="ko-KR" altLang="en-US" sz="1600" dirty="0">
                           <a:solidFill>
                             <a:schemeClr val="tx1"/>
                           </a:solidFill>
@@ -4107,7 +4122,7 @@
                         <a:t>흐름도</a:t>
                       </a:r>
                       <a:r>
-                        <a:rPr lang="en-US" altLang="ko-KR" sz="1600" dirty="0" smtClean="0">
+                        <a:rPr lang="en-US" altLang="ko-KR" sz="1600" dirty="0">
                           <a:solidFill>
                             <a:schemeClr val="tx1"/>
                           </a:solidFill>
@@ -4224,7 +4239,7 @@
                     <a:p>
                       <a:pPr algn="ctr" latinLnBrk="1"/>
                       <a:r>
-                        <a:rPr lang="en-US" altLang="ko-KR" sz="1600" dirty="0" smtClean="0">
+                        <a:rPr lang="en-US" altLang="ko-KR" sz="1600" dirty="0">
                           <a:solidFill>
                             <a:schemeClr val="tx1"/>
                           </a:solidFill>
@@ -4881,7 +4896,7 @@
                     <a:p>
                       <a:pPr algn="ctr" latinLnBrk="1"/>
                       <a:r>
-                        <a:rPr lang="en-US" altLang="ko-KR" sz="1600" dirty="0" smtClean="0">
+                        <a:rPr lang="en-US" altLang="ko-KR" sz="1600" dirty="0">
                           <a:solidFill>
                             <a:schemeClr val="tx1"/>
                           </a:solidFill>
@@ -4945,7 +4960,7 @@
                         <a:buChar char="•"/>
                       </a:pPr>
                       <a:r>
-                        <a:rPr lang="ko-KR" altLang="en-US" sz="1600" baseline="0" dirty="0" smtClean="0">
+                        <a:rPr lang="ko-KR" altLang="en-US" sz="1600" baseline="0" dirty="0">
                           <a:solidFill>
                             <a:schemeClr val="tx1"/>
                           </a:solidFill>
@@ -4953,7 +4968,7 @@
                         <a:t>정보구조설계</a:t>
                       </a:r>
                       <a:r>
-                        <a:rPr lang="en-US" altLang="ko-KR" sz="1600" baseline="0" dirty="0" smtClean="0">
+                        <a:rPr lang="en-US" altLang="ko-KR" sz="1600" baseline="0" dirty="0">
                           <a:solidFill>
                             <a:schemeClr val="tx1"/>
                           </a:solidFill>
@@ -4961,7 +4976,7 @@
                         <a:t>(</a:t>
                       </a:r>
                       <a:r>
-                        <a:rPr lang="ko-KR" altLang="en-US" sz="1600" baseline="0" dirty="0" smtClean="0">
+                        <a:rPr lang="ko-KR" altLang="en-US" sz="1600" baseline="0" dirty="0">
                           <a:solidFill>
                             <a:schemeClr val="tx1"/>
                           </a:solidFill>
@@ -4969,7 +4984,7 @@
                         <a:t>흐름도</a:t>
                       </a:r>
                       <a:r>
-                        <a:rPr lang="en-US" altLang="ko-KR" sz="1600" baseline="0" dirty="0" smtClean="0">
+                        <a:rPr lang="en-US" altLang="ko-KR" sz="1600" baseline="0" dirty="0">
                           <a:solidFill>
                             <a:schemeClr val="tx1"/>
                           </a:solidFill>
@@ -4977,7 +4992,7 @@
                         <a:t>)</a:t>
                       </a:r>
                       <a:r>
-                        <a:rPr lang="ko-KR" altLang="en-US" sz="1600" baseline="0" dirty="0" smtClean="0">
+                        <a:rPr lang="ko-KR" altLang="en-US" sz="1600" baseline="0" dirty="0">
                           <a:solidFill>
                             <a:schemeClr val="tx1"/>
                           </a:solidFill>
@@ -5174,7 +5189,7 @@
                     <a:p>
                       <a:pPr algn="ctr" latinLnBrk="1"/>
                       <a:r>
-                        <a:rPr lang="en-US" altLang="ko-KR" sz="1600" dirty="0" smtClean="0">
+                        <a:rPr lang="en-US" altLang="ko-KR" sz="1600" dirty="0">
                           <a:solidFill>
                             <a:schemeClr val="tx1"/>
                           </a:solidFill>
@@ -5238,7 +5253,7 @@
                         <a:buChar char="•"/>
                       </a:pPr>
                       <a:r>
-                        <a:rPr lang="ko-KR" altLang="en-US" sz="1600" dirty="0" smtClean="0">
+                        <a:rPr lang="ko-KR" altLang="en-US" sz="1600" dirty="0">
                           <a:solidFill>
                             <a:schemeClr val="tx1"/>
                           </a:solidFill>
@@ -5246,7 +5261,7 @@
                         <a:t>온라인 다이어그램 툴</a:t>
                       </a:r>
                       <a:r>
-                        <a:rPr lang="en-US" altLang="ko-KR" sz="1600" dirty="0" smtClean="0">
+                        <a:rPr lang="en-US" altLang="ko-KR" sz="1600" dirty="0">
                           <a:solidFill>
                             <a:schemeClr val="tx1"/>
                           </a:solidFill>
@@ -5254,7 +5269,7 @@
                         <a:t>(draw.io)</a:t>
                       </a:r>
                       <a:r>
-                        <a:rPr lang="ko-KR" altLang="en-US" sz="1600" dirty="0" smtClean="0">
+                        <a:rPr lang="ko-KR" altLang="en-US" sz="1600" dirty="0">
                           <a:solidFill>
                             <a:schemeClr val="tx1"/>
                           </a:solidFill>
@@ -5262,7 +5277,7 @@
                         <a:t>을 활용하여 </a:t>
                       </a:r>
                       <a:r>
-                        <a:rPr lang="ko-KR" altLang="en-US" sz="1600" dirty="0" err="1" smtClean="0">
+                        <a:rPr lang="ko-KR" altLang="en-US" sz="1600" dirty="0" err="1">
                           <a:solidFill>
                             <a:schemeClr val="tx1"/>
                           </a:solidFill>
@@ -5270,18 +5285,13 @@
                         <a:t>재작성</a:t>
                       </a:r>
                       <a:r>
-                        <a:rPr lang="en-US" altLang="ko-KR" sz="1600" dirty="0" smtClean="0">
+                        <a:rPr lang="en-US" altLang="ko-KR" sz="1600" dirty="0">
                           <a:solidFill>
                             <a:schemeClr val="tx1"/>
                           </a:solidFill>
                         </a:rPr>
                         <a:t>.</a:t>
                       </a:r>
-                      <a:endParaRPr lang="en-US" altLang="ko-KR" sz="1600" dirty="0" smtClean="0">
-                        <a:solidFill>
-                          <a:schemeClr val="tx1"/>
-                        </a:solidFill>
-                      </a:endParaRPr>
                     </a:p>
                   </a:txBody>
                   <a:tcPr>
@@ -6132,10 +6142,9 @@
           <a:lstStyle/>
           <a:p>
             <a:r>
-              <a:rPr lang="ko-KR" altLang="en-US" sz="4000" b="1" dirty="0" smtClean="0"/>
+              <a:rPr lang="ko-KR" altLang="en-US" sz="4000" b="1" dirty="0"/>
               <a:t>로그인</a:t>
             </a:r>
-            <a:endParaRPr lang="ko-KR" altLang="en-US" sz="4000" b="1" dirty="0"/>
           </a:p>
         </p:txBody>
       </p:sp>
@@ -6268,10 +6277,9 @@
           <a:lstStyle/>
           <a:p>
             <a:r>
-              <a:rPr lang="ko-KR" altLang="en-US" sz="4000" b="1" dirty="0" smtClean="0"/>
+              <a:rPr lang="ko-KR" altLang="en-US" sz="4000" b="1" dirty="0"/>
               <a:t>회원가입</a:t>
             </a:r>
-            <a:endParaRPr lang="ko-KR" altLang="en-US" sz="4000" b="1" dirty="0"/>
           </a:p>
         </p:txBody>
       </p:sp>
@@ -6404,10 +6412,9 @@
           <a:lstStyle/>
           <a:p>
             <a:r>
-              <a:rPr lang="ko-KR" altLang="en-US" sz="4000" b="1" dirty="0" smtClean="0"/>
+              <a:rPr lang="ko-KR" altLang="en-US" sz="4000" b="1" dirty="0"/>
               <a:t>도서</a:t>
             </a:r>
-            <a:endParaRPr lang="ko-KR" altLang="en-US" sz="4000" b="1" dirty="0"/>
           </a:p>
         </p:txBody>
       </p:sp>
@@ -6540,10 +6547,9 @@
           <a:lstStyle/>
           <a:p>
             <a:r>
-              <a:rPr lang="ko-KR" altLang="en-US" sz="4000" b="1" dirty="0" smtClean="0"/>
+              <a:rPr lang="ko-KR" altLang="en-US" sz="4000" b="1" dirty="0"/>
               <a:t>자료실</a:t>
             </a:r>
-            <a:endParaRPr lang="ko-KR" altLang="en-US" sz="4000" b="1" dirty="0"/>
           </a:p>
         </p:txBody>
       </p:sp>
@@ -6676,10 +6682,9 @@
           <a:lstStyle/>
           <a:p>
             <a:r>
-              <a:rPr lang="ko-KR" altLang="en-US" sz="4000" b="1" dirty="0" smtClean="0"/>
+              <a:rPr lang="ko-KR" altLang="en-US" sz="4000" b="1" dirty="0"/>
               <a:t>질문답변</a:t>
             </a:r>
-            <a:endParaRPr lang="ko-KR" altLang="en-US" sz="4000" b="1" dirty="0"/>
           </a:p>
         </p:txBody>
       </p:sp>
@@ -6812,10 +6817,9 @@
           <a:lstStyle/>
           <a:p>
             <a:r>
-              <a:rPr lang="ko-KR" altLang="en-US" sz="4000" b="1" dirty="0" smtClean="0"/>
+              <a:rPr lang="ko-KR" altLang="en-US" sz="4000" b="1" dirty="0"/>
               <a:t>동영상 강의</a:t>
             </a:r>
-            <a:endParaRPr lang="ko-KR" altLang="en-US" sz="4000" b="1" dirty="0"/>
           </a:p>
         </p:txBody>
       </p:sp>
@@ -6948,18 +6952,17 @@
           <a:lstStyle/>
           <a:p>
             <a:r>
-              <a:rPr lang="ko-KR" altLang="en-US" sz="4000" b="1" dirty="0" smtClean="0"/>
+              <a:rPr lang="ko-KR" altLang="en-US" sz="4000" b="1" dirty="0"/>
               <a:t>공지사항</a:t>
             </a:r>
             <a:r>
-              <a:rPr lang="en-US" altLang="ko-KR" sz="4000" b="1" dirty="0" smtClean="0"/>
+              <a:rPr lang="en-US" altLang="ko-KR" sz="4000" b="1" dirty="0"/>
               <a:t>/</a:t>
             </a:r>
             <a:r>
-              <a:rPr lang="ko-KR" altLang="en-US" sz="4000" b="1" dirty="0" smtClean="0"/>
+              <a:rPr lang="ko-KR" altLang="en-US" sz="4000" b="1" dirty="0"/>
               <a:t>이벤트</a:t>
             </a:r>
-            <a:endParaRPr lang="ko-KR" altLang="en-US" sz="4000" b="1" dirty="0"/>
           </a:p>
         </p:txBody>
       </p:sp>
